--- a/Customer-Segmentation-Presentation.pptx
+++ b/Customer-Segmentation-Presentation.pptx
@@ -5,7 +5,7 @@
     <p:sldMasterId id="2147483648" r:id="rId1"/>
   </p:sldMasterIdLst>
   <p:notesMasterIdLst>
-    <p:notesMasterId r:id="rId34"/>
+    <p:notesMasterId r:id="rId33"/>
   </p:notesMasterIdLst>
   <p:sldIdLst>
     <p:sldId id="258" r:id="rId2"/>
@@ -36,10 +36,9 @@
     <p:sldId id="313" r:id="rId27"/>
     <p:sldId id="314" r:id="rId28"/>
     <p:sldId id="317" r:id="rId29"/>
-    <p:sldId id="319" r:id="rId30"/>
-    <p:sldId id="294" r:id="rId31"/>
-    <p:sldId id="321" r:id="rId32"/>
-    <p:sldId id="297" r:id="rId33"/>
+    <p:sldId id="294" r:id="rId30"/>
+    <p:sldId id="321" r:id="rId31"/>
+    <p:sldId id="297" r:id="rId32"/>
   </p:sldIdLst>
   <p:sldSz cx="12192000" cy="6858000"/>
   <p:notesSz cx="6858000" cy="9144000"/>
@@ -11799,7 +11798,7 @@
           <p:cNvPr id="2" name="Title 1">
             <a:extLst>
               <a:ext uri="{FF2B5EF4-FFF2-40B4-BE49-F238E27FC236}">
-                <a16:creationId xmlns:a16="http://schemas.microsoft.com/office/drawing/2014/main" id="{A61CCEFB-13A0-C238-A3BA-1C2FB497E967}"/>
+                <a16:creationId xmlns:a16="http://schemas.microsoft.com/office/drawing/2014/main" id="{2219958F-55A5-8230-D0F0-C1C5A2EA48F4}"/>
               </a:ext>
             </a:extLst>
           </p:cNvPr>
@@ -11817,7 +11816,7 @@
           <a:p>
             <a:r>
               <a:rPr lang="en-US" dirty="0"/>
-              <a:t>Cluster characteristics summary</a:t>
+              <a:t>Summary of findings</a:t>
             </a:r>
           </a:p>
         </p:txBody>
@@ -11827,7 +11826,7 @@
           <p:cNvPr id="3" name="Content Placeholder 2">
             <a:extLst>
               <a:ext uri="{FF2B5EF4-FFF2-40B4-BE49-F238E27FC236}">
-                <a16:creationId xmlns:a16="http://schemas.microsoft.com/office/drawing/2014/main" id="{39390ED6-5B25-F83D-02FC-685B425DCF1C}"/>
+                <a16:creationId xmlns:a16="http://schemas.microsoft.com/office/drawing/2014/main" id="{0CF5FD2C-87D9-9295-2774-E99BFB637AED}"/>
               </a:ext>
             </a:extLst>
           </p:cNvPr>
@@ -11840,47 +11839,80 @@
         </p:nvSpPr>
         <p:spPr>
           <a:xfrm>
-            <a:off x="581192" y="2180496"/>
-            <a:ext cx="11029615" cy="4111122"/>
-          </a:xfrm>
-        </p:spPr>
-        <p:txBody>
-          <a:bodyPr/>
+            <a:off x="581193" y="2477541"/>
+            <a:ext cx="11029615" cy="3678303"/>
+          </a:xfrm>
+        </p:spPr>
+        <p:txBody>
+          <a:bodyPr>
+            <a:normAutofit fontScale="25000" lnSpcReduction="20000"/>
+          </a:bodyPr>
           <a:lstStyle/>
           <a:p>
-            <a:r>
-              <a:rPr lang="en-US" sz="2000" i="1" dirty="0"/>
-              <a:t>Target deals at </a:t>
-            </a:r>
-            <a:r>
-              <a:rPr lang="en-US" sz="2000" dirty="0"/>
-              <a:t>Clusters 2-4 </a:t>
-            </a:r>
-          </a:p>
-          <a:p>
-            <a:r>
-              <a:rPr lang="en-US" sz="2000" i="1" dirty="0"/>
+            <a:endParaRPr lang="en-US" i="1" dirty="0"/>
+          </a:p>
+          <a:p>
+            <a:endParaRPr lang="en-US" i="1" dirty="0"/>
+          </a:p>
+          <a:p>
+            <a:endParaRPr lang="en-US" sz="9600" i="1" dirty="0"/>
+          </a:p>
+          <a:p>
+            <a:r>
+              <a:rPr lang="en-US" sz="9600" dirty="0"/>
+              <a:t>If run deals, target these at Clusters 2-4 </a:t>
+            </a:r>
+          </a:p>
+          <a:p>
+            <a:r>
+              <a:rPr lang="en-US" sz="9600" dirty="0"/>
               <a:t>Concentrate on making/keeping the web page appealing for Clusters 0, 1, and 5</a:t>
             </a:r>
           </a:p>
           <a:p>
             <a:r>
-              <a:rPr lang="en-US" sz="2000" i="1" dirty="0"/>
+              <a:rPr lang="en-US" sz="9600" dirty="0"/>
               <a:t>Make sure to have a polished catalog, especially for Cluster 5 customers, who could bring in the most revenue in the future</a:t>
             </a:r>
           </a:p>
           <a:p>
             <a:r>
-              <a:rPr lang="en-US" sz="2000" i="1" dirty="0"/>
+              <a:rPr lang="en-US" sz="9600" dirty="0"/>
               <a:t>Make customers’ in-store experience customers pleasant as high-spending clusters seem to value it</a:t>
             </a:r>
           </a:p>
           <a:p>
             <a:r>
-              <a:rPr lang="en-US" sz="2000" i="1" dirty="0"/>
+              <a:rPr lang="en-US" sz="9600" dirty="0"/>
+              <a:t>Learn from Campaign 2 in order to not repeat it</a:t>
+            </a:r>
+          </a:p>
+          <a:p>
+            <a:r>
+              <a:rPr lang="en-US" sz="9600" dirty="0"/>
               <a:t>Concentrate on running and improving campaigns like Campaign1 and 5, as these attract the high-spending customers</a:t>
             </a:r>
-            <a:endParaRPr lang="en-US" dirty="0"/>
+          </a:p>
+          <a:p>
+            <a:r>
+              <a:rPr lang="en-US" sz="9600" dirty="0"/>
+              <a:t>Concentrate on identifying and attracting customers like Cluster 5 for highest future expected revenue</a:t>
+            </a:r>
+          </a:p>
+          <a:p>
+            <a:pPr marL="0" indent="0">
+              <a:buNone/>
+            </a:pPr>
+            <a:endParaRPr lang="en-US" sz="9600" i="1" dirty="0"/>
+          </a:p>
+          <a:p>
+            <a:endParaRPr lang="en-US" i="1" dirty="0"/>
+          </a:p>
+          <a:p>
+            <a:endParaRPr lang="en-US" i="1" dirty="0"/>
+          </a:p>
+          <a:p>
+            <a:endParaRPr lang="en-US" i="1" dirty="0"/>
           </a:p>
           <a:p>
             <a:endParaRPr lang="en-US" dirty="0"/>
@@ -11890,7 +11922,7 @@
     </p:spTree>
     <p:extLst>
       <p:ext uri="{BB962C8B-B14F-4D97-AF65-F5344CB8AC3E}">
-        <p14:creationId xmlns:p14="http://schemas.microsoft.com/office/powerpoint/2010/main" val="2797040362"/>
+        <p14:creationId xmlns:p14="http://schemas.microsoft.com/office/powerpoint/2010/main" val="4108084837"/>
       </p:ext>
     </p:extLst>
   </p:cSld>
@@ -12061,162 +12093,6 @@
           <a:p>
             <a:r>
               <a:rPr lang="en-US" dirty="0"/>
-              <a:t>Summary of findings</a:t>
-            </a:r>
-          </a:p>
-        </p:txBody>
-      </p:sp>
-      <p:sp>
-        <p:nvSpPr>
-          <p:cNvPr id="3" name="Content Placeholder 2">
-            <a:extLst>
-              <a:ext uri="{FF2B5EF4-FFF2-40B4-BE49-F238E27FC236}">
-                <a16:creationId xmlns:a16="http://schemas.microsoft.com/office/drawing/2014/main" id="{0CF5FD2C-87D9-9295-2774-E99BFB637AED}"/>
-              </a:ext>
-            </a:extLst>
-          </p:cNvPr>
-          <p:cNvSpPr>
-            <a:spLocks noGrp="1"/>
-          </p:cNvSpPr>
-          <p:nvPr>
-            <p:ph idx="1"/>
-          </p:nvPr>
-        </p:nvSpPr>
-        <p:spPr>
-          <a:xfrm>
-            <a:off x="581193" y="2477541"/>
-            <a:ext cx="11029615" cy="3678303"/>
-          </a:xfrm>
-        </p:spPr>
-        <p:txBody>
-          <a:bodyPr>
-            <a:normAutofit fontScale="25000" lnSpcReduction="20000"/>
-          </a:bodyPr>
-          <a:lstStyle/>
-          <a:p>
-            <a:endParaRPr lang="en-US" i="1" dirty="0"/>
-          </a:p>
-          <a:p>
-            <a:endParaRPr lang="en-US" i="1" dirty="0"/>
-          </a:p>
-          <a:p>
-            <a:endParaRPr lang="en-US" sz="9600" i="1" dirty="0"/>
-          </a:p>
-          <a:p>
-            <a:r>
-              <a:rPr lang="en-US" sz="9600" dirty="0"/>
-              <a:t>If run deals, target these at Clusters 2-4 </a:t>
-            </a:r>
-          </a:p>
-          <a:p>
-            <a:r>
-              <a:rPr lang="en-US" sz="9600" dirty="0"/>
-              <a:t>Concentrate on making/keeping the web page appealing for Clusters 0, 1, and 5</a:t>
-            </a:r>
-          </a:p>
-          <a:p>
-            <a:r>
-              <a:rPr lang="en-US" sz="9600" dirty="0"/>
-              <a:t>Make sure to have a polished catalog, especially for Cluster 5 customers, who could bring in the most revenue in the future</a:t>
-            </a:r>
-          </a:p>
-          <a:p>
-            <a:r>
-              <a:rPr lang="en-US" sz="9600" dirty="0"/>
-              <a:t>Make customers’ in-store experience customers pleasant as high-spending clusters seem to value it</a:t>
-            </a:r>
-          </a:p>
-          <a:p>
-            <a:r>
-              <a:rPr lang="en-US" sz="9600" dirty="0"/>
-              <a:t>Learn from Campaign 2 in order to not repeat it</a:t>
-            </a:r>
-          </a:p>
-          <a:p>
-            <a:r>
-              <a:rPr lang="en-US" sz="9600" dirty="0"/>
-              <a:t>Concentrate on running and improving campaigns like Campaign1 and 5, as these attract the high-spending customers</a:t>
-            </a:r>
-          </a:p>
-          <a:p>
-            <a:r>
-              <a:rPr lang="en-US" sz="9600" dirty="0"/>
-              <a:t>Concentrate on identifying and attracting customers like Cluster 5 for highest future expected revenue</a:t>
-            </a:r>
-          </a:p>
-          <a:p>
-            <a:pPr marL="0" indent="0">
-              <a:buNone/>
-            </a:pPr>
-            <a:endParaRPr lang="en-US" sz="9600" i="1" dirty="0"/>
-          </a:p>
-          <a:p>
-            <a:endParaRPr lang="en-US" i="1" dirty="0"/>
-          </a:p>
-          <a:p>
-            <a:endParaRPr lang="en-US" i="1" dirty="0"/>
-          </a:p>
-          <a:p>
-            <a:endParaRPr lang="en-US" i="1" dirty="0"/>
-          </a:p>
-          <a:p>
-            <a:endParaRPr lang="en-US" dirty="0"/>
-          </a:p>
-        </p:txBody>
-      </p:sp>
-    </p:spTree>
-    <p:extLst>
-      <p:ext uri="{BB962C8B-B14F-4D97-AF65-F5344CB8AC3E}">
-        <p14:creationId xmlns:p14="http://schemas.microsoft.com/office/powerpoint/2010/main" val="4108084837"/>
-      </p:ext>
-    </p:extLst>
-  </p:cSld>
-  <p:clrMapOvr>
-    <a:masterClrMapping/>
-  </p:clrMapOvr>
-</p:sld>
-</file>
-
-<file path=ppt/slides/slide31.xml><?xml version="1.0" encoding="utf-8"?>
-<p:sld xmlns:a="http://schemas.openxmlformats.org/drawingml/2006/main" xmlns:r="http://schemas.openxmlformats.org/officeDocument/2006/relationships" xmlns:p="http://schemas.openxmlformats.org/presentationml/2006/main">
-  <p:cSld>
-    <p:spTree>
-      <p:nvGrpSpPr>
-        <p:cNvPr id="1" name=""/>
-        <p:cNvGrpSpPr/>
-        <p:nvPr/>
-      </p:nvGrpSpPr>
-      <p:grpSpPr>
-        <a:xfrm>
-          <a:off x="0" y="0"/>
-          <a:ext cx="0" cy="0"/>
-          <a:chOff x="0" y="0"/>
-          <a:chExt cx="0" cy="0"/>
-        </a:xfrm>
-      </p:grpSpPr>
-      <p:sp>
-        <p:nvSpPr>
-          <p:cNvPr id="2" name="Title 1">
-            <a:extLst>
-              <a:ext uri="{FF2B5EF4-FFF2-40B4-BE49-F238E27FC236}">
-                <a16:creationId xmlns:a16="http://schemas.microsoft.com/office/drawing/2014/main" id="{2219958F-55A5-8230-D0F0-C1C5A2EA48F4}"/>
-              </a:ext>
-            </a:extLst>
-          </p:cNvPr>
-          <p:cNvSpPr>
-            <a:spLocks noGrp="1"/>
-          </p:cNvSpPr>
-          <p:nvPr>
-            <p:ph type="title"/>
-          </p:nvPr>
-        </p:nvSpPr>
-        <p:spPr/>
-        <p:txBody>
-          <a:bodyPr/>
-          <a:lstStyle/>
-          <a:p>
-            <a:r>
-              <a:rPr lang="en-US" dirty="0"/>
               <a:t>Future work</a:t>
             </a:r>
           </a:p>
@@ -12331,7 +12207,7 @@
 </p:sld>
 </file>
 
-<file path=ppt/slides/slide32.xml><?xml version="1.0" encoding="utf-8"?>
+<file path=ppt/slides/slide31.xml><?xml version="1.0" encoding="utf-8"?>
 <p:sld xmlns:a="http://schemas.openxmlformats.org/drawingml/2006/main" xmlns:r="http://schemas.openxmlformats.org/officeDocument/2006/relationships" xmlns:p="http://schemas.openxmlformats.org/presentationml/2006/main">
   <p:cSld>
     <p:spTree>

--- a/Customer-Segmentation-Presentation.pptx
+++ b/Customer-Segmentation-Presentation.pptx
@@ -12166,6 +12166,20 @@
             <a:r>
               <a:rPr lang="en-US" sz="9400" dirty="0"/>
               <a:t>Can the store learn to do profitable business with Cluster 2-4?</a:t>
+            </a:r>
+          </a:p>
+          <a:p>
+            <a:pPr lvl="1"/>
+            <a:r>
+              <a:rPr lang="en-US" sz="9400" dirty="0"/>
+              <a:t>Get more granular data</a:t>
+            </a:r>
+          </a:p>
+          <a:p>
+            <a:pPr lvl="1"/>
+            <a:r>
+              <a:rPr lang="en-US" sz="9400" dirty="0"/>
+              <a:t>Get more data on profitability rather than just revenue</a:t>
             </a:r>
           </a:p>
           <a:p>

--- a/Customer-Segmentation-Presentation.pptx
+++ b/Customer-Segmentation-Presentation.pptx
@@ -5,7 +5,7 @@
     <p:sldMasterId id="2147483648" r:id="rId1"/>
   </p:sldMasterIdLst>
   <p:notesMasterIdLst>
-    <p:notesMasterId r:id="rId33"/>
+    <p:notesMasterId r:id="rId34"/>
   </p:notesMasterIdLst>
   <p:sldIdLst>
     <p:sldId id="258" r:id="rId2"/>
@@ -36,9 +36,10 @@
     <p:sldId id="313" r:id="rId27"/>
     <p:sldId id="314" r:id="rId28"/>
     <p:sldId id="317" r:id="rId29"/>
-    <p:sldId id="294" r:id="rId30"/>
-    <p:sldId id="321" r:id="rId31"/>
-    <p:sldId id="297" r:id="rId32"/>
+    <p:sldId id="322" r:id="rId30"/>
+    <p:sldId id="294" r:id="rId31"/>
+    <p:sldId id="321" r:id="rId32"/>
+    <p:sldId id="297" r:id="rId33"/>
   </p:sldIdLst>
   <p:sldSz cx="12192000" cy="6858000"/>
   <p:notesSz cx="6858000" cy="9144000"/>
@@ -227,7 +228,7 @@
           <a:p>
             <a:fld id="{A5C20BB3-3CCB-4FE5-991B-82F6BCB48AF3}" type="datetimeFigureOut">
               <a:rPr lang="en-US" smtClean="0"/>
-              <a:t>7/26/22</a:t>
+              <a:t>7/27/22</a:t>
             </a:fld>
             <a:endParaRPr lang="en-US"/>
           </a:p>
@@ -1160,7 +1161,7 @@
             <a:fld id="{B61BEF0D-F0BB-DE4B-95CE-6DB70DBA9567}" type="datetimeFigureOut">
               <a:rPr lang="en-US" dirty="0"/>
               <a:pPr/>
-              <a:t>7/26/22</a:t>
+              <a:t>7/27/22</a:t>
             </a:fld>
             <a:endParaRPr lang="en-US" dirty="0"/>
           </a:p>
@@ -1424,7 +1425,7 @@
             <a:fld id="{B61BEF0D-F0BB-DE4B-95CE-6DB70DBA9567}" type="datetimeFigureOut">
               <a:rPr lang="en-US" dirty="0"/>
               <a:pPr/>
-              <a:t>7/26/22</a:t>
+              <a:t>7/27/22</a:t>
             </a:fld>
             <a:endParaRPr lang="en-US" dirty="0"/>
           </a:p>
@@ -1661,7 +1662,7 @@
             <a:fld id="{B61BEF0D-F0BB-DE4B-95CE-6DB70DBA9567}" type="datetimeFigureOut">
               <a:rPr lang="en-US" dirty="0"/>
               <a:pPr/>
-              <a:t>7/26/22</a:t>
+              <a:t>7/27/22</a:t>
             </a:fld>
             <a:endParaRPr lang="en-US" dirty="0"/>
           </a:p>
@@ -1903,7 +1904,7 @@
             <a:fld id="{B61BEF0D-F0BB-DE4B-95CE-6DB70DBA9567}" type="datetimeFigureOut">
               <a:rPr lang="en-US" dirty="0"/>
               <a:pPr/>
-              <a:t>7/26/22</a:t>
+              <a:t>7/27/22</a:t>
             </a:fld>
             <a:endParaRPr lang="en-US" dirty="0"/>
           </a:p>
@@ -2212,7 +2213,7 @@
             <a:fld id="{B61BEF0D-F0BB-DE4B-95CE-6DB70DBA9567}" type="datetimeFigureOut">
               <a:rPr lang="en-US" dirty="0"/>
               <a:pPr/>
-              <a:t>7/26/22</a:t>
+              <a:t>7/27/22</a:t>
             </a:fld>
             <a:endParaRPr lang="en-US" dirty="0"/>
           </a:p>
@@ -2516,7 +2517,7 @@
             <a:fld id="{B61BEF0D-F0BB-DE4B-95CE-6DB70DBA9567}" type="datetimeFigureOut">
               <a:rPr lang="en-US" dirty="0"/>
               <a:pPr/>
-              <a:t>7/26/22</a:t>
+              <a:t>7/27/22</a:t>
             </a:fld>
             <a:endParaRPr lang="en-US" dirty="0"/>
           </a:p>
@@ -2940,7 +2941,7 @@
             <a:fld id="{B61BEF0D-F0BB-DE4B-95CE-6DB70DBA9567}" type="datetimeFigureOut">
               <a:rPr lang="en-US" dirty="0"/>
               <a:pPr/>
-              <a:t>7/26/22</a:t>
+              <a:t>7/27/22</a:t>
             </a:fld>
             <a:endParaRPr lang="en-US" dirty="0"/>
           </a:p>
@@ -3104,7 +3105,7 @@
             <a:fld id="{B61BEF0D-F0BB-DE4B-95CE-6DB70DBA9567}" type="datetimeFigureOut">
               <a:rPr lang="en-US" dirty="0"/>
               <a:pPr/>
-              <a:t>7/26/22</a:t>
+              <a:t>7/27/22</a:t>
             </a:fld>
             <a:endParaRPr lang="en-US" dirty="0"/>
           </a:p>
@@ -3201,7 +3202,7 @@
             <a:fld id="{B61BEF0D-F0BB-DE4B-95CE-6DB70DBA9567}" type="datetimeFigureOut">
               <a:rPr lang="en-US" dirty="0"/>
               <a:pPr/>
-              <a:t>7/26/22</a:t>
+              <a:t>7/27/22</a:t>
             </a:fld>
             <a:endParaRPr lang="en-US" dirty="0"/>
           </a:p>
@@ -3581,7 +3582,7 @@
             <a:fld id="{B61BEF0D-F0BB-DE4B-95CE-6DB70DBA9567}" type="datetimeFigureOut">
               <a:rPr lang="en-US" dirty="0"/>
               <a:pPr/>
-              <a:t>7/26/22</a:t>
+              <a:t>7/27/22</a:t>
             </a:fld>
             <a:endParaRPr lang="en-US" dirty="0"/>
           </a:p>
@@ -3872,7 +3873,7 @@
             <a:fld id="{B61BEF0D-F0BB-DE4B-95CE-6DB70DBA9567}" type="datetimeFigureOut">
               <a:rPr lang="en-US" dirty="0"/>
               <a:pPr/>
-              <a:t>7/26/22</a:t>
+              <a:t>7/27/22</a:t>
             </a:fld>
             <a:endParaRPr lang="en-US" dirty="0"/>
           </a:p>
@@ -4085,7 +4086,7 @@
             <a:fld id="{B61BEF0D-F0BB-DE4B-95CE-6DB70DBA9567}" type="datetimeFigureOut">
               <a:rPr lang="en-US" dirty="0"/>
               <a:pPr/>
-              <a:t>7/26/22</a:t>
+              <a:t>7/27/22</a:t>
             </a:fld>
             <a:endParaRPr lang="en-US" dirty="0"/>
           </a:p>
@@ -11779,6 +11780,14 @@
 <file path=ppt/slides/slide29.xml><?xml version="1.0" encoding="utf-8"?>
 <p:sld xmlns:a="http://schemas.openxmlformats.org/drawingml/2006/main" xmlns:r="http://schemas.openxmlformats.org/officeDocument/2006/relationships" xmlns:p="http://schemas.openxmlformats.org/presentationml/2006/main">
   <p:cSld>
+    <p:bg>
+      <p:bgPr>
+        <a:solidFill>
+          <a:schemeClr val="bg1"/>
+        </a:solidFill>
+        <a:effectLst/>
+      </p:bgPr>
+    </p:bg>
     <p:spTree>
       <p:nvGrpSpPr>
         <p:cNvPr id="1" name=""/>
@@ -11793,12 +11802,126 @@
           <a:chExt cx="0" cy="0"/>
         </a:xfrm>
       </p:grpSpPr>
+      <p:sp useBgFill="1">
+        <p:nvSpPr>
+          <p:cNvPr id="70" name="Rectangle 69">
+            <a:extLst>
+              <a:ext uri="{FF2B5EF4-FFF2-40B4-BE49-F238E27FC236}">
+                <a16:creationId xmlns:a16="http://schemas.microsoft.com/office/drawing/2014/main" id="{2A28AC4B-805D-4091-A648-61572081C7FB}"/>
+              </a:ext>
+              <a:ext uri="{C183D7F6-B498-43B3-948B-1728B52AA6E4}">
+                <adec:decorative xmlns:adec="http://schemas.microsoft.com/office/drawing/2017/decorative" val="1"/>
+              </a:ext>
+            </a:extLst>
+          </p:cNvPr>
+          <p:cNvSpPr>
+            <a:spLocks noGrp="1" noRot="1" noChangeAspect="1" noMove="1" noResize="1" noEditPoints="1" noAdjustHandles="1" noChangeArrowheads="1" noChangeShapeType="1" noTextEdit="1"/>
+          </p:cNvSpPr>
+          <p:nvPr>
+            <p:extLst>
+              <p:ext uri="{386F3935-93C4-4BCD-93E2-E3B085C9AB24}">
+                <p16:designElem xmlns:p16="http://schemas.microsoft.com/office/powerpoint/2015/main" val="1"/>
+              </p:ext>
+            </p:extLst>
+          </p:nvPr>
+        </p:nvSpPr>
+        <p:spPr>
+          <a:xfrm>
+            <a:off x="0" y="614406"/>
+            <a:ext cx="12192000" cy="6243593"/>
+          </a:xfrm>
+          <a:prstGeom prst="rect">
+            <a:avLst/>
+          </a:prstGeom>
+          <a:ln>
+            <a:noFill/>
+          </a:ln>
+        </p:spPr>
+        <p:style>
+          <a:lnRef idx="2">
+            <a:schemeClr val="accent1">
+              <a:shade val="50000"/>
+            </a:schemeClr>
+          </a:lnRef>
+          <a:fillRef idx="1">
+            <a:schemeClr val="accent1"/>
+          </a:fillRef>
+          <a:effectRef idx="0">
+            <a:schemeClr val="accent1"/>
+          </a:effectRef>
+          <a:fontRef idx="minor">
+            <a:schemeClr val="lt1"/>
+          </a:fontRef>
+        </p:style>
+        <p:txBody>
+          <a:bodyPr rtlCol="0" anchor="ctr"/>
+          <a:lstStyle/>
+          <a:p>
+            <a:pPr algn="ctr"/>
+            <a:endParaRPr lang="en-US"/>
+          </a:p>
+        </p:txBody>
+      </p:sp>
+      <p:sp>
+        <p:nvSpPr>
+          <p:cNvPr id="72" name="Rectangle 71">
+            <a:extLst>
+              <a:ext uri="{FF2B5EF4-FFF2-40B4-BE49-F238E27FC236}">
+                <a16:creationId xmlns:a16="http://schemas.microsoft.com/office/drawing/2014/main" id="{39373A6F-2E1F-4613-8E1D-D68057D29F31}"/>
+              </a:ext>
+              <a:ext uri="{C183D7F6-B498-43B3-948B-1728B52AA6E4}">
+                <adec:decorative xmlns:adec="http://schemas.microsoft.com/office/drawing/2017/decorative" val="1"/>
+              </a:ext>
+            </a:extLst>
+          </p:cNvPr>
+          <p:cNvSpPr>
+            <a:spLocks noGrp="1" noRot="1" noChangeAspect="1" noMove="1" noResize="1" noEditPoints="1" noAdjustHandles="1" noChangeArrowheads="1" noChangeShapeType="1" noTextEdit="1"/>
+          </p:cNvSpPr>
+          <p:nvPr>
+            <p:extLst>
+              <p:ext uri="{386F3935-93C4-4BCD-93E2-E3B085C9AB24}">
+                <p16:designElem xmlns:p16="http://schemas.microsoft.com/office/powerpoint/2015/main" val="1"/>
+              </p:ext>
+            </p:extLst>
+          </p:nvPr>
+        </p:nvSpPr>
+        <p:spPr>
+          <a:xfrm>
+            <a:off x="442377" y="614407"/>
+            <a:ext cx="3707477" cy="5611772"/>
+          </a:xfrm>
+          <a:prstGeom prst="rect">
+            <a:avLst/>
+          </a:prstGeom>
+          <a:solidFill>
+            <a:schemeClr val="accent1"/>
+          </a:solidFill>
+          <a:ln>
+            <a:noFill/>
+          </a:ln>
+          <a:effectLst/>
+        </p:spPr>
+        <p:style>
+          <a:lnRef idx="1">
+            <a:schemeClr val="accent1"/>
+          </a:lnRef>
+          <a:fillRef idx="3">
+            <a:schemeClr val="accent1"/>
+          </a:fillRef>
+          <a:effectRef idx="2">
+            <a:schemeClr val="accent1"/>
+          </a:effectRef>
+          <a:fontRef idx="minor">
+            <a:schemeClr val="lt1"/>
+          </a:fontRef>
+        </p:style>
+      </p:sp>
       <p:sp>
         <p:nvSpPr>
           <p:cNvPr id="2" name="Title 1">
             <a:extLst>
               <a:ext uri="{FF2B5EF4-FFF2-40B4-BE49-F238E27FC236}">
-                <a16:creationId xmlns:a16="http://schemas.microsoft.com/office/drawing/2014/main" id="{2219958F-55A5-8230-D0F0-C1C5A2EA48F4}"/>
+                <a16:creationId xmlns:a16="http://schemas.microsoft.com/office/drawing/2014/main" id="{16E3090D-4022-E03A-003E-E3E0632AB5FF}"/>
               </a:ext>
             </a:extLst>
           </p:cNvPr>
@@ -11809,120 +11932,167 @@
             <p:ph type="title"/>
           </p:nvPr>
         </p:nvSpPr>
-        <p:spPr/>
-        <p:txBody>
-          <a:bodyPr/>
-          <a:lstStyle/>
-          <a:p>
-            <a:r>
-              <a:rPr lang="en-US" dirty="0"/>
-              <a:t>Summary of findings</a:t>
-            </a:r>
-          </a:p>
-        </p:txBody>
-      </p:sp>
-      <p:sp>
-        <p:nvSpPr>
-          <p:cNvPr id="3" name="Content Placeholder 2">
-            <a:extLst>
-              <a:ext uri="{FF2B5EF4-FFF2-40B4-BE49-F238E27FC236}">
-                <a16:creationId xmlns:a16="http://schemas.microsoft.com/office/drawing/2014/main" id="{0CF5FD2C-87D9-9295-2774-E99BFB637AED}"/>
-              </a:ext>
-            </a:extLst>
-          </p:cNvPr>
-          <p:cNvSpPr>
-            <a:spLocks noGrp="1"/>
-          </p:cNvSpPr>
-          <p:nvPr>
-            <p:ph idx="1"/>
-          </p:nvPr>
-        </p:nvSpPr>
-        <p:spPr>
-          <a:xfrm>
-            <a:off x="581193" y="2477541"/>
-            <a:ext cx="11029615" cy="3678303"/>
+        <p:spPr>
+          <a:xfrm>
+            <a:off x="601255" y="702156"/>
+            <a:ext cx="3409783" cy="1013800"/>
           </a:xfrm>
         </p:spPr>
         <p:txBody>
           <a:bodyPr>
-            <a:normAutofit fontScale="25000" lnSpcReduction="20000"/>
+            <a:normAutofit/>
           </a:bodyPr>
           <a:lstStyle/>
           <a:p>
-            <a:endParaRPr lang="en-US" i="1" dirty="0"/>
-          </a:p>
-          <a:p>
-            <a:endParaRPr lang="en-US" i="1" dirty="0"/>
-          </a:p>
-          <a:p>
-            <a:endParaRPr lang="en-US" sz="9600" i="1" dirty="0"/>
-          </a:p>
-          <a:p>
-            <a:r>
-              <a:rPr lang="en-US" sz="9600" dirty="0"/>
-              <a:t>If run deals, target these at Clusters 2-4 </a:t>
-            </a:r>
-          </a:p>
-          <a:p>
-            <a:r>
-              <a:rPr lang="en-US" sz="9600" dirty="0"/>
-              <a:t>Concentrate on making/keeping the web page appealing for Clusters 0, 1, and 5</a:t>
-            </a:r>
-          </a:p>
-          <a:p>
-            <a:r>
-              <a:rPr lang="en-US" sz="9600" dirty="0"/>
-              <a:t>Make sure to have a polished catalog, especially for Cluster 5 customers, who could bring in the most revenue in the future</a:t>
-            </a:r>
-          </a:p>
-          <a:p>
-            <a:r>
-              <a:rPr lang="en-US" sz="9600" dirty="0"/>
-              <a:t>Make customers’ in-store experience customers pleasant as high-spending clusters seem to value it</a:t>
-            </a:r>
-          </a:p>
-          <a:p>
-            <a:r>
-              <a:rPr lang="en-US" sz="9600" dirty="0"/>
-              <a:t>Learn from Campaign 2 in order to not repeat it</a:t>
-            </a:r>
-          </a:p>
-          <a:p>
-            <a:r>
-              <a:rPr lang="en-US" sz="9600" dirty="0"/>
-              <a:t>Concentrate on running and improving campaigns like Campaign1 and 5, as these attract the high-spending customers</a:t>
-            </a:r>
-          </a:p>
-          <a:p>
-            <a:r>
-              <a:rPr lang="en-US" sz="9600" dirty="0"/>
-              <a:t>Concentrate on identifying and attracting customers like Cluster 5 for highest future expected revenue</a:t>
-            </a:r>
-          </a:p>
-          <a:p>
-            <a:pPr marL="0" indent="0">
-              <a:buNone/>
+            <a:pPr>
+              <a:lnSpc>
+                <a:spcPct val="90000"/>
+              </a:lnSpc>
             </a:pPr>
-            <a:endParaRPr lang="en-US" sz="9600" i="1" dirty="0"/>
-          </a:p>
-          <a:p>
-            <a:endParaRPr lang="en-US" i="1" dirty="0"/>
-          </a:p>
-          <a:p>
-            <a:endParaRPr lang="en-US" i="1" dirty="0"/>
-          </a:p>
-          <a:p>
-            <a:endParaRPr lang="en-US" i="1" dirty="0"/>
-          </a:p>
-          <a:p>
-            <a:endParaRPr lang="en-US" dirty="0"/>
-          </a:p>
-        </p:txBody>
-      </p:sp>
+            <a:r>
+              <a:rPr lang="en-US" sz="2200"/>
+              <a:t>Spending as proportion of daily income</a:t>
+            </a:r>
+          </a:p>
+        </p:txBody>
+      </p:sp>
+      <p:sp>
+        <p:nvSpPr>
+          <p:cNvPr id="74" name="Rectangle 73">
+            <a:extLst>
+              <a:ext uri="{FF2B5EF4-FFF2-40B4-BE49-F238E27FC236}">
+                <a16:creationId xmlns:a16="http://schemas.microsoft.com/office/drawing/2014/main" id="{A6D733BE-061E-4600-B6A3-62A68EF2C687}"/>
+              </a:ext>
+              <a:ext uri="{C183D7F6-B498-43B3-948B-1728B52AA6E4}">
+                <adec:decorative xmlns:adec="http://schemas.microsoft.com/office/drawing/2017/decorative" val="1"/>
+              </a:ext>
+            </a:extLst>
+          </p:cNvPr>
+          <p:cNvSpPr>
+            <a:spLocks noGrp="1" noRot="1" noChangeAspect="1" noMove="1" noResize="1" noEditPoints="1" noAdjustHandles="1" noChangeArrowheads="1" noChangeShapeType="1" noTextEdit="1"/>
+          </p:cNvSpPr>
+          <p:nvPr>
+            <p:extLst>
+              <p:ext uri="{386F3935-93C4-4BCD-93E2-E3B085C9AB24}">
+                <p16:designElem xmlns:p16="http://schemas.microsoft.com/office/powerpoint/2015/main" val="1"/>
+              </p:ext>
+            </p:extLst>
+          </p:nvPr>
+        </p:nvSpPr>
+        <p:spPr>
+          <a:xfrm>
+            <a:off x="4241830" y="457200"/>
+            <a:ext cx="3703320" cy="91440"/>
+          </a:xfrm>
+          <a:prstGeom prst="rect">
+            <a:avLst/>
+          </a:prstGeom>
+          <a:solidFill>
+            <a:srgbClr val="C68460"/>
+          </a:solidFill>
+          <a:ln>
+            <a:noFill/>
+          </a:ln>
+          <a:effectLst/>
+        </p:spPr>
+        <p:style>
+          <a:lnRef idx="1">
+            <a:schemeClr val="accent1"/>
+          </a:lnRef>
+          <a:fillRef idx="3">
+            <a:schemeClr val="accent1"/>
+          </a:fillRef>
+          <a:effectRef idx="2">
+            <a:schemeClr val="accent1"/>
+          </a:effectRef>
+          <a:fontRef idx="minor">
+            <a:schemeClr val="lt1"/>
+          </a:fontRef>
+        </p:style>
+      </p:sp>
+      <p:sp>
+        <p:nvSpPr>
+          <p:cNvPr id="13" name="Content Placeholder 12">
+            <a:extLst>
+              <a:ext uri="{FF2B5EF4-FFF2-40B4-BE49-F238E27FC236}">
+                <a16:creationId xmlns:a16="http://schemas.microsoft.com/office/drawing/2014/main" id="{BF8BDCC7-A0C9-D029-9AC7-BDC980490740}"/>
+              </a:ext>
+            </a:extLst>
+          </p:cNvPr>
+          <p:cNvSpPr>
+            <a:spLocks noGrp="1"/>
+          </p:cNvSpPr>
+          <p:nvPr>
+            <p:ph idx="1"/>
+          </p:nvPr>
+        </p:nvSpPr>
+        <p:spPr>
+          <a:xfrm>
+            <a:off x="601255" y="1964168"/>
+            <a:ext cx="3409782" cy="4036582"/>
+          </a:xfrm>
+        </p:spPr>
+        <p:txBody>
+          <a:bodyPr>
+            <a:normAutofit/>
+          </a:bodyPr>
+          <a:lstStyle/>
+          <a:p>
+            <a:r>
+              <a:rPr lang="en-US" dirty="0">
+                <a:solidFill>
+                  <a:schemeClr val="bg1"/>
+                </a:solidFill>
+              </a:rPr>
+              <a:t> Cluster 5 is still in the lead followed by Clusters 1 and 0. Cluster 5 spends over 4% of their income at the store while Clusters 0 and 1 spend just over 2%. </a:t>
+            </a:r>
+          </a:p>
+          <a:p>
+            <a:r>
+              <a:rPr lang="en-US" i="1" dirty="0">
+                <a:solidFill>
+                  <a:schemeClr val="bg1"/>
+                </a:solidFill>
+              </a:rPr>
+              <a:t>Look for ways to attract customers away from the alternatives</a:t>
+            </a:r>
+          </a:p>
+        </p:txBody>
+      </p:sp>
+      <p:pic>
+        <p:nvPicPr>
+          <p:cNvPr id="5" name="Picture 4" descr="Chart, box and whisker chart&#10;&#10;Description automatically generated">
+            <a:extLst>
+              <a:ext uri="{FF2B5EF4-FFF2-40B4-BE49-F238E27FC236}">
+                <a16:creationId xmlns:a16="http://schemas.microsoft.com/office/drawing/2014/main" id="{8D01052A-0D10-DAB6-4806-641B77C75461}"/>
+              </a:ext>
+            </a:extLst>
+          </p:cNvPr>
+          <p:cNvPicPr>
+            <a:picLocks noChangeAspect="1"/>
+          </p:cNvPicPr>
+          <p:nvPr/>
+        </p:nvPicPr>
+        <p:blipFill>
+          <a:blip r:embed="rId2"/>
+          <a:stretch>
+            <a:fillRect/>
+          </a:stretch>
+        </p:blipFill>
+        <p:spPr>
+          <a:xfrm>
+            <a:off x="4401141" y="575189"/>
+            <a:ext cx="7282013" cy="5825611"/>
+          </a:xfrm>
+          <a:prstGeom prst="rect">
+            <a:avLst/>
+          </a:prstGeom>
+        </p:spPr>
+      </p:pic>
     </p:spTree>
     <p:extLst>
       <p:ext uri="{BB962C8B-B14F-4D97-AF65-F5344CB8AC3E}">
-        <p14:creationId xmlns:p14="http://schemas.microsoft.com/office/powerpoint/2010/main" val="4108084837"/>
+        <p14:creationId xmlns:p14="http://schemas.microsoft.com/office/powerpoint/2010/main" val="1642588206"/>
       </p:ext>
     </p:extLst>
   </p:cSld>
@@ -12093,7 +12263,7 @@
           <a:p>
             <a:r>
               <a:rPr lang="en-US" dirty="0"/>
-              <a:t>Future work</a:t>
+              <a:t>Summary of findings</a:t>
             </a:r>
           </a:p>
         </p:txBody>
@@ -12135,56 +12305,256 @@
             <a:endParaRPr lang="en-US" sz="9600" i="1" dirty="0"/>
           </a:p>
           <a:p>
-            <a:r>
-              <a:rPr lang="en-US" sz="9600" dirty="0"/>
+            <a:endParaRPr lang="en-US" sz="8000" dirty="0"/>
+          </a:p>
+          <a:p>
+            <a:endParaRPr lang="en-US" sz="8000" dirty="0"/>
+          </a:p>
+          <a:p>
+            <a:endParaRPr lang="en-US" sz="8000" dirty="0"/>
+          </a:p>
+          <a:p>
+            <a:r>
+              <a:rPr lang="en-US" sz="8000" dirty="0"/>
+              <a:t>If run deals, target these at Clusters 2-4 </a:t>
+            </a:r>
+          </a:p>
+          <a:p>
+            <a:r>
+              <a:rPr lang="en-US" sz="8000" dirty="0"/>
+              <a:t>Concentrate on making/keeping the web page appealing for Clusters 0, 1, and 5</a:t>
+            </a:r>
+          </a:p>
+          <a:p>
+            <a:r>
+              <a:rPr lang="en-US" sz="8000" dirty="0"/>
+              <a:t>Make sure to have a polished catalog, especially for Cluster 5 customers, who could bring in the most revenue in the future</a:t>
+            </a:r>
+          </a:p>
+          <a:p>
+            <a:r>
+              <a:rPr lang="en-US" sz="8000" dirty="0"/>
+              <a:t>Make customers’ in-store experience customers pleasant as high-spending clusters seem to value it</a:t>
+            </a:r>
+          </a:p>
+          <a:p>
+            <a:r>
+              <a:rPr lang="en-US" sz="8000" dirty="0"/>
+              <a:t>Learn from Campaign 2 in order to not repeat it</a:t>
+            </a:r>
+          </a:p>
+          <a:p>
+            <a:r>
+              <a:rPr lang="en-US" sz="8000" dirty="0"/>
+              <a:t>Concentrate on running and improving campaigns like Campaign1 and 5, as these attract the high-spending customers</a:t>
+            </a:r>
+          </a:p>
+          <a:p>
+            <a:r>
+              <a:rPr lang="en-US" sz="8000" dirty="0"/>
+              <a:t>Concentrate on identifying and attracting customers like Cluster 5 for highest future expected revenue </a:t>
+            </a:r>
+          </a:p>
+          <a:p>
+            <a:r>
+              <a:rPr lang="en-US" sz="8000" dirty="0"/>
+              <a:t>Look for ways to attract customers away from the alternatives as customers spend a moderate proportion of their daily income at the store</a:t>
+            </a:r>
+            <a:r>
+              <a:rPr lang="en-US" sz="8000" i="1" dirty="0">
+                <a:solidFill>
+                  <a:schemeClr val="bg1"/>
+                </a:solidFill>
+              </a:rPr>
+              <a:t> ways </a:t>
+            </a:r>
+            <a:r>
+              <a:rPr lang="en-US" sz="9600" i="1" dirty="0">
+                <a:solidFill>
+                  <a:schemeClr val="bg1"/>
+                </a:solidFill>
+              </a:rPr>
+              <a:t>to attract customers away from the alternatives</a:t>
+            </a:r>
+          </a:p>
+          <a:p>
+            <a:endParaRPr lang="en-US" sz="9600" dirty="0"/>
+          </a:p>
+          <a:p>
+            <a:pPr marL="0" indent="0">
+              <a:buNone/>
+            </a:pPr>
+            <a:endParaRPr lang="en-US" sz="9600" i="1" dirty="0"/>
+          </a:p>
+          <a:p>
+            <a:endParaRPr lang="en-US" i="1" dirty="0"/>
+          </a:p>
+          <a:p>
+            <a:endParaRPr lang="en-US" i="1" dirty="0"/>
+          </a:p>
+          <a:p>
+            <a:endParaRPr lang="en-US" i="1" dirty="0"/>
+          </a:p>
+          <a:p>
+            <a:endParaRPr lang="en-US" dirty="0"/>
+          </a:p>
+        </p:txBody>
+      </p:sp>
+    </p:spTree>
+    <p:extLst>
+      <p:ext uri="{BB962C8B-B14F-4D97-AF65-F5344CB8AC3E}">
+        <p14:creationId xmlns:p14="http://schemas.microsoft.com/office/powerpoint/2010/main" val="4108084837"/>
+      </p:ext>
+    </p:extLst>
+  </p:cSld>
+  <p:clrMapOvr>
+    <a:masterClrMapping/>
+  </p:clrMapOvr>
+</p:sld>
+</file>
+
+<file path=ppt/slides/slide31.xml><?xml version="1.0" encoding="utf-8"?>
+<p:sld xmlns:a="http://schemas.openxmlformats.org/drawingml/2006/main" xmlns:r="http://schemas.openxmlformats.org/officeDocument/2006/relationships" xmlns:p="http://schemas.openxmlformats.org/presentationml/2006/main">
+  <p:cSld>
+    <p:spTree>
+      <p:nvGrpSpPr>
+        <p:cNvPr id="1" name=""/>
+        <p:cNvGrpSpPr/>
+        <p:nvPr/>
+      </p:nvGrpSpPr>
+      <p:grpSpPr>
+        <a:xfrm>
+          <a:off x="0" y="0"/>
+          <a:ext cx="0" cy="0"/>
+          <a:chOff x="0" y="0"/>
+          <a:chExt cx="0" cy="0"/>
+        </a:xfrm>
+      </p:grpSpPr>
+      <p:sp>
+        <p:nvSpPr>
+          <p:cNvPr id="2" name="Title 1">
+            <a:extLst>
+              <a:ext uri="{FF2B5EF4-FFF2-40B4-BE49-F238E27FC236}">
+                <a16:creationId xmlns:a16="http://schemas.microsoft.com/office/drawing/2014/main" id="{2219958F-55A5-8230-D0F0-C1C5A2EA48F4}"/>
+              </a:ext>
+            </a:extLst>
+          </p:cNvPr>
+          <p:cNvSpPr>
+            <a:spLocks noGrp="1"/>
+          </p:cNvSpPr>
+          <p:nvPr>
+            <p:ph type="title"/>
+          </p:nvPr>
+        </p:nvSpPr>
+        <p:spPr/>
+        <p:txBody>
+          <a:bodyPr/>
+          <a:lstStyle/>
+          <a:p>
+            <a:r>
+              <a:rPr lang="en-US" dirty="0"/>
+              <a:t>Future work</a:t>
+            </a:r>
+          </a:p>
+        </p:txBody>
+      </p:sp>
+      <p:sp>
+        <p:nvSpPr>
+          <p:cNvPr id="3" name="Content Placeholder 2">
+            <a:extLst>
+              <a:ext uri="{FF2B5EF4-FFF2-40B4-BE49-F238E27FC236}">
+                <a16:creationId xmlns:a16="http://schemas.microsoft.com/office/drawing/2014/main" id="{0CF5FD2C-87D9-9295-2774-E99BFB637AED}"/>
+              </a:ext>
+            </a:extLst>
+          </p:cNvPr>
+          <p:cNvSpPr>
+            <a:spLocks noGrp="1"/>
+          </p:cNvSpPr>
+          <p:nvPr>
+            <p:ph idx="1"/>
+          </p:nvPr>
+        </p:nvSpPr>
+        <p:spPr>
+          <a:xfrm>
+            <a:off x="581193" y="2477541"/>
+            <a:ext cx="11029615" cy="3678303"/>
+          </a:xfrm>
+        </p:spPr>
+        <p:txBody>
+          <a:bodyPr>
+            <a:normAutofit fontScale="25000" lnSpcReduction="20000"/>
+          </a:bodyPr>
+          <a:lstStyle/>
+          <a:p>
+            <a:endParaRPr lang="en-US" i="1" dirty="0"/>
+          </a:p>
+          <a:p>
+            <a:endParaRPr lang="en-US" i="1" dirty="0"/>
+          </a:p>
+          <a:p>
+            <a:endParaRPr lang="en-US" sz="9600" i="1" dirty="0"/>
+          </a:p>
+          <a:p>
+            <a:endParaRPr lang="en-US" sz="9600" dirty="0"/>
+          </a:p>
+          <a:p>
+            <a:r>
+              <a:rPr lang="en-US" sz="8000" dirty="0"/>
               <a:t>It would be helpful to have more information about the data set and the store in order to answer the following questions:</a:t>
             </a:r>
           </a:p>
           <a:p>
             <a:pPr lvl="1"/>
             <a:r>
-              <a:rPr lang="en-US" sz="9400" dirty="0"/>
+              <a:rPr lang="en-US" sz="8000" dirty="0"/>
               <a:t>What do we know about the rationale behind each campaign? What distinguishes the campaigns?</a:t>
             </a:r>
           </a:p>
           <a:p>
             <a:pPr lvl="1"/>
             <a:r>
-              <a:rPr lang="en-US" sz="9400" dirty="0"/>
+              <a:rPr lang="en-US" sz="8000" dirty="0"/>
               <a:t>What more can we learn about our customers? Specifically, are there factors that differentiate Cluster 5 that are not in the data?</a:t>
             </a:r>
           </a:p>
           <a:p>
             <a:pPr lvl="1"/>
             <a:r>
-              <a:rPr lang="en-US" sz="9400" dirty="0"/>
+              <a:rPr lang="en-US" sz="8000" dirty="0"/>
               <a:t>What else can be learned about the way the store is making customers in-store and online shopping experience pleasant? Are there way to improve?</a:t>
             </a:r>
           </a:p>
           <a:p>
             <a:pPr lvl="1"/>
             <a:r>
-              <a:rPr lang="en-US" sz="9400" dirty="0"/>
+              <a:rPr lang="en-US" sz="8000" dirty="0"/>
               <a:t>Can the store learn to do profitable business with Cluster 2-4?</a:t>
             </a:r>
           </a:p>
           <a:p>
             <a:pPr lvl="1"/>
             <a:r>
-              <a:rPr lang="en-US" sz="9400" dirty="0"/>
-              <a:t>Get more granular data</a:t>
+              <a:rPr lang="en-US" sz="8000" dirty="0"/>
+              <a:t>Get more granular data on store purchases</a:t>
             </a:r>
           </a:p>
           <a:p>
             <a:pPr lvl="1"/>
             <a:r>
-              <a:rPr lang="en-US" sz="9400" dirty="0"/>
-              <a:t>Get more data on profitability rather than just revenue</a:t>
-            </a:r>
-          </a:p>
-          <a:p>
-            <a:r>
-              <a:rPr lang="en-US" sz="9600" dirty="0"/>
+              <a:rPr lang="en-US" sz="8000" dirty="0"/>
+              <a:t>Get data on campaign costs </a:t>
+            </a:r>
+          </a:p>
+          <a:p>
+            <a:pPr lvl="1"/>
+            <a:r>
+              <a:rPr lang="en-US" sz="8000" dirty="0"/>
+              <a:t>Get more data on profitability rather than just revenue, as profitability is the key objective</a:t>
+            </a:r>
+          </a:p>
+          <a:p>
+            <a:r>
+              <a:rPr lang="en-US" sz="8000" dirty="0"/>
               <a:t>Do A/B testing to judge the effectiveness of recommendations</a:t>
             </a:r>
           </a:p>
@@ -12221,7 +12591,7 @@
 </p:sld>
 </file>
 
-<file path=ppt/slides/slide31.xml><?xml version="1.0" encoding="utf-8"?>
+<file path=ppt/slides/slide32.xml><?xml version="1.0" encoding="utf-8"?>
 <p:sld xmlns:a="http://schemas.openxmlformats.org/drawingml/2006/main" xmlns:r="http://schemas.openxmlformats.org/officeDocument/2006/relationships" xmlns:p="http://schemas.openxmlformats.org/presentationml/2006/main">
   <p:cSld>
     <p:spTree>

--- a/Customer-Segmentation-Presentation.pptx
+++ b/Customer-Segmentation-Presentation.pptx
@@ -5,7 +5,7 @@
     <p:sldMasterId id="2147483648" r:id="rId1"/>
   </p:sldMasterIdLst>
   <p:notesMasterIdLst>
-    <p:notesMasterId r:id="rId34"/>
+    <p:notesMasterId r:id="rId35"/>
   </p:notesMasterIdLst>
   <p:sldIdLst>
     <p:sldId id="258" r:id="rId2"/>
@@ -39,7 +39,8 @@
     <p:sldId id="322" r:id="rId30"/>
     <p:sldId id="294" r:id="rId31"/>
     <p:sldId id="321" r:id="rId32"/>
-    <p:sldId id="297" r:id="rId33"/>
+    <p:sldId id="323" r:id="rId33"/>
+    <p:sldId id="297" r:id="rId34"/>
   </p:sldIdLst>
   <p:sldSz cx="12192000" cy="6858000"/>
   <p:notesSz cx="6858000" cy="9144000"/>
@@ -228,7 +229,7 @@
           <a:p>
             <a:fld id="{A5C20BB3-3CCB-4FE5-991B-82F6BCB48AF3}" type="datetimeFigureOut">
               <a:rPr lang="en-US" smtClean="0"/>
-              <a:t>7/27/22</a:t>
+              <a:t>7/28/22</a:t>
             </a:fld>
             <a:endParaRPr lang="en-US"/>
           </a:p>
@@ -1161,7 +1162,7 @@
             <a:fld id="{B61BEF0D-F0BB-DE4B-95CE-6DB70DBA9567}" type="datetimeFigureOut">
               <a:rPr lang="en-US" dirty="0"/>
               <a:pPr/>
-              <a:t>7/27/22</a:t>
+              <a:t>7/28/22</a:t>
             </a:fld>
             <a:endParaRPr lang="en-US" dirty="0"/>
           </a:p>
@@ -1425,7 +1426,7 @@
             <a:fld id="{B61BEF0D-F0BB-DE4B-95CE-6DB70DBA9567}" type="datetimeFigureOut">
               <a:rPr lang="en-US" dirty="0"/>
               <a:pPr/>
-              <a:t>7/27/22</a:t>
+              <a:t>7/28/22</a:t>
             </a:fld>
             <a:endParaRPr lang="en-US" dirty="0"/>
           </a:p>
@@ -1662,7 +1663,7 @@
             <a:fld id="{B61BEF0D-F0BB-DE4B-95CE-6DB70DBA9567}" type="datetimeFigureOut">
               <a:rPr lang="en-US" dirty="0"/>
               <a:pPr/>
-              <a:t>7/27/22</a:t>
+              <a:t>7/28/22</a:t>
             </a:fld>
             <a:endParaRPr lang="en-US" dirty="0"/>
           </a:p>
@@ -1904,7 +1905,7 @@
             <a:fld id="{B61BEF0D-F0BB-DE4B-95CE-6DB70DBA9567}" type="datetimeFigureOut">
               <a:rPr lang="en-US" dirty="0"/>
               <a:pPr/>
-              <a:t>7/27/22</a:t>
+              <a:t>7/28/22</a:t>
             </a:fld>
             <a:endParaRPr lang="en-US" dirty="0"/>
           </a:p>
@@ -2213,7 +2214,7 @@
             <a:fld id="{B61BEF0D-F0BB-DE4B-95CE-6DB70DBA9567}" type="datetimeFigureOut">
               <a:rPr lang="en-US" dirty="0"/>
               <a:pPr/>
-              <a:t>7/27/22</a:t>
+              <a:t>7/28/22</a:t>
             </a:fld>
             <a:endParaRPr lang="en-US" dirty="0"/>
           </a:p>
@@ -2517,7 +2518,7 @@
             <a:fld id="{B61BEF0D-F0BB-DE4B-95CE-6DB70DBA9567}" type="datetimeFigureOut">
               <a:rPr lang="en-US" dirty="0"/>
               <a:pPr/>
-              <a:t>7/27/22</a:t>
+              <a:t>7/28/22</a:t>
             </a:fld>
             <a:endParaRPr lang="en-US" dirty="0"/>
           </a:p>
@@ -2941,7 +2942,7 @@
             <a:fld id="{B61BEF0D-F0BB-DE4B-95CE-6DB70DBA9567}" type="datetimeFigureOut">
               <a:rPr lang="en-US" dirty="0"/>
               <a:pPr/>
-              <a:t>7/27/22</a:t>
+              <a:t>7/28/22</a:t>
             </a:fld>
             <a:endParaRPr lang="en-US" dirty="0"/>
           </a:p>
@@ -3105,7 +3106,7 @@
             <a:fld id="{B61BEF0D-F0BB-DE4B-95CE-6DB70DBA9567}" type="datetimeFigureOut">
               <a:rPr lang="en-US" dirty="0"/>
               <a:pPr/>
-              <a:t>7/27/22</a:t>
+              <a:t>7/28/22</a:t>
             </a:fld>
             <a:endParaRPr lang="en-US" dirty="0"/>
           </a:p>
@@ -3202,7 +3203,7 @@
             <a:fld id="{B61BEF0D-F0BB-DE4B-95CE-6DB70DBA9567}" type="datetimeFigureOut">
               <a:rPr lang="en-US" dirty="0"/>
               <a:pPr/>
-              <a:t>7/27/22</a:t>
+              <a:t>7/28/22</a:t>
             </a:fld>
             <a:endParaRPr lang="en-US" dirty="0"/>
           </a:p>
@@ -3582,7 +3583,7 @@
             <a:fld id="{B61BEF0D-F0BB-DE4B-95CE-6DB70DBA9567}" type="datetimeFigureOut">
               <a:rPr lang="en-US" dirty="0"/>
               <a:pPr/>
-              <a:t>7/27/22</a:t>
+              <a:t>7/28/22</a:t>
             </a:fld>
             <a:endParaRPr lang="en-US" dirty="0"/>
           </a:p>
@@ -3873,7 +3874,7 @@
             <a:fld id="{B61BEF0D-F0BB-DE4B-95CE-6DB70DBA9567}" type="datetimeFigureOut">
               <a:rPr lang="en-US" dirty="0"/>
               <a:pPr/>
-              <a:t>7/27/22</a:t>
+              <a:t>7/28/22</a:t>
             </a:fld>
             <a:endParaRPr lang="en-US" dirty="0"/>
           </a:p>
@@ -4086,7 +4087,7 @@
             <a:fld id="{B61BEF0D-F0BB-DE4B-95CE-6DB70DBA9567}" type="datetimeFigureOut">
               <a:rPr lang="en-US" dirty="0"/>
               <a:pPr/>
-              <a:t>7/27/22</a:t>
+              <a:t>7/28/22</a:t>
             </a:fld>
             <a:endParaRPr lang="en-US" dirty="0"/>
           </a:p>
@@ -12453,7 +12454,7 @@
           <a:p>
             <a:r>
               <a:rPr lang="en-US" dirty="0"/>
-              <a:t>Future work</a:t>
+              <a:t>Future work (part 1)</a:t>
             </a:r>
           </a:p>
         </p:txBody>
@@ -12476,7 +12477,7 @@
         </p:nvSpPr>
         <p:spPr>
           <a:xfrm>
-            <a:off x="581193" y="2477541"/>
+            <a:off x="581192" y="2073780"/>
             <a:ext cx="11029615" cy="3678303"/>
           </a:xfrm>
         </p:spPr>
@@ -12514,7 +12515,15 @@
             <a:pPr lvl="1"/>
             <a:r>
               <a:rPr lang="en-US" sz="8000" dirty="0"/>
-              <a:t>What more can we learn about our customers? Specifically, are there factors that differentiate Cluster 5 that are not in the data?</a:t>
+              <a:t>What more can we learn about our customers? Specifically, are there factors that differentiate Cluster 5 that are not in the data? (</a:t>
+            </a:r>
+            <a:r>
+              <a:rPr lang="en-US" sz="8000" u="sng" dirty="0"/>
+              <a:t>Surveys</a:t>
+            </a:r>
+            <a:r>
+              <a:rPr lang="en-US" sz="8000" dirty="0"/>
+              <a:t>)</a:t>
             </a:r>
           </a:p>
           <a:p>
@@ -12529,33 +12538,6 @@
             <a:r>
               <a:rPr lang="en-US" sz="8000" dirty="0"/>
               <a:t>Can the store learn to do profitable business with Cluster 2-4?</a:t>
-            </a:r>
-          </a:p>
-          <a:p>
-            <a:pPr lvl="1"/>
-            <a:r>
-              <a:rPr lang="en-US" sz="8000" dirty="0"/>
-              <a:t>Get more granular data on store purchases</a:t>
-            </a:r>
-          </a:p>
-          <a:p>
-            <a:pPr lvl="1"/>
-            <a:r>
-              <a:rPr lang="en-US" sz="8000" dirty="0"/>
-              <a:t>Get data on campaign costs </a:t>
-            </a:r>
-          </a:p>
-          <a:p>
-            <a:pPr lvl="1"/>
-            <a:r>
-              <a:rPr lang="en-US" sz="8000" dirty="0"/>
-              <a:t>Get more data on profitability rather than just revenue, as profitability is the key objective</a:t>
-            </a:r>
-          </a:p>
-          <a:p>
-            <a:r>
-              <a:rPr lang="en-US" sz="8000" dirty="0"/>
-              <a:t>Do A/B testing to judge the effectiveness of recommendations</a:t>
             </a:r>
           </a:p>
           <a:p>
@@ -12592,6 +12574,150 @@
 </file>
 
 <file path=ppt/slides/slide32.xml><?xml version="1.0" encoding="utf-8"?>
+<p:sld xmlns:a="http://schemas.openxmlformats.org/drawingml/2006/main" xmlns:r="http://schemas.openxmlformats.org/officeDocument/2006/relationships" xmlns:p="http://schemas.openxmlformats.org/presentationml/2006/main">
+  <p:cSld>
+    <p:spTree>
+      <p:nvGrpSpPr>
+        <p:cNvPr id="1" name=""/>
+        <p:cNvGrpSpPr/>
+        <p:nvPr/>
+      </p:nvGrpSpPr>
+      <p:grpSpPr>
+        <a:xfrm>
+          <a:off x="0" y="0"/>
+          <a:ext cx="0" cy="0"/>
+          <a:chOff x="0" y="0"/>
+          <a:chExt cx="0" cy="0"/>
+        </a:xfrm>
+      </p:grpSpPr>
+      <p:sp>
+        <p:nvSpPr>
+          <p:cNvPr id="2" name="Title 1">
+            <a:extLst>
+              <a:ext uri="{FF2B5EF4-FFF2-40B4-BE49-F238E27FC236}">
+                <a16:creationId xmlns:a16="http://schemas.microsoft.com/office/drawing/2014/main" id="{2219958F-55A5-8230-D0F0-C1C5A2EA48F4}"/>
+              </a:ext>
+            </a:extLst>
+          </p:cNvPr>
+          <p:cNvSpPr>
+            <a:spLocks noGrp="1"/>
+          </p:cNvSpPr>
+          <p:nvPr>
+            <p:ph type="title"/>
+          </p:nvPr>
+        </p:nvSpPr>
+        <p:spPr/>
+        <p:txBody>
+          <a:bodyPr/>
+          <a:lstStyle/>
+          <a:p>
+            <a:r>
+              <a:rPr lang="en-US" dirty="0"/>
+              <a:t>Future work (part ii)</a:t>
+            </a:r>
+          </a:p>
+        </p:txBody>
+      </p:sp>
+      <p:sp>
+        <p:nvSpPr>
+          <p:cNvPr id="3" name="Content Placeholder 2">
+            <a:extLst>
+              <a:ext uri="{FF2B5EF4-FFF2-40B4-BE49-F238E27FC236}">
+                <a16:creationId xmlns:a16="http://schemas.microsoft.com/office/drawing/2014/main" id="{0CF5FD2C-87D9-9295-2774-E99BFB637AED}"/>
+              </a:ext>
+            </a:extLst>
+          </p:cNvPr>
+          <p:cNvSpPr>
+            <a:spLocks noGrp="1"/>
+          </p:cNvSpPr>
+          <p:nvPr>
+            <p:ph idx="1"/>
+          </p:nvPr>
+        </p:nvSpPr>
+        <p:spPr>
+          <a:xfrm>
+            <a:off x="581193" y="2477541"/>
+            <a:ext cx="11029615" cy="3678303"/>
+          </a:xfrm>
+        </p:spPr>
+        <p:txBody>
+          <a:bodyPr>
+            <a:normAutofit fontScale="25000" lnSpcReduction="20000"/>
+          </a:bodyPr>
+          <a:lstStyle/>
+          <a:p>
+            <a:endParaRPr lang="en-US" i="1" dirty="0"/>
+          </a:p>
+          <a:p>
+            <a:pPr marL="0" indent="0">
+              <a:buNone/>
+            </a:pPr>
+            <a:endParaRPr lang="en-US" sz="9600" dirty="0"/>
+          </a:p>
+          <a:p>
+            <a:r>
+              <a:rPr lang="en-US" sz="8200" dirty="0"/>
+              <a:t>Get more granular data on store purchases</a:t>
+            </a:r>
+          </a:p>
+          <a:p>
+            <a:r>
+              <a:rPr lang="en-US" sz="8200" dirty="0"/>
+              <a:t>Get data on campaign costs </a:t>
+            </a:r>
+          </a:p>
+          <a:p>
+            <a:r>
+              <a:rPr lang="en-US" sz="8200" dirty="0"/>
+              <a:t>Get more data on profitability rather than just revenue, as profitability is the key objective</a:t>
+            </a:r>
+          </a:p>
+          <a:p>
+            <a:r>
+              <a:rPr lang="en-US" sz="8000" dirty="0"/>
+              <a:t>Do A/B testing to judge the effectiveness of recommendations</a:t>
+            </a:r>
+          </a:p>
+          <a:p>
+            <a:r>
+              <a:rPr lang="en-US" sz="8000" dirty="0"/>
+              <a:t>Are Cluster 5 customers just a more recent group of Cluster 1 customers?  If so, can we reengage Cluster 1 and find ways to keep Cluster 5 continually engaged?</a:t>
+            </a:r>
+          </a:p>
+          <a:p>
+            <a:pPr marL="0" indent="0">
+              <a:buNone/>
+            </a:pPr>
+            <a:endParaRPr lang="en-US" sz="9600" i="1" dirty="0"/>
+          </a:p>
+          <a:p>
+            <a:endParaRPr lang="en-US" i="1" dirty="0"/>
+          </a:p>
+          <a:p>
+            <a:endParaRPr lang="en-US" i="1" dirty="0"/>
+          </a:p>
+          <a:p>
+            <a:endParaRPr lang="en-US" i="1" dirty="0"/>
+          </a:p>
+          <a:p>
+            <a:endParaRPr lang="en-US" dirty="0"/>
+          </a:p>
+        </p:txBody>
+      </p:sp>
+    </p:spTree>
+    <p:extLst>
+      <p:ext uri="{BB962C8B-B14F-4D97-AF65-F5344CB8AC3E}">
+        <p14:creationId xmlns:p14="http://schemas.microsoft.com/office/powerpoint/2010/main" val="906861200"/>
+      </p:ext>
+    </p:extLst>
+  </p:cSld>
+  <p:clrMapOvr>
+    <a:masterClrMapping/>
+  </p:clrMapOvr>
+</p:sld>
+</file>
+
+<file path=ppt/slides/slide33.xml><?xml version="1.0" encoding="utf-8"?>
 <p:sld xmlns:a="http://schemas.openxmlformats.org/drawingml/2006/main" xmlns:r="http://schemas.openxmlformats.org/officeDocument/2006/relationships" xmlns:p="http://schemas.openxmlformats.org/presentationml/2006/main">
   <p:cSld>
     <p:spTree>
@@ -13695,7 +13821,7 @@
                   <a:schemeClr val="bg1"/>
                 </a:solidFill>
               </a:rPr>
-              <a:t>Select k as the number of groups to cluster for</a:t>
+              <a:t>Select k as the number of groups to cluster for.</a:t>
             </a:r>
           </a:p>
           <a:p>
@@ -13705,7 +13831,7 @@
                   <a:schemeClr val="bg1"/>
                 </a:solidFill>
               </a:rPr>
-              <a:t>Randomly pick k points in the data as centroid points</a:t>
+              <a:t>Randomly pick k points in the data as centroid points.</a:t>
             </a:r>
           </a:p>
           <a:p>
@@ -13715,7 +13841,7 @@
                   <a:schemeClr val="bg1"/>
                 </a:solidFill>
               </a:rPr>
-              <a:t>Assign each non-centroid point to its closest centroid</a:t>
+              <a:t>Assign each non-centroid point to its closest centroid.</a:t>
             </a:r>
           </a:p>
           <a:p>
@@ -13725,7 +13851,7 @@
                   <a:schemeClr val="bg1"/>
                 </a:solidFill>
               </a:rPr>
-              <a:t>Recalculate centroid points by taking the average of all surrounding points assigned to that cluster</a:t>
+              <a:t>Recalculate centroid points by taking the average of all surrounding points assigned to that cluster.</a:t>
             </a:r>
           </a:p>
           <a:p>
@@ -13750,13 +13876,6 @@
               </a:solidFill>
             </a:endParaRPr>
           </a:p>
-          <a:p>
-            <a:endParaRPr lang="en-US" dirty="0">
-              <a:solidFill>
-                <a:schemeClr val="bg1"/>
-              </a:solidFill>
-            </a:endParaRPr>
-          </a:p>
         </p:txBody>
       </p:sp>
       <p:pic>
@@ -13789,6 +13908,62 @@
           </a:prstGeom>
         </p:spPr>
       </p:pic>
+      <p:sp>
+        <p:nvSpPr>
+          <p:cNvPr id="5" name="TextBox 4">
+            <a:extLst>
+              <a:ext uri="{FF2B5EF4-FFF2-40B4-BE49-F238E27FC236}">
+                <a16:creationId xmlns:a16="http://schemas.microsoft.com/office/drawing/2014/main" id="{95A37458-C16C-F798-CB7A-726D52A9D564}"/>
+              </a:ext>
+            </a:extLst>
+          </p:cNvPr>
+          <p:cNvSpPr txBox="1"/>
+          <p:nvPr/>
+        </p:nvSpPr>
+        <p:spPr>
+          <a:xfrm>
+            <a:off x="736980" y="6400800"/>
+            <a:ext cx="10982878" cy="369332"/>
+          </a:xfrm>
+          <a:prstGeom prst="rect">
+            <a:avLst/>
+          </a:prstGeom>
+          <a:noFill/>
+        </p:spPr>
+        <p:txBody>
+          <a:bodyPr wrap="none" rtlCol="0">
+            <a:spAutoFit/>
+          </a:bodyPr>
+          <a:lstStyle/>
+          <a:p>
+            <a:r>
+              <a:rPr lang="en-US" dirty="0"/>
+              <a:t>Good explanation at https://</a:t>
+            </a:r>
+            <a:r>
+              <a:rPr lang="en-US" dirty="0" err="1"/>
+              <a:t>www.youtube.com</a:t>
+            </a:r>
+            <a:r>
+              <a:rPr lang="en-US" dirty="0"/>
+              <a:t>/</a:t>
+            </a:r>
+            <a:r>
+              <a:rPr lang="en-US" dirty="0" err="1"/>
+              <a:t>watch?v</a:t>
+            </a:r>
+            <a:r>
+              <a:rPr lang="en-US" dirty="0"/>
+              <a:t>=hDmNF9JG3lo&amp;ab_channel=</a:t>
+            </a:r>
+            <a:r>
+              <a:rPr lang="en-US" dirty="0" err="1"/>
+              <a:t>ArtificialIntelligence-AllinOne</a:t>
+            </a:r>
+            <a:endParaRPr lang="en-US" dirty="0"/>
+          </a:p>
+        </p:txBody>
+      </p:sp>
     </p:spTree>
     <p:extLst>
       <p:ext uri="{BB962C8B-B14F-4D97-AF65-F5344CB8AC3E}">

--- a/Customer-Segmentation-Presentation.pptx
+++ b/Customer-Segmentation-Presentation.pptx
@@ -229,7 +229,7 @@
           <a:p>
             <a:fld id="{A5C20BB3-3CCB-4FE5-991B-82F6BCB48AF3}" type="datetimeFigureOut">
               <a:rPr lang="en-US" smtClean="0"/>
-              <a:t>7/28/22</a:t>
+              <a:t>7/29/22</a:t>
             </a:fld>
             <a:endParaRPr lang="en-US"/>
           </a:p>
@@ -1162,7 +1162,7 @@
             <a:fld id="{B61BEF0D-F0BB-DE4B-95CE-6DB70DBA9567}" type="datetimeFigureOut">
               <a:rPr lang="en-US" dirty="0"/>
               <a:pPr/>
-              <a:t>7/28/22</a:t>
+              <a:t>7/29/22</a:t>
             </a:fld>
             <a:endParaRPr lang="en-US" dirty="0"/>
           </a:p>
@@ -1426,7 +1426,7 @@
             <a:fld id="{B61BEF0D-F0BB-DE4B-95CE-6DB70DBA9567}" type="datetimeFigureOut">
               <a:rPr lang="en-US" dirty="0"/>
               <a:pPr/>
-              <a:t>7/28/22</a:t>
+              <a:t>7/29/22</a:t>
             </a:fld>
             <a:endParaRPr lang="en-US" dirty="0"/>
           </a:p>
@@ -1663,7 +1663,7 @@
             <a:fld id="{B61BEF0D-F0BB-DE4B-95CE-6DB70DBA9567}" type="datetimeFigureOut">
               <a:rPr lang="en-US" dirty="0"/>
               <a:pPr/>
-              <a:t>7/28/22</a:t>
+              <a:t>7/29/22</a:t>
             </a:fld>
             <a:endParaRPr lang="en-US" dirty="0"/>
           </a:p>
@@ -1905,7 +1905,7 @@
             <a:fld id="{B61BEF0D-F0BB-DE4B-95CE-6DB70DBA9567}" type="datetimeFigureOut">
               <a:rPr lang="en-US" dirty="0"/>
               <a:pPr/>
-              <a:t>7/28/22</a:t>
+              <a:t>7/29/22</a:t>
             </a:fld>
             <a:endParaRPr lang="en-US" dirty="0"/>
           </a:p>
@@ -2214,7 +2214,7 @@
             <a:fld id="{B61BEF0D-F0BB-DE4B-95CE-6DB70DBA9567}" type="datetimeFigureOut">
               <a:rPr lang="en-US" dirty="0"/>
               <a:pPr/>
-              <a:t>7/28/22</a:t>
+              <a:t>7/29/22</a:t>
             </a:fld>
             <a:endParaRPr lang="en-US" dirty="0"/>
           </a:p>
@@ -2518,7 +2518,7 @@
             <a:fld id="{B61BEF0D-F0BB-DE4B-95CE-6DB70DBA9567}" type="datetimeFigureOut">
               <a:rPr lang="en-US" dirty="0"/>
               <a:pPr/>
-              <a:t>7/28/22</a:t>
+              <a:t>7/29/22</a:t>
             </a:fld>
             <a:endParaRPr lang="en-US" dirty="0"/>
           </a:p>
@@ -2942,7 +2942,7 @@
             <a:fld id="{B61BEF0D-F0BB-DE4B-95CE-6DB70DBA9567}" type="datetimeFigureOut">
               <a:rPr lang="en-US" dirty="0"/>
               <a:pPr/>
-              <a:t>7/28/22</a:t>
+              <a:t>7/29/22</a:t>
             </a:fld>
             <a:endParaRPr lang="en-US" dirty="0"/>
           </a:p>
@@ -3106,7 +3106,7 @@
             <a:fld id="{B61BEF0D-F0BB-DE4B-95CE-6DB70DBA9567}" type="datetimeFigureOut">
               <a:rPr lang="en-US" dirty="0"/>
               <a:pPr/>
-              <a:t>7/28/22</a:t>
+              <a:t>7/29/22</a:t>
             </a:fld>
             <a:endParaRPr lang="en-US" dirty="0"/>
           </a:p>
@@ -3203,7 +3203,7 @@
             <a:fld id="{B61BEF0D-F0BB-DE4B-95CE-6DB70DBA9567}" type="datetimeFigureOut">
               <a:rPr lang="en-US" dirty="0"/>
               <a:pPr/>
-              <a:t>7/28/22</a:t>
+              <a:t>7/29/22</a:t>
             </a:fld>
             <a:endParaRPr lang="en-US" dirty="0"/>
           </a:p>
@@ -3583,7 +3583,7 @@
             <a:fld id="{B61BEF0D-F0BB-DE4B-95CE-6DB70DBA9567}" type="datetimeFigureOut">
               <a:rPr lang="en-US" dirty="0"/>
               <a:pPr/>
-              <a:t>7/28/22</a:t>
+              <a:t>7/29/22</a:t>
             </a:fld>
             <a:endParaRPr lang="en-US" dirty="0"/>
           </a:p>
@@ -3874,7 +3874,7 @@
             <a:fld id="{B61BEF0D-F0BB-DE4B-95CE-6DB70DBA9567}" type="datetimeFigureOut">
               <a:rPr lang="en-US" dirty="0"/>
               <a:pPr/>
-              <a:t>7/28/22</a:t>
+              <a:t>7/29/22</a:t>
             </a:fld>
             <a:endParaRPr lang="en-US" dirty="0"/>
           </a:p>
@@ -4087,7 +4087,7 @@
             <a:fld id="{B61BEF0D-F0BB-DE4B-95CE-6DB70DBA9567}" type="datetimeFigureOut">
               <a:rPr lang="en-US" dirty="0"/>
               <a:pPr/>
-              <a:t>7/28/22</a:t>
+              <a:t>7/29/22</a:t>
             </a:fld>
             <a:endParaRPr lang="en-US" dirty="0"/>
           </a:p>
@@ -4780,12 +4780,12 @@
           <a:lstStyle/>
           <a:p>
             <a:r>
-              <a:rPr lang="en-US" sz="5400">
+              <a:rPr lang="en-US" sz="5400" dirty="0">
                 <a:solidFill>
                   <a:schemeClr val="tx2"/>
                 </a:solidFill>
               </a:rPr>
-              <a:t>Market Segmentation</a:t>
+              <a:t>Customer Segmentation</a:t>
             </a:r>
           </a:p>
         </p:txBody>
@@ -5284,8 +5284,8 @@
         </p:blipFill>
         <p:spPr>
           <a:xfrm>
-            <a:off x="4482239" y="938486"/>
-            <a:ext cx="7583917" cy="5062264"/>
+            <a:off x="4039862" y="904612"/>
+            <a:ext cx="8152138" cy="5441551"/>
           </a:xfrm>
           <a:prstGeom prst="rect">
             <a:avLst/>
@@ -5629,7 +5629,7 @@
         </p:blipFill>
         <p:spPr>
           <a:xfrm>
-            <a:off x="4149852" y="843432"/>
+            <a:off x="4149852" y="734577"/>
             <a:ext cx="8325645" cy="5557368"/>
           </a:xfrm>
           <a:prstGeom prst="rect">
@@ -6929,7 +6929,7 @@
         <p:spPr>
           <a:xfrm>
             <a:off x="4406670" y="1845587"/>
-            <a:ext cx="7450934" cy="3408801"/>
+            <a:ext cx="7438925" cy="3403307"/>
           </a:xfrm>
           <a:prstGeom prst="rect">
             <a:avLst/>
@@ -7332,7 +7332,7 @@
           <a:p>
             <a:r>
               <a:rPr lang="en-US" sz="2000" dirty="0"/>
-              <a:t>Clusters 1 and 5 are the high spenders with high income.  Cluster 1 consists of loyalty customers but Cluster 5 customers spend the most per day.  They are similar in most key dimensions, with Cluster 1 being slightly better educated, having more children, and having slightly higher likelihood of having a  partner.  </a:t>
+              <a:t>Clusters 1 and 5 are the high spenders with high income.  Cluster 1 consists of loyalty customers but Cluster 5 customers spend the most per day.  Apart from time spent as customers, they are similar in most key dimensions, with Cluster 1 being slightly better educated, having more children, and having slightly higher likelihood of having a  partner.  </a:t>
             </a:r>
           </a:p>
           <a:p>
@@ -8451,6 +8451,14 @@
             </a:r>
           </a:p>
           <a:p>
+            <a:pPr lvl="1"/>
+            <a:r>
+              <a:rPr lang="en-US" dirty="0"/>
+              <a:t>Span 796 days (2012-2014)</a:t>
+            </a:r>
+          </a:p>
+          <a:p>
+            <a:pPr lvl="1"/>
             <a:r>
               <a:rPr lang="en-US" dirty="0"/>
               <a:t>Some missing income observations and extreme outliers in income and age</a:t>
@@ -10147,8 +10155,8 @@
         </p:blipFill>
         <p:spPr>
           <a:xfrm>
-            <a:off x="4403041" y="1579088"/>
-            <a:ext cx="7535772" cy="4314228"/>
+            <a:off x="4403040" y="1343181"/>
+            <a:ext cx="7947837" cy="4550135"/>
           </a:xfrm>
           <a:prstGeom prst="rect">
             <a:avLst/>
@@ -10467,8 +10475,8 @@
         </p:blipFill>
         <p:spPr>
           <a:xfrm>
-            <a:off x="4791522" y="1581605"/>
-            <a:ext cx="6489819" cy="3715420"/>
+            <a:off x="4169914" y="1018312"/>
+            <a:ext cx="8022085" cy="4592643"/>
           </a:xfrm>
           <a:prstGeom prst="rect">
             <a:avLst/>
@@ -10787,8 +10795,8 @@
         </p:blipFill>
         <p:spPr>
           <a:xfrm>
-            <a:off x="4462638" y="1306005"/>
-            <a:ext cx="7826458" cy="4480646"/>
+            <a:off x="4149854" y="1033014"/>
+            <a:ext cx="8339841" cy="4774558"/>
           </a:xfrm>
           <a:prstGeom prst="rect">
             <a:avLst/>
@@ -11107,8 +11115,8 @@
         </p:blipFill>
         <p:spPr>
           <a:xfrm>
-            <a:off x="4791522" y="1581605"/>
-            <a:ext cx="6489819" cy="3715420"/>
+            <a:off x="4230383" y="1240571"/>
+            <a:ext cx="7998203" cy="4578970"/>
           </a:xfrm>
           <a:prstGeom prst="rect">
             <a:avLst/>
@@ -11427,8 +11435,8 @@
         </p:blipFill>
         <p:spPr>
           <a:xfrm>
-            <a:off x="4791522" y="1581605"/>
-            <a:ext cx="6489819" cy="3715420"/>
+            <a:off x="4169915" y="1072008"/>
+            <a:ext cx="8234035" cy="4713983"/>
           </a:xfrm>
           <a:prstGeom prst="rect">
             <a:avLst/>
@@ -11757,8 +11765,8 @@
         </p:blipFill>
         <p:spPr>
           <a:xfrm>
-            <a:off x="4791522" y="1581605"/>
-            <a:ext cx="6489819" cy="3715420"/>
+            <a:off x="4149854" y="951851"/>
+            <a:ext cx="8295086" cy="4748935"/>
           </a:xfrm>
           <a:prstGeom prst="rect">
             <a:avLst/>
@@ -12170,39 +12178,39 @@
           <a:lstStyle/>
           <a:p>
             <a:r>
-              <a:rPr lang="en-US" dirty="0"/>
+              <a:rPr lang="en-US" sz="2400" dirty="0"/>
               <a:t>Who are the customers that bring the most revenue to the company?</a:t>
             </a:r>
           </a:p>
           <a:p>
             <a:r>
-              <a:rPr lang="en-US" dirty="0"/>
+              <a:rPr lang="en-US" sz="2400" dirty="0"/>
               <a:t>Who are the customers who </a:t>
             </a:r>
             <a:r>
-              <a:rPr lang="en-US" u="sng" dirty="0"/>
+              <a:rPr lang="en-US" sz="2400" u="sng" dirty="0"/>
               <a:t>could</a:t>
             </a:r>
             <a:r>
-              <a:rPr lang="en-US" dirty="0"/>
+              <a:rPr lang="en-US" sz="2400" dirty="0"/>
               <a:t> bring more revenue to the company?</a:t>
             </a:r>
           </a:p>
           <a:p>
             <a:r>
-              <a:rPr lang="en-US" dirty="0"/>
+              <a:rPr lang="en-US" sz="2400" dirty="0"/>
               <a:t>To which campaigns do these customers respond?</a:t>
             </a:r>
           </a:p>
           <a:p>
             <a:r>
-              <a:rPr lang="en-US" dirty="0"/>
+              <a:rPr lang="en-US" sz="2400" dirty="0"/>
               <a:t>Where do different groups of customer shop? (in store, online, over catalog)</a:t>
             </a:r>
           </a:p>
           <a:p>
             <a:r>
-              <a:rPr lang="en-US" dirty="0"/>
+              <a:rPr lang="en-US" sz="2400" dirty="0"/>
               <a:t>Any additional business insights about the customers?</a:t>
             </a:r>
           </a:p>
@@ -12500,43 +12508,43 @@
           </a:p>
           <a:p>
             <a:r>
-              <a:rPr lang="en-US" sz="8000" dirty="0"/>
+              <a:rPr lang="en-US" sz="9600" dirty="0"/>
               <a:t>It would be helpful to have more information about the data set and the store in order to answer the following questions:</a:t>
             </a:r>
           </a:p>
           <a:p>
             <a:pPr lvl="1"/>
             <a:r>
-              <a:rPr lang="en-US" sz="8000" dirty="0"/>
+              <a:rPr lang="en-US" sz="9600" dirty="0"/>
               <a:t>What do we know about the rationale behind each campaign? What distinguishes the campaigns?</a:t>
             </a:r>
           </a:p>
           <a:p>
             <a:pPr lvl="1"/>
             <a:r>
-              <a:rPr lang="en-US" sz="8000" dirty="0"/>
+              <a:rPr lang="en-US" sz="9600" dirty="0"/>
               <a:t>What more can we learn about our customers? Specifically, are there factors that differentiate Cluster 5 that are not in the data? (</a:t>
             </a:r>
             <a:r>
-              <a:rPr lang="en-US" sz="8000" u="sng" dirty="0"/>
+              <a:rPr lang="en-US" sz="9600" u="sng" dirty="0"/>
               <a:t>Surveys</a:t>
             </a:r>
             <a:r>
-              <a:rPr lang="en-US" sz="8000" dirty="0"/>
+              <a:rPr lang="en-US" sz="9600" dirty="0"/>
               <a:t>)</a:t>
             </a:r>
           </a:p>
           <a:p>
             <a:pPr lvl="1"/>
             <a:r>
-              <a:rPr lang="en-US" sz="8000" dirty="0"/>
+              <a:rPr lang="en-US" sz="9600" dirty="0"/>
               <a:t>What else can be learned about the way the store is making customers in-store and online shopping experience pleasant? Are there way to improve?</a:t>
             </a:r>
           </a:p>
           <a:p>
             <a:pPr lvl="1"/>
             <a:r>
-              <a:rPr lang="en-US" sz="8000" dirty="0"/>
+              <a:rPr lang="en-US" sz="9600" dirty="0"/>
               <a:t>Can the store learn to do profitable business with Cluster 2-4?</a:t>
             </a:r>
           </a:p>
@@ -12656,31 +12664,31 @@
           </a:p>
           <a:p>
             <a:r>
-              <a:rPr lang="en-US" sz="8200" dirty="0"/>
+              <a:rPr lang="en-US" sz="9600" dirty="0"/>
               <a:t>Get more granular data on store purchases</a:t>
             </a:r>
           </a:p>
           <a:p>
             <a:r>
-              <a:rPr lang="en-US" sz="8200" dirty="0"/>
+              <a:rPr lang="en-US" sz="9600" dirty="0"/>
               <a:t>Get data on campaign costs </a:t>
             </a:r>
           </a:p>
           <a:p>
             <a:r>
-              <a:rPr lang="en-US" sz="8200" dirty="0"/>
+              <a:rPr lang="en-US" sz="9600" dirty="0"/>
               <a:t>Get more data on profitability rather than just revenue, as profitability is the key objective</a:t>
             </a:r>
           </a:p>
           <a:p>
             <a:r>
-              <a:rPr lang="en-US" sz="8000" dirty="0"/>
+              <a:rPr lang="en-US" sz="9600" dirty="0"/>
               <a:t>Do A/B testing to judge the effectiveness of recommendations</a:t>
             </a:r>
           </a:p>
           <a:p>
             <a:r>
-              <a:rPr lang="en-US" sz="8000" dirty="0"/>
+              <a:rPr lang="en-US" sz="9600" dirty="0"/>
               <a:t>Are Cluster 5 customers just a more recent group of Cluster 1 customers?  If so, can we reengage Cluster 1 and find ways to keep Cluster 5 continually engaged?</a:t>
             </a:r>
           </a:p>
@@ -12780,65 +12788,67 @@
         </p:nvSpPr>
         <p:spPr/>
         <p:txBody>
-          <a:bodyPr/>
+          <a:bodyPr>
+            <a:normAutofit/>
+          </a:bodyPr>
           <a:lstStyle/>
           <a:p>
             <a:r>
-              <a:rPr lang="en-US" dirty="0"/>
+              <a:rPr lang="en-US" sz="2400" dirty="0"/>
               <a:t>Please see the full repo at </a:t>
             </a:r>
             <a:r>
-              <a:rPr lang="en-US" dirty="0">
+              <a:rPr lang="en-US" sz="2400" dirty="0">
                 <a:hlinkClick r:id="rId2"/>
               </a:rPr>
               <a:t>https://github.com/dapopov-st/Customer-Segmentation</a:t>
             </a:r>
             <a:r>
-              <a:rPr lang="en-US" dirty="0"/>
+              <a:rPr lang="en-US" sz="2400" dirty="0"/>
               <a:t> for further details</a:t>
             </a:r>
           </a:p>
           <a:p>
             <a:r>
-              <a:rPr lang="en-US" dirty="0"/>
+              <a:rPr lang="en-US" sz="2400" dirty="0"/>
               <a:t>Results of preliminary experiments are in the </a:t>
             </a:r>
             <a:r>
-              <a:rPr lang="en-US" dirty="0" err="1"/>
+              <a:rPr lang="en-US" sz="2400" dirty="0" err="1"/>
               <a:t>Preliminary_work_and_experiments</a:t>
             </a:r>
             <a:r>
-              <a:rPr lang="en-US" dirty="0"/>
+              <a:rPr lang="en-US" sz="2400" dirty="0"/>
               <a:t> directory</a:t>
             </a:r>
           </a:p>
           <a:p>
             <a:r>
-              <a:rPr lang="en-US" dirty="0"/>
+              <a:rPr lang="en-US" sz="2400" dirty="0"/>
               <a:t>Special thanks to </a:t>
             </a:r>
             <a:r>
-              <a:rPr lang="en-US" dirty="0" err="1"/>
+              <a:rPr lang="en-US" sz="2400" dirty="0" err="1"/>
               <a:t>Zeyu</a:t>
             </a:r>
             <a:r>
-              <a:rPr lang="en-US" dirty="0"/>
+              <a:rPr lang="en-US" sz="2400" dirty="0"/>
               <a:t> Zhang, David </a:t>
             </a:r>
             <a:r>
-              <a:rPr lang="en-US" dirty="0" err="1"/>
+              <a:rPr lang="en-US" sz="2400" dirty="0" err="1"/>
               <a:t>Kressley</a:t>
             </a:r>
             <a:r>
-              <a:rPr lang="en-US" dirty="0"/>
+              <a:rPr lang="en-US" sz="2400" dirty="0"/>
               <a:t>, Kyle Gallatin, and Philippe </a:t>
             </a:r>
             <a:r>
-              <a:rPr lang="en-US" dirty="0" err="1"/>
+              <a:rPr lang="en-US" sz="2400" dirty="0" err="1"/>
               <a:t>Heitzmann</a:t>
             </a:r>
             <a:r>
-              <a:rPr lang="en-US" dirty="0"/>
+              <a:rPr lang="en-US" sz="2400" dirty="0"/>
               <a:t> for crucial feedback and support</a:t>
             </a:r>
           </a:p>
@@ -13495,7 +13505,7 @@
                   <a:schemeClr val="bg1"/>
                 </a:solidFill>
               </a:rPr>
-              <a:t>Questions: Who shops in store? who shops on the web? Who uses the catalog?</a:t>
+              <a:t>Questions: Who shops in store? Who shops on the web? Who uses the catalog?</a:t>
             </a:r>
           </a:p>
           <a:p>
@@ -14743,8 +14753,8 @@
         </p:blipFill>
         <p:spPr>
           <a:xfrm>
-            <a:off x="5042638" y="1111641"/>
-            <a:ext cx="5987586" cy="4655348"/>
+            <a:off x="4630822" y="702156"/>
+            <a:ext cx="7104853" cy="5524023"/>
           </a:xfrm>
           <a:prstGeom prst="rect">
             <a:avLst/>
@@ -15064,7 +15074,7 @@
         <p:spPr>
           <a:xfrm>
             <a:off x="4272389" y="754682"/>
-            <a:ext cx="7345522" cy="4903136"/>
+            <a:ext cx="7859278" cy="5246068"/>
           </a:xfrm>
           <a:prstGeom prst="rect">
             <a:avLst/>

--- a/Customer-Segmentation-Presentation.pptx
+++ b/Customer-Segmentation-Presentation.pptx
@@ -5,7 +5,7 @@
     <p:sldMasterId id="2147483648" r:id="rId1"/>
   </p:sldMasterIdLst>
   <p:notesMasterIdLst>
-    <p:notesMasterId r:id="rId35"/>
+    <p:notesMasterId r:id="rId34"/>
   </p:notesMasterIdLst>
   <p:sldIdLst>
     <p:sldId id="258" r:id="rId2"/>
@@ -21,26 +21,25 @@
     <p:sldId id="280" r:id="rId12"/>
     <p:sldId id="284" r:id="rId13"/>
     <p:sldId id="300" r:id="rId14"/>
-    <p:sldId id="302" r:id="rId15"/>
-    <p:sldId id="304" r:id="rId16"/>
-    <p:sldId id="305" r:id="rId17"/>
-    <p:sldId id="315" r:id="rId18"/>
-    <p:sldId id="287" r:id="rId19"/>
-    <p:sldId id="299" r:id="rId20"/>
-    <p:sldId id="308" r:id="rId21"/>
-    <p:sldId id="309" r:id="rId22"/>
-    <p:sldId id="310" r:id="rId23"/>
-    <p:sldId id="307" r:id="rId24"/>
-    <p:sldId id="311" r:id="rId25"/>
-    <p:sldId id="312" r:id="rId26"/>
-    <p:sldId id="313" r:id="rId27"/>
-    <p:sldId id="314" r:id="rId28"/>
-    <p:sldId id="317" r:id="rId29"/>
-    <p:sldId id="322" r:id="rId30"/>
-    <p:sldId id="294" r:id="rId31"/>
-    <p:sldId id="321" r:id="rId32"/>
-    <p:sldId id="323" r:id="rId33"/>
-    <p:sldId id="297" r:id="rId34"/>
+    <p:sldId id="304" r:id="rId15"/>
+    <p:sldId id="305" r:id="rId16"/>
+    <p:sldId id="315" r:id="rId17"/>
+    <p:sldId id="287" r:id="rId18"/>
+    <p:sldId id="299" r:id="rId19"/>
+    <p:sldId id="308" r:id="rId20"/>
+    <p:sldId id="309" r:id="rId21"/>
+    <p:sldId id="310" r:id="rId22"/>
+    <p:sldId id="307" r:id="rId23"/>
+    <p:sldId id="311" r:id="rId24"/>
+    <p:sldId id="312" r:id="rId25"/>
+    <p:sldId id="313" r:id="rId26"/>
+    <p:sldId id="314" r:id="rId27"/>
+    <p:sldId id="317" r:id="rId28"/>
+    <p:sldId id="322" r:id="rId29"/>
+    <p:sldId id="294" r:id="rId30"/>
+    <p:sldId id="321" r:id="rId31"/>
+    <p:sldId id="323" r:id="rId32"/>
+    <p:sldId id="297" r:id="rId33"/>
   </p:sldIdLst>
   <p:sldSz cx="12192000" cy="6858000"/>
   <p:notesSz cx="6858000" cy="9144000"/>
@@ -6336,7 +6335,7 @@
       </p:grpSpPr>
       <p:sp useBgFill="1">
         <p:nvSpPr>
-          <p:cNvPr id="23" name="Rectangle 22">
+          <p:cNvPr id="32" name="Rectangle 31">
             <a:extLst>
               <a:ext uri="{FF2B5EF4-FFF2-40B4-BE49-F238E27FC236}">
                 <a16:creationId xmlns:a16="http://schemas.microsoft.com/office/drawing/2014/main" id="{2A28AC4B-805D-4091-A648-61572081C7FB}"/>
@@ -6396,7 +6395,7 @@
       </p:sp>
       <p:sp>
         <p:nvSpPr>
-          <p:cNvPr id="25" name="Rectangle 24">
+          <p:cNvPr id="34" name="Rectangle 33">
             <a:extLst>
               <a:ext uri="{FF2B5EF4-FFF2-40B4-BE49-F238E27FC236}">
                 <a16:creationId xmlns:a16="http://schemas.microsoft.com/office/drawing/2014/main" id="{39373A6F-2E1F-4613-8E1D-D68057D29F31}"/>
@@ -6466,26 +6465,26 @@
         </p:nvSpPr>
         <p:spPr>
           <a:xfrm>
-            <a:off x="601255" y="746974"/>
-            <a:ext cx="3409783" cy="1217193"/>
+            <a:off x="601255" y="702156"/>
+            <a:ext cx="3409783" cy="1013800"/>
           </a:xfrm>
         </p:spPr>
         <p:txBody>
           <a:bodyPr>
-            <a:normAutofit fontScale="90000"/>
+            <a:normAutofit/>
           </a:bodyPr>
           <a:lstStyle/>
           <a:p>
             <a:r>
               <a:rPr lang="en-US" dirty="0"/>
-              <a:t>Clusters by number of children</a:t>
-            </a:r>
-          </a:p>
-        </p:txBody>
-      </p:sp>
-      <p:sp>
-        <p:nvSpPr>
-          <p:cNvPr id="27" name="Rectangle 26">
+              <a:t>Clusters by Education</a:t>
+            </a:r>
+          </a:p>
+        </p:txBody>
+      </p:sp>
+      <p:sp>
+        <p:nvSpPr>
+          <p:cNvPr id="36" name="Rectangle 35">
             <a:extLst>
               <a:ext uri="{FF2B5EF4-FFF2-40B4-BE49-F238E27FC236}">
                 <a16:creationId xmlns:a16="http://schemas.microsoft.com/office/drawing/2014/main" id="{A6D733BE-061E-4600-B6A3-62A68EF2C687}"/>
@@ -6515,7 +6514,7 @@
             <a:avLst/>
           </a:prstGeom>
           <a:solidFill>
-            <a:schemeClr val="accent2"/>
+            <a:srgbClr val="EA9875"/>
           </a:solidFill>
           <a:ln>
             <a:noFill/>
@@ -6571,7 +6570,7 @@
                   <a:schemeClr val="bg1"/>
                 </a:solidFill>
               </a:rPr>
-              <a:t>Cluster 5 customers are more likely to have at least once child than Cluster 1</a:t>
+              <a:t>Cluster 5 have more advanced degrees than Cluster 1</a:t>
             </a:r>
           </a:p>
           <a:p>
@@ -6581,17 +6580,17 @@
                   <a:schemeClr val="bg1"/>
                 </a:solidFill>
               </a:rPr>
-              <a:t>Over 90% of Cluster 1 customers have at least 1 child, which could explain their lower spending</a:t>
+              <a:t>Cluster 1 customers have the most PhDs, but probably have less disposable income due to having more children</a:t>
             </a:r>
           </a:p>
         </p:txBody>
       </p:sp>
       <p:pic>
         <p:nvPicPr>
-          <p:cNvPr id="4" name="Picture 3">
-            <a:extLst>
-              <a:ext uri="{FF2B5EF4-FFF2-40B4-BE49-F238E27FC236}">
-                <a16:creationId xmlns:a16="http://schemas.microsoft.com/office/drawing/2014/main" id="{57B34DA0-D60C-0C57-D4E9-070B1448F804}"/>
+          <p:cNvPr id="5" name="Picture 4" descr="Chart, bar chart&#10;&#10;Description automatically generated">
+            <a:extLst>
+              <a:ext uri="{FF2B5EF4-FFF2-40B4-BE49-F238E27FC236}">
+                <a16:creationId xmlns:a16="http://schemas.microsoft.com/office/drawing/2014/main" id="{DE6438AB-B848-98D6-39C4-EA71C92B8992}"/>
               </a:ext>
             </a:extLst>
           </p:cNvPr>
@@ -6608,8 +6607,8 @@
         </p:blipFill>
         <p:spPr>
           <a:xfrm>
-            <a:off x="4233931" y="614405"/>
-            <a:ext cx="7737675" cy="6018191"/>
+            <a:off x="4406670" y="1845587"/>
+            <a:ext cx="7438925" cy="3403307"/>
           </a:xfrm>
           <a:prstGeom prst="rect">
             <a:avLst/>
@@ -6619,7 +6618,7 @@
     </p:spTree>
     <p:extLst>
       <p:ext uri="{BB962C8B-B14F-4D97-AF65-F5344CB8AC3E}">
-        <p14:creationId xmlns:p14="http://schemas.microsoft.com/office/powerpoint/2010/main" val="3934227475"/>
+        <p14:creationId xmlns:p14="http://schemas.microsoft.com/office/powerpoint/2010/main" val="947683257"/>
       </p:ext>
     </p:extLst>
   </p:cSld>
@@ -6656,7 +6655,7 @@
       </p:grpSpPr>
       <p:sp useBgFill="1">
         <p:nvSpPr>
-          <p:cNvPr id="32" name="Rectangle 31">
+          <p:cNvPr id="41" name="Rectangle 40">
             <a:extLst>
               <a:ext uri="{FF2B5EF4-FFF2-40B4-BE49-F238E27FC236}">
                 <a16:creationId xmlns:a16="http://schemas.microsoft.com/office/drawing/2014/main" id="{2A28AC4B-805D-4091-A648-61572081C7FB}"/>
@@ -6716,7 +6715,7 @@
       </p:sp>
       <p:sp>
         <p:nvSpPr>
-          <p:cNvPr id="34" name="Rectangle 33">
+          <p:cNvPr id="43" name="Rectangle 42">
             <a:extLst>
               <a:ext uri="{FF2B5EF4-FFF2-40B4-BE49-F238E27FC236}">
                 <a16:creationId xmlns:a16="http://schemas.microsoft.com/office/drawing/2014/main" id="{39373A6F-2E1F-4613-8E1D-D68057D29F31}"/>
@@ -6797,15 +6796,15 @@
           <a:lstStyle/>
           <a:p>
             <a:r>
-              <a:rPr lang="en-US" dirty="0"/>
-              <a:t>Clusters by Education</a:t>
-            </a:r>
-          </a:p>
-        </p:txBody>
-      </p:sp>
-      <p:sp>
-        <p:nvSpPr>
-          <p:cNvPr id="36" name="Rectangle 35">
+              <a:rPr lang="en-US" sz="2600"/>
+              <a:t>Clusters Based on having a partner</a:t>
+            </a:r>
+          </a:p>
+        </p:txBody>
+      </p:sp>
+      <p:sp>
+        <p:nvSpPr>
+          <p:cNvPr id="45" name="Rectangle 44">
             <a:extLst>
               <a:ext uri="{FF2B5EF4-FFF2-40B4-BE49-F238E27FC236}">
                 <a16:creationId xmlns:a16="http://schemas.microsoft.com/office/drawing/2014/main" id="{A6D733BE-061E-4600-B6A3-62A68EF2C687}"/>
@@ -6835,7 +6834,7 @@
             <a:avLst/>
           </a:prstGeom>
           <a:solidFill>
-            <a:srgbClr val="EA9875"/>
+            <a:srgbClr val="EB9676"/>
           </a:solidFill>
           <a:ln>
             <a:noFill/>
@@ -6891,27 +6890,17 @@
                   <a:schemeClr val="bg1"/>
                 </a:solidFill>
               </a:rPr>
-              <a:t>Cluster 5 have more advanced degrees than Cluster 1</a:t>
-            </a:r>
-          </a:p>
-          <a:p>
-            <a:r>
-              <a:rPr lang="en-US" dirty="0">
-                <a:solidFill>
-                  <a:schemeClr val="bg1"/>
-                </a:solidFill>
-              </a:rPr>
-              <a:t>Cluster 1 customers have the most PhDs, but probably have less disposable income due to having more children</a:t>
+              <a:t>Clusters are similar in that respect, with Cluster 4 customers most likely to have a partner and Cluster 1 least likely</a:t>
             </a:r>
           </a:p>
         </p:txBody>
       </p:sp>
       <p:pic>
         <p:nvPicPr>
-          <p:cNvPr id="5" name="Picture 4" descr="Chart, bar chart&#10;&#10;Description automatically generated">
-            <a:extLst>
-              <a:ext uri="{FF2B5EF4-FFF2-40B4-BE49-F238E27FC236}">
-                <a16:creationId xmlns:a16="http://schemas.microsoft.com/office/drawing/2014/main" id="{DE6438AB-B848-98D6-39C4-EA71C92B8992}"/>
+          <p:cNvPr id="4" name="Picture 3" descr="Chart, bar chart&#10;&#10;Description automatically generated">
+            <a:extLst>
+              <a:ext uri="{FF2B5EF4-FFF2-40B4-BE49-F238E27FC236}">
+                <a16:creationId xmlns:a16="http://schemas.microsoft.com/office/drawing/2014/main" id="{FF0BA886-E2EF-C219-3604-3534EF7F0FFD}"/>
               </a:ext>
             </a:extLst>
           </p:cNvPr>
@@ -6928,8 +6917,8 @@
         </p:blipFill>
         <p:spPr>
           <a:xfrm>
-            <a:off x="4406670" y="1845587"/>
-            <a:ext cx="7438925" cy="3403307"/>
+            <a:off x="4330283" y="1715955"/>
+            <a:ext cx="7492131" cy="3483841"/>
           </a:xfrm>
           <a:prstGeom prst="rect">
             <a:avLst/>
@@ -6939,7 +6928,7 @@
     </p:spTree>
     <p:extLst>
       <p:ext uri="{BB962C8B-B14F-4D97-AF65-F5344CB8AC3E}">
-        <p14:creationId xmlns:p14="http://schemas.microsoft.com/office/powerpoint/2010/main" val="947683257"/>
+        <p14:creationId xmlns:p14="http://schemas.microsoft.com/office/powerpoint/2010/main" val="3463544487"/>
       </p:ext>
     </p:extLst>
   </p:cSld>
@@ -6950,6 +6939,124 @@
 </file>
 
 <file path=ppt/slides/slide16.xml><?xml version="1.0" encoding="utf-8"?>
+<p:sld xmlns:a="http://schemas.openxmlformats.org/drawingml/2006/main" xmlns:r="http://schemas.openxmlformats.org/officeDocument/2006/relationships" xmlns:p="http://schemas.openxmlformats.org/presentationml/2006/main">
+  <p:cSld>
+    <p:spTree>
+      <p:nvGrpSpPr>
+        <p:cNvPr id="1" name=""/>
+        <p:cNvGrpSpPr/>
+        <p:nvPr/>
+      </p:nvGrpSpPr>
+      <p:grpSpPr>
+        <a:xfrm>
+          <a:off x="0" y="0"/>
+          <a:ext cx="0" cy="0"/>
+          <a:chOff x="0" y="0"/>
+          <a:chExt cx="0" cy="0"/>
+        </a:xfrm>
+      </p:grpSpPr>
+      <p:sp>
+        <p:nvSpPr>
+          <p:cNvPr id="2" name="Title 1">
+            <a:extLst>
+              <a:ext uri="{FF2B5EF4-FFF2-40B4-BE49-F238E27FC236}">
+                <a16:creationId xmlns:a16="http://schemas.microsoft.com/office/drawing/2014/main" id="{A61CCEFB-13A0-C238-A3BA-1C2FB497E967}"/>
+              </a:ext>
+            </a:extLst>
+          </p:cNvPr>
+          <p:cNvSpPr>
+            <a:spLocks noGrp="1"/>
+          </p:cNvSpPr>
+          <p:nvPr>
+            <p:ph type="title"/>
+          </p:nvPr>
+        </p:nvSpPr>
+        <p:spPr/>
+        <p:txBody>
+          <a:bodyPr/>
+          <a:lstStyle/>
+          <a:p>
+            <a:r>
+              <a:rPr lang="en-US" dirty="0"/>
+              <a:t>Cluster characteristics summary</a:t>
+            </a:r>
+          </a:p>
+        </p:txBody>
+      </p:sp>
+      <p:sp>
+        <p:nvSpPr>
+          <p:cNvPr id="3" name="Content Placeholder 2">
+            <a:extLst>
+              <a:ext uri="{FF2B5EF4-FFF2-40B4-BE49-F238E27FC236}">
+                <a16:creationId xmlns:a16="http://schemas.microsoft.com/office/drawing/2014/main" id="{39390ED6-5B25-F83D-02FC-685B425DCF1C}"/>
+              </a:ext>
+            </a:extLst>
+          </p:cNvPr>
+          <p:cNvSpPr>
+            <a:spLocks noGrp="1"/>
+          </p:cNvSpPr>
+          <p:nvPr>
+            <p:ph idx="1"/>
+          </p:nvPr>
+        </p:nvSpPr>
+        <p:spPr>
+          <a:xfrm>
+            <a:off x="581192" y="2180496"/>
+            <a:ext cx="11029615" cy="4111122"/>
+          </a:xfrm>
+        </p:spPr>
+        <p:txBody>
+          <a:bodyPr/>
+          <a:lstStyle/>
+          <a:p>
+            <a:r>
+              <a:rPr lang="en-US" sz="2000" dirty="0"/>
+              <a:t>Clusters 1 and 5 are the high spenders with high income.  Cluster 1 consists of loyalty customers but Cluster 5 customers spend the most per day.  Apart from time spent as customers, they are similar in most key dimensions, with Cluster 1 being slightly better educated, having more children, and having slightly higher likelihood of having a  partner.  </a:t>
+            </a:r>
+          </a:p>
+          <a:p>
+            <a:r>
+              <a:rPr lang="en-US" sz="2000" dirty="0"/>
+              <a:t>Clusters 0-2 are the loyalty customers and Clusters 3-5 are the newer customers. </a:t>
+            </a:r>
+          </a:p>
+          <a:p>
+            <a:r>
+              <a:rPr lang="en-US" sz="2000" dirty="0"/>
+              <a:t>Cluster 1 customers also have higher than average income, but probably have less disposable income due to having children</a:t>
+            </a:r>
+          </a:p>
+          <a:p>
+            <a:r>
+              <a:rPr lang="en-US" sz="2000" dirty="0"/>
+              <a:t>Clusters 2-4 have lower income, are more likely to have children, and spend less</a:t>
+            </a:r>
+          </a:p>
+          <a:p>
+            <a:pPr marL="0" indent="0">
+              <a:buNone/>
+            </a:pPr>
+            <a:endParaRPr lang="en-US" dirty="0"/>
+          </a:p>
+          <a:p>
+            <a:endParaRPr lang="en-US" dirty="0"/>
+          </a:p>
+        </p:txBody>
+      </p:sp>
+    </p:spTree>
+    <p:extLst>
+      <p:ext uri="{BB962C8B-B14F-4D97-AF65-F5344CB8AC3E}">
+        <p14:creationId xmlns:p14="http://schemas.microsoft.com/office/powerpoint/2010/main" val="1165100954"/>
+      </p:ext>
+    </p:extLst>
+  </p:cSld>
+  <p:clrMapOvr>
+    <a:masterClrMapping/>
+  </p:clrMapOvr>
+</p:sld>
+</file>
+
+<file path=ppt/slides/slide17.xml><?xml version="1.0" encoding="utf-8"?>
 <p:sld xmlns:a="http://schemas.openxmlformats.org/drawingml/2006/main" xmlns:r="http://schemas.openxmlformats.org/officeDocument/2006/relationships" xmlns:p="http://schemas.openxmlformats.org/presentationml/2006/main">
   <p:cSld>
     <p:bg>
@@ -6976,10 +7083,10 @@
       </p:grpSpPr>
       <p:sp useBgFill="1">
         <p:nvSpPr>
-          <p:cNvPr id="41" name="Rectangle 40">
-            <a:extLst>
-              <a:ext uri="{FF2B5EF4-FFF2-40B4-BE49-F238E27FC236}">
-                <a16:creationId xmlns:a16="http://schemas.microsoft.com/office/drawing/2014/main" id="{2A28AC4B-805D-4091-A648-61572081C7FB}"/>
+          <p:cNvPr id="21" name="Rectangle 20">
+            <a:extLst>
+              <a:ext uri="{FF2B5EF4-FFF2-40B4-BE49-F238E27FC236}">
+                <a16:creationId xmlns:a16="http://schemas.microsoft.com/office/drawing/2014/main" id="{F875149D-F692-45DA-8324-D5E0193D5FC4}"/>
               </a:ext>
               <a:ext uri="{C183D7F6-B498-43B3-948B-1728B52AA6E4}">
                 <adec:decorative xmlns:adec="http://schemas.microsoft.com/office/drawing/2017/decorative" val="1"/>
@@ -6999,8 +7106,8 @@
         </p:nvSpPr>
         <p:spPr>
           <a:xfrm>
-            <a:off x="0" y="614406"/>
-            <a:ext cx="12192000" cy="6243593"/>
+            <a:off x="0" y="548641"/>
+            <a:ext cx="12191999" cy="6309360"/>
           </a:xfrm>
           <a:prstGeom prst="rect">
             <a:avLst/>
@@ -7036,10 +7143,10 @@
       </p:sp>
       <p:sp>
         <p:nvSpPr>
-          <p:cNvPr id="43" name="Rectangle 42">
-            <a:extLst>
-              <a:ext uri="{FF2B5EF4-FFF2-40B4-BE49-F238E27FC236}">
-                <a16:creationId xmlns:a16="http://schemas.microsoft.com/office/drawing/2014/main" id="{39373A6F-2E1F-4613-8E1D-D68057D29F31}"/>
+          <p:cNvPr id="23" name="Rectangle 22">
+            <a:extLst>
+              <a:ext uri="{FF2B5EF4-FFF2-40B4-BE49-F238E27FC236}">
+                <a16:creationId xmlns:a16="http://schemas.microsoft.com/office/drawing/2014/main" id="{7B89EEFD-93BC-4ACF-962C-E6279E72B00B}"/>
               </a:ext>
               <a:ext uri="{C183D7F6-B498-43B3-948B-1728B52AA6E4}">
                 <adec:decorative xmlns:adec="http://schemas.microsoft.com/office/drawing/2017/decorative" val="1"/>
@@ -7059,8 +7166,8 @@
         </p:nvSpPr>
         <p:spPr>
           <a:xfrm>
-            <a:off x="442377" y="614407"/>
-            <a:ext cx="3707477" cy="5611772"/>
+            <a:off x="461436" y="800930"/>
+            <a:ext cx="3703320" cy="2240977"/>
           </a:xfrm>
           <a:prstGeom prst="rect">
             <a:avLst/>
@@ -7093,7 +7200,7 @@
           <p:cNvPr id="2" name="Title 1">
             <a:extLst>
               <a:ext uri="{FF2B5EF4-FFF2-40B4-BE49-F238E27FC236}">
-                <a16:creationId xmlns:a16="http://schemas.microsoft.com/office/drawing/2014/main" id="{CBA5EF56-748A-98E3-ABEE-A27950B374CE}"/>
+                <a16:creationId xmlns:a16="http://schemas.microsoft.com/office/drawing/2014/main" id="{FB9176C7-9C9D-47D7-BCCF-500E961EEBA6}"/>
               </a:ext>
             </a:extLst>
           </p:cNvPr>
@@ -7106,29 +7213,29 @@
         </p:nvSpPr>
         <p:spPr>
           <a:xfrm>
-            <a:off x="601255" y="702156"/>
-            <a:ext cx="3409783" cy="1013800"/>
-          </a:xfrm>
-        </p:spPr>
-        <p:txBody>
-          <a:bodyPr>
+            <a:off x="803189" y="1133891"/>
+            <a:ext cx="3089189" cy="1461052"/>
+          </a:xfrm>
+        </p:spPr>
+        <p:txBody>
+          <a:bodyPr anchor="ctr">
             <a:normAutofit/>
           </a:bodyPr>
           <a:lstStyle/>
           <a:p>
             <a:r>
-              <a:rPr lang="en-US" sz="2600"/>
-              <a:t>Clusters Based on having a partner</a:t>
-            </a:r>
-          </a:p>
-        </p:txBody>
-      </p:sp>
-      <p:sp>
-        <p:nvSpPr>
-          <p:cNvPr id="45" name="Rectangle 44">
-            <a:extLst>
-              <a:ext uri="{FF2B5EF4-FFF2-40B4-BE49-F238E27FC236}">
-                <a16:creationId xmlns:a16="http://schemas.microsoft.com/office/drawing/2014/main" id="{A6D733BE-061E-4600-B6A3-62A68EF2C687}"/>
+              <a:rPr lang="en-US" dirty="0"/>
+              <a:t>Deals</a:t>
+            </a:r>
+          </a:p>
+        </p:txBody>
+      </p:sp>
+      <p:sp>
+        <p:nvSpPr>
+          <p:cNvPr id="25" name="Rectangle 24">
+            <a:extLst>
+              <a:ext uri="{FF2B5EF4-FFF2-40B4-BE49-F238E27FC236}">
+                <a16:creationId xmlns:a16="http://schemas.microsoft.com/office/drawing/2014/main" id="{C0B19935-C760-4698-9DD1-973C8A428D26}"/>
               </a:ext>
               <a:ext uri="{C183D7F6-B498-43B3-948B-1728B52AA6E4}">
                 <adec:decorative xmlns:adec="http://schemas.microsoft.com/office/drawing/2017/decorative" val="1"/>
@@ -7148,14 +7255,14 @@
         </p:nvSpPr>
         <p:spPr>
           <a:xfrm>
-            <a:off x="4241830" y="457200"/>
-            <a:ext cx="3703320" cy="91440"/>
+            <a:off x="446534" y="457200"/>
+            <a:ext cx="3703320" cy="94997"/>
           </a:xfrm>
           <a:prstGeom prst="rect">
             <a:avLst/>
           </a:prstGeom>
           <a:solidFill>
-            <a:srgbClr val="EB9676"/>
+            <a:schemeClr val="accent1"/>
           </a:solidFill>
           <a:ln>
             <a:noFill/>
@@ -7179,10 +7286,118 @@
       </p:sp>
       <p:sp>
         <p:nvSpPr>
-          <p:cNvPr id="20" name="Content Placeholder 19">
-            <a:extLst>
-              <a:ext uri="{FF2B5EF4-FFF2-40B4-BE49-F238E27FC236}">
-                <a16:creationId xmlns:a16="http://schemas.microsoft.com/office/drawing/2014/main" id="{ECD50034-D0C4-3C5C-0781-57B6159362C1}"/>
+          <p:cNvPr id="27" name="Rectangle 26">
+            <a:extLst>
+              <a:ext uri="{FF2B5EF4-FFF2-40B4-BE49-F238E27FC236}">
+                <a16:creationId xmlns:a16="http://schemas.microsoft.com/office/drawing/2014/main" id="{08990612-E008-4F02-AEBB-B140BE753558}"/>
+              </a:ext>
+              <a:ext uri="{C183D7F6-B498-43B3-948B-1728B52AA6E4}">
+                <adec:decorative xmlns:adec="http://schemas.microsoft.com/office/drawing/2017/decorative" val="1"/>
+              </a:ext>
+            </a:extLst>
+          </p:cNvPr>
+          <p:cNvSpPr>
+            <a:spLocks noGrp="1" noRot="1" noChangeAspect="1" noMove="1" noResize="1" noEditPoints="1" noAdjustHandles="1" noChangeArrowheads="1" noChangeShapeType="1" noTextEdit="1"/>
+          </p:cNvSpPr>
+          <p:nvPr>
+            <p:extLst>
+              <p:ext uri="{386F3935-93C4-4BCD-93E2-E3B085C9AB24}">
+                <p16:designElem xmlns:p16="http://schemas.microsoft.com/office/powerpoint/2015/main" val="1"/>
+              </p:ext>
+            </p:extLst>
+          </p:nvPr>
+        </p:nvSpPr>
+        <p:spPr>
+          <a:xfrm>
+            <a:off x="4241830" y="457200"/>
+            <a:ext cx="3703320" cy="91440"/>
+          </a:xfrm>
+          <a:prstGeom prst="rect">
+            <a:avLst/>
+          </a:prstGeom>
+          <a:solidFill>
+            <a:srgbClr val="C68561"/>
+          </a:solidFill>
+          <a:ln>
+            <a:noFill/>
+          </a:ln>
+          <a:effectLst/>
+        </p:spPr>
+        <p:style>
+          <a:lnRef idx="1">
+            <a:schemeClr val="accent1"/>
+          </a:lnRef>
+          <a:fillRef idx="3">
+            <a:schemeClr val="accent1"/>
+          </a:fillRef>
+          <a:effectRef idx="2">
+            <a:schemeClr val="accent1"/>
+          </a:effectRef>
+          <a:fontRef idx="minor">
+            <a:schemeClr val="lt1"/>
+          </a:fontRef>
+        </p:style>
+      </p:sp>
+      <p:sp>
+        <p:nvSpPr>
+          <p:cNvPr id="29" name="Rectangle 28">
+            <a:extLst>
+              <a:ext uri="{FF2B5EF4-FFF2-40B4-BE49-F238E27FC236}">
+                <a16:creationId xmlns:a16="http://schemas.microsoft.com/office/drawing/2014/main" id="{A310A41F-3A14-4150-B6CF-0A577DDDEAD2}"/>
+              </a:ext>
+              <a:ext uri="{C183D7F6-B498-43B3-948B-1728B52AA6E4}">
+                <adec:decorative xmlns:adec="http://schemas.microsoft.com/office/drawing/2017/decorative" val="1"/>
+              </a:ext>
+            </a:extLst>
+          </p:cNvPr>
+          <p:cNvSpPr>
+            <a:spLocks noGrp="1" noRot="1" noChangeAspect="1" noMove="1" noResize="1" noEditPoints="1" noAdjustHandles="1" noChangeArrowheads="1" noChangeShapeType="1" noTextEdit="1"/>
+          </p:cNvSpPr>
+          <p:nvPr>
+            <p:extLst>
+              <p:ext uri="{386F3935-93C4-4BCD-93E2-E3B085C9AB24}">
+                <p16:designElem xmlns:p16="http://schemas.microsoft.com/office/powerpoint/2015/main" val="1"/>
+              </p:ext>
+            </p:extLst>
+          </p:nvPr>
+        </p:nvSpPr>
+        <p:spPr>
+          <a:xfrm>
+            <a:off x="8042147" y="453643"/>
+            <a:ext cx="3703320" cy="98554"/>
+          </a:xfrm>
+          <a:prstGeom prst="rect">
+            <a:avLst/>
+          </a:prstGeom>
+          <a:solidFill>
+            <a:schemeClr val="accent4"/>
+          </a:solidFill>
+          <a:ln>
+            <a:noFill/>
+          </a:ln>
+          <a:effectLst/>
+        </p:spPr>
+        <p:style>
+          <a:lnRef idx="1">
+            <a:schemeClr val="accent1"/>
+          </a:lnRef>
+          <a:fillRef idx="3">
+            <a:schemeClr val="accent1"/>
+          </a:fillRef>
+          <a:effectRef idx="2">
+            <a:schemeClr val="accent1"/>
+          </a:effectRef>
+          <a:fontRef idx="minor">
+            <a:schemeClr val="lt1"/>
+          </a:fontRef>
+        </p:style>
+      </p:sp>
+      <p:sp>
+        <p:nvSpPr>
+          <p:cNvPr id="9" name="Content Placeholder 8">
+            <a:extLst>
+              <a:ext uri="{FF2B5EF4-FFF2-40B4-BE49-F238E27FC236}">
+                <a16:creationId xmlns:a16="http://schemas.microsoft.com/office/drawing/2014/main" id="{A40CF5B7-E226-FFA4-B83F-9EDD01892CB3}"/>
               </a:ext>
             </a:extLst>
           </p:cNvPr>
@@ -7195,8 +7410,8 @@
         </p:nvSpPr>
         <p:spPr>
           <a:xfrm>
-            <a:off x="601255" y="1964168"/>
-            <a:ext cx="3409782" cy="4036582"/>
+            <a:off x="4561870" y="800930"/>
+            <a:ext cx="7183597" cy="1911955"/>
           </a:xfrm>
         </p:spPr>
         <p:txBody>
@@ -7205,23 +7420,50 @@
           </a:bodyPr>
           <a:lstStyle/>
           <a:p>
-            <a:r>
-              <a:rPr lang="en-US" dirty="0">
-                <a:solidFill>
-                  <a:schemeClr val="bg1"/>
-                </a:solidFill>
-              </a:rPr>
-              <a:t>Clusters are similar in that respect, with Cluster 4 customers most likely to have a partner and Cluster 1 least likely</a:t>
+            <a:pPr>
+              <a:buClr>
+                <a:srgbClr val="C68561"/>
+              </a:buClr>
+            </a:pPr>
+            <a:r>
+              <a:rPr lang="en-US" dirty="0"/>
+              <a:t>Takeaway: If we want to reach Cluster 0, target deals at that cluster</a:t>
+            </a:r>
+          </a:p>
+          <a:p>
+            <a:pPr>
+              <a:buClr>
+                <a:srgbClr val="C68561"/>
+              </a:buClr>
+            </a:pPr>
+            <a:r>
+              <a:rPr lang="en-US" dirty="0"/>
+              <a:t>Clusters 1 and 5 are not very responsive to deals</a:t>
+            </a:r>
+          </a:p>
+          <a:p>
+            <a:pPr>
+              <a:buClr>
+                <a:srgbClr val="C68561"/>
+              </a:buClr>
+            </a:pPr>
+            <a:r>
+              <a:rPr lang="en-US" dirty="0"/>
+              <a:t>Upon normalization, Clusters 2-4 are also responsive to deals.   </a:t>
+            </a:r>
+            <a:r>
+              <a:rPr lang="en-US" i="1" dirty="0"/>
+              <a:t>Target deals at these customers. </a:t>
             </a:r>
           </a:p>
         </p:txBody>
       </p:sp>
       <p:pic>
         <p:nvPicPr>
-          <p:cNvPr id="4" name="Picture 3" descr="Chart, bar chart&#10;&#10;Description automatically generated">
-            <a:extLst>
-              <a:ext uri="{FF2B5EF4-FFF2-40B4-BE49-F238E27FC236}">
-                <a16:creationId xmlns:a16="http://schemas.microsoft.com/office/drawing/2014/main" id="{FF0BA886-E2EF-C219-3604-3534EF7F0FFD}"/>
+          <p:cNvPr id="7" name="Picture 6" descr="Chart, box and whisker chart&#10;&#10;Description automatically generated">
+            <a:extLst>
+              <a:ext uri="{FF2B5EF4-FFF2-40B4-BE49-F238E27FC236}">
+                <a16:creationId xmlns:a16="http://schemas.microsoft.com/office/drawing/2014/main" id="{3E3294F5-0B24-6ACB-7B3F-1C0A56E7580D}"/>
               </a:ext>
             </a:extLst>
           </p:cNvPr>
@@ -7238,8 +7480,38 @@
         </p:blipFill>
         <p:spPr>
           <a:xfrm>
-            <a:off x="4330283" y="1715955"/>
-            <a:ext cx="7492131" cy="3483841"/>
+            <a:off x="225834" y="3290640"/>
+            <a:ext cx="4336036" cy="2894303"/>
+          </a:xfrm>
+          <a:prstGeom prst="rect">
+            <a:avLst/>
+          </a:prstGeom>
+        </p:spPr>
+      </p:pic>
+      <p:pic>
+        <p:nvPicPr>
+          <p:cNvPr id="5" name="Content Placeholder 4" descr="Chart, box and whisker chart&#10;&#10;Description automatically generated">
+            <a:extLst>
+              <a:ext uri="{FF2B5EF4-FFF2-40B4-BE49-F238E27FC236}">
+                <a16:creationId xmlns:a16="http://schemas.microsoft.com/office/drawing/2014/main" id="{6EB19282-371D-1ACD-42D5-B0C5ED2BA42F}"/>
+              </a:ext>
+            </a:extLst>
+          </p:cNvPr>
+          <p:cNvPicPr>
+            <a:picLocks noChangeAspect="1"/>
+          </p:cNvPicPr>
+          <p:nvPr/>
+        </p:nvPicPr>
+        <p:blipFill>
+          <a:blip r:embed="rId3"/>
+          <a:stretch>
+            <a:fillRect/>
+          </a:stretch>
+        </p:blipFill>
+        <p:spPr>
+          <a:xfrm>
+            <a:off x="5149421" y="2477192"/>
+            <a:ext cx="6080955" cy="4059038"/>
           </a:xfrm>
           <a:prstGeom prst="rect">
             <a:avLst/>
@@ -7249,125 +7521,7 @@
     </p:spTree>
     <p:extLst>
       <p:ext uri="{BB962C8B-B14F-4D97-AF65-F5344CB8AC3E}">
-        <p14:creationId xmlns:p14="http://schemas.microsoft.com/office/powerpoint/2010/main" val="3463544487"/>
-      </p:ext>
-    </p:extLst>
-  </p:cSld>
-  <p:clrMapOvr>
-    <a:masterClrMapping/>
-  </p:clrMapOvr>
-</p:sld>
-</file>
-
-<file path=ppt/slides/slide17.xml><?xml version="1.0" encoding="utf-8"?>
-<p:sld xmlns:a="http://schemas.openxmlformats.org/drawingml/2006/main" xmlns:r="http://schemas.openxmlformats.org/officeDocument/2006/relationships" xmlns:p="http://schemas.openxmlformats.org/presentationml/2006/main">
-  <p:cSld>
-    <p:spTree>
-      <p:nvGrpSpPr>
-        <p:cNvPr id="1" name=""/>
-        <p:cNvGrpSpPr/>
-        <p:nvPr/>
-      </p:nvGrpSpPr>
-      <p:grpSpPr>
-        <a:xfrm>
-          <a:off x="0" y="0"/>
-          <a:ext cx="0" cy="0"/>
-          <a:chOff x="0" y="0"/>
-          <a:chExt cx="0" cy="0"/>
-        </a:xfrm>
-      </p:grpSpPr>
-      <p:sp>
-        <p:nvSpPr>
-          <p:cNvPr id="2" name="Title 1">
-            <a:extLst>
-              <a:ext uri="{FF2B5EF4-FFF2-40B4-BE49-F238E27FC236}">
-                <a16:creationId xmlns:a16="http://schemas.microsoft.com/office/drawing/2014/main" id="{A61CCEFB-13A0-C238-A3BA-1C2FB497E967}"/>
-              </a:ext>
-            </a:extLst>
-          </p:cNvPr>
-          <p:cNvSpPr>
-            <a:spLocks noGrp="1"/>
-          </p:cNvSpPr>
-          <p:nvPr>
-            <p:ph type="title"/>
-          </p:nvPr>
-        </p:nvSpPr>
-        <p:spPr/>
-        <p:txBody>
-          <a:bodyPr/>
-          <a:lstStyle/>
-          <a:p>
-            <a:r>
-              <a:rPr lang="en-US" dirty="0"/>
-              <a:t>Cluster characteristics summary</a:t>
-            </a:r>
-          </a:p>
-        </p:txBody>
-      </p:sp>
-      <p:sp>
-        <p:nvSpPr>
-          <p:cNvPr id="3" name="Content Placeholder 2">
-            <a:extLst>
-              <a:ext uri="{FF2B5EF4-FFF2-40B4-BE49-F238E27FC236}">
-                <a16:creationId xmlns:a16="http://schemas.microsoft.com/office/drawing/2014/main" id="{39390ED6-5B25-F83D-02FC-685B425DCF1C}"/>
-              </a:ext>
-            </a:extLst>
-          </p:cNvPr>
-          <p:cNvSpPr>
-            <a:spLocks noGrp="1"/>
-          </p:cNvSpPr>
-          <p:nvPr>
-            <p:ph idx="1"/>
-          </p:nvPr>
-        </p:nvSpPr>
-        <p:spPr>
-          <a:xfrm>
-            <a:off x="581192" y="2180496"/>
-            <a:ext cx="11029615" cy="4111122"/>
-          </a:xfrm>
-        </p:spPr>
-        <p:txBody>
-          <a:bodyPr/>
-          <a:lstStyle/>
-          <a:p>
-            <a:r>
-              <a:rPr lang="en-US" sz="2000" dirty="0"/>
-              <a:t>Clusters 1 and 5 are the high spenders with high income.  Cluster 1 consists of loyalty customers but Cluster 5 customers spend the most per day.  Apart from time spent as customers, they are similar in most key dimensions, with Cluster 1 being slightly better educated, having more children, and having slightly higher likelihood of having a  partner.  </a:t>
-            </a:r>
-          </a:p>
-          <a:p>
-            <a:r>
-              <a:rPr lang="en-US" sz="2000" dirty="0"/>
-              <a:t>Clusters 0-2 are the loyalty customers and Clusters 3-5 are the newer customers. </a:t>
-            </a:r>
-          </a:p>
-          <a:p>
-            <a:r>
-              <a:rPr lang="en-US" sz="2000" dirty="0"/>
-              <a:t>Cluster 1 customers also have higher than average income, but probably have less disposable income due to having children</a:t>
-            </a:r>
-          </a:p>
-          <a:p>
-            <a:r>
-              <a:rPr lang="en-US" sz="2000" dirty="0"/>
-              <a:t>Clusters 2-4 have lower income, are more likely to have children, and spend less</a:t>
-            </a:r>
-          </a:p>
-          <a:p>
-            <a:pPr marL="0" indent="0">
-              <a:buNone/>
-            </a:pPr>
-            <a:endParaRPr lang="en-US" dirty="0"/>
-          </a:p>
-          <a:p>
-            <a:endParaRPr lang="en-US" dirty="0"/>
-          </a:p>
-        </p:txBody>
-      </p:sp>
-    </p:spTree>
-    <p:extLst>
-      <p:ext uri="{BB962C8B-B14F-4D97-AF65-F5344CB8AC3E}">
-        <p14:creationId xmlns:p14="http://schemas.microsoft.com/office/powerpoint/2010/main" val="1165100954"/>
+        <p14:creationId xmlns:p14="http://schemas.microsoft.com/office/powerpoint/2010/main" val="416160980"/>
       </p:ext>
     </p:extLst>
   </p:cSld>
@@ -7404,7 +7558,7 @@
       </p:grpSpPr>
       <p:sp useBgFill="1">
         <p:nvSpPr>
-          <p:cNvPr id="21" name="Rectangle 20">
+          <p:cNvPr id="39" name="Rectangle 38">
             <a:extLst>
               <a:ext uri="{FF2B5EF4-FFF2-40B4-BE49-F238E27FC236}">
                 <a16:creationId xmlns:a16="http://schemas.microsoft.com/office/drawing/2014/main" id="{F875149D-F692-45DA-8324-D5E0193D5FC4}"/>
@@ -7464,7 +7618,7 @@
       </p:sp>
       <p:sp>
         <p:nvSpPr>
-          <p:cNvPr id="23" name="Rectangle 22">
+          <p:cNvPr id="41" name="Rectangle 40">
             <a:extLst>
               <a:ext uri="{FF2B5EF4-FFF2-40B4-BE49-F238E27FC236}">
                 <a16:creationId xmlns:a16="http://schemas.microsoft.com/office/drawing/2014/main" id="{7B89EEFD-93BC-4ACF-962C-E6279E72B00B}"/>
@@ -7546,14 +7700,14 @@
           <a:p>
             <a:r>
               <a:rPr lang="en-US" dirty="0"/>
-              <a:t>Deals</a:t>
-            </a:r>
-          </a:p>
-        </p:txBody>
-      </p:sp>
-      <p:sp>
-        <p:nvSpPr>
-          <p:cNvPr id="25" name="Rectangle 24">
+              <a:t>Purchase Channel (web)</a:t>
+            </a:r>
+          </a:p>
+        </p:txBody>
+      </p:sp>
+      <p:sp>
+        <p:nvSpPr>
+          <p:cNvPr id="43" name="Rectangle 42">
             <a:extLst>
               <a:ext uri="{FF2B5EF4-FFF2-40B4-BE49-F238E27FC236}">
                 <a16:creationId xmlns:a16="http://schemas.microsoft.com/office/drawing/2014/main" id="{C0B19935-C760-4698-9DD1-973C8A428D26}"/>
@@ -7607,7 +7761,7 @@
       </p:sp>
       <p:sp>
         <p:nvSpPr>
-          <p:cNvPr id="27" name="Rectangle 26">
+          <p:cNvPr id="45" name="Rectangle 44">
             <a:extLst>
               <a:ext uri="{FF2B5EF4-FFF2-40B4-BE49-F238E27FC236}">
                 <a16:creationId xmlns:a16="http://schemas.microsoft.com/office/drawing/2014/main" id="{08990612-E008-4F02-AEBB-B140BE753558}"/>
@@ -7637,7 +7791,7 @@
             <a:avLst/>
           </a:prstGeom>
           <a:solidFill>
-            <a:srgbClr val="C68561"/>
+            <a:srgbClr val="B47B5D"/>
           </a:solidFill>
           <a:ln>
             <a:noFill/>
@@ -7661,7 +7815,7 @@
       </p:sp>
       <p:sp>
         <p:nvSpPr>
-          <p:cNvPr id="29" name="Rectangle 28">
+          <p:cNvPr id="47" name="Rectangle 46">
             <a:extLst>
               <a:ext uri="{FF2B5EF4-FFF2-40B4-BE49-F238E27FC236}">
                 <a16:creationId xmlns:a16="http://schemas.microsoft.com/office/drawing/2014/main" id="{A310A41F-3A14-4150-B6CF-0A577DDDEAD2}"/>
@@ -7731,8 +7885,8 @@
         </p:nvSpPr>
         <p:spPr>
           <a:xfrm>
-            <a:off x="4561870" y="800930"/>
-            <a:ext cx="7183597" cy="1911955"/>
+            <a:off x="4561870" y="800931"/>
+            <a:ext cx="7183597" cy="1942270"/>
           </a:xfrm>
         </p:spPr>
         <p:txBody>
@@ -7743,48 +7897,37 @@
           <a:p>
             <a:pPr>
               <a:buClr>
-                <a:srgbClr val="C68561"/>
+                <a:srgbClr val="B47B5D"/>
               </a:buClr>
             </a:pPr>
             <a:r>
               <a:rPr lang="en-US" dirty="0"/>
-              <a:t>Takeaway: If we want to reach Cluster 0, target deals at that cluster</a:t>
+              <a:t>When normalized, Cluster 5 shops on the web more than the other clusters.  </a:t>
+            </a:r>
+            <a:r>
+              <a:rPr lang="en-US" i="1" dirty="0"/>
+              <a:t>Concentrate on making/keeping the web page appealing.</a:t>
             </a:r>
           </a:p>
           <a:p>
             <a:pPr>
               <a:buClr>
-                <a:srgbClr val="C68561"/>
+                <a:srgbClr val="B47B5D"/>
               </a:buClr>
             </a:pPr>
             <a:r>
               <a:rPr lang="en-US" dirty="0"/>
-              <a:t>Clusters 1 and 5 are not very responsive to deals</a:t>
-            </a:r>
-          </a:p>
-          <a:p>
-            <a:pPr>
-              <a:buClr>
-                <a:srgbClr val="C68561"/>
-              </a:buClr>
-            </a:pPr>
-            <a:r>
-              <a:rPr lang="en-US" dirty="0"/>
-              <a:t>Upon normalization, Clusters 2-4 are also responsive to deals.   </a:t>
-            </a:r>
-            <a:r>
-              <a:rPr lang="en-US" i="1" dirty="0"/>
-              <a:t>Target deals at these customers. </a:t>
+              <a:t>Clusters 0 and 1 follow</a:t>
             </a:r>
           </a:p>
         </p:txBody>
       </p:sp>
       <p:pic>
         <p:nvPicPr>
-          <p:cNvPr id="7" name="Picture 6" descr="Chart, box and whisker chart&#10;&#10;Description automatically generated">
-            <a:extLst>
-              <a:ext uri="{FF2B5EF4-FFF2-40B4-BE49-F238E27FC236}">
-                <a16:creationId xmlns:a16="http://schemas.microsoft.com/office/drawing/2014/main" id="{3E3294F5-0B24-6ACB-7B3F-1C0A56E7580D}"/>
+          <p:cNvPr id="6" name="Picture 5" descr="Chart, box and whisker chart&#10;&#10;Description automatically generated">
+            <a:extLst>
+              <a:ext uri="{FF2B5EF4-FFF2-40B4-BE49-F238E27FC236}">
+                <a16:creationId xmlns:a16="http://schemas.microsoft.com/office/drawing/2014/main" id="{9778FC62-3B7E-D90D-4752-0D5039DACB88}"/>
               </a:ext>
             </a:extLst>
           </p:cNvPr>
@@ -7801,8 +7944,8 @@
         </p:blipFill>
         <p:spPr>
           <a:xfrm>
-            <a:off x="225834" y="3290640"/>
-            <a:ext cx="4336036" cy="2894303"/>
+            <a:off x="4903849" y="2254006"/>
+            <a:ext cx="6155235" cy="4108618"/>
           </a:xfrm>
           <a:prstGeom prst="rect">
             <a:avLst/>
@@ -7811,10 +7954,10 @@
       </p:pic>
       <p:pic>
         <p:nvPicPr>
-          <p:cNvPr id="5" name="Content Placeholder 4" descr="Chart, box and whisker chart&#10;&#10;Description automatically generated">
-            <a:extLst>
-              <a:ext uri="{FF2B5EF4-FFF2-40B4-BE49-F238E27FC236}">
-                <a16:creationId xmlns:a16="http://schemas.microsoft.com/office/drawing/2014/main" id="{6EB19282-371D-1ACD-42D5-B0C5ED2BA42F}"/>
+          <p:cNvPr id="8" name="Picture 7">
+            <a:extLst>
+              <a:ext uri="{FF2B5EF4-FFF2-40B4-BE49-F238E27FC236}">
+                <a16:creationId xmlns:a16="http://schemas.microsoft.com/office/drawing/2014/main" id="{07836B2E-7B8A-0875-3A10-0BB6C507C754}"/>
               </a:ext>
             </a:extLst>
           </p:cNvPr>
@@ -7831,8 +7974,8 @@
         </p:blipFill>
         <p:spPr>
           <a:xfrm>
-            <a:off x="5149421" y="2477192"/>
-            <a:ext cx="6080955" cy="4059038"/>
+            <a:off x="169583" y="3353874"/>
+            <a:ext cx="4564683" cy="3046926"/>
           </a:xfrm>
           <a:prstGeom prst="rect">
             <a:avLst/>
@@ -7842,7 +7985,7 @@
     </p:spTree>
     <p:extLst>
       <p:ext uri="{BB962C8B-B14F-4D97-AF65-F5344CB8AC3E}">
-        <p14:creationId xmlns:p14="http://schemas.microsoft.com/office/powerpoint/2010/main" val="416160980"/>
+        <p14:creationId xmlns:p14="http://schemas.microsoft.com/office/powerpoint/2010/main" val="474067975"/>
       </p:ext>
     </p:extLst>
   </p:cSld>
@@ -8021,7 +8164,7 @@
           <a:p>
             <a:r>
               <a:rPr lang="en-US" dirty="0"/>
-              <a:t>Purchase Channel (web)</a:t>
+              <a:t>Purchase Channel (Catalog)</a:t>
             </a:r>
           </a:p>
         </p:txBody>
@@ -8223,11 +8366,11 @@
             </a:pPr>
             <a:r>
               <a:rPr lang="en-US" dirty="0"/>
-              <a:t>When normalized, Cluster 5 shops on the web more than the other clusters.  </a:t>
+              <a:t>When normalized, Cluster 5 shops via catalog more than the other clusters.  </a:t>
             </a:r>
             <a:r>
               <a:rPr lang="en-US" i="1" dirty="0"/>
-              <a:t>Concentrate on making/keeping the web page appealing.</a:t>
+              <a:t>Make sure to have a polished catalog. </a:t>
             </a:r>
           </a:p>
           <a:p>
@@ -8238,17 +8381,17 @@
             </a:pPr>
             <a:r>
               <a:rPr lang="en-US" dirty="0"/>
-              <a:t>Clusters 0 and 1 follow</a:t>
+              <a:t>Clusters 1 and 0 follow</a:t>
             </a:r>
           </a:p>
         </p:txBody>
       </p:sp>
       <p:pic>
         <p:nvPicPr>
-          <p:cNvPr id="6" name="Picture 5" descr="Chart, box and whisker chart&#10;&#10;Description automatically generated">
-            <a:extLst>
-              <a:ext uri="{FF2B5EF4-FFF2-40B4-BE49-F238E27FC236}">
-                <a16:creationId xmlns:a16="http://schemas.microsoft.com/office/drawing/2014/main" id="{9778FC62-3B7E-D90D-4752-0D5039DACB88}"/>
+          <p:cNvPr id="4" name="Picture 3" descr="Chart, box and whisker chart&#10;&#10;Description automatically generated">
+            <a:extLst>
+              <a:ext uri="{FF2B5EF4-FFF2-40B4-BE49-F238E27FC236}">
+                <a16:creationId xmlns:a16="http://schemas.microsoft.com/office/drawing/2014/main" id="{369B2100-E502-196A-45CB-224BD002FB33}"/>
               </a:ext>
             </a:extLst>
           </p:cNvPr>
@@ -8265,8 +8408,8 @@
         </p:blipFill>
         <p:spPr>
           <a:xfrm>
-            <a:off x="4903849" y="2254006"/>
-            <a:ext cx="6155235" cy="4108618"/>
+            <a:off x="5486400" y="2209985"/>
+            <a:ext cx="5650173" cy="4520138"/>
           </a:xfrm>
           <a:prstGeom prst="rect">
             <a:avLst/>
@@ -8275,10 +8418,10 @@
       </p:pic>
       <p:pic>
         <p:nvPicPr>
-          <p:cNvPr id="8" name="Picture 7">
-            <a:extLst>
-              <a:ext uri="{FF2B5EF4-FFF2-40B4-BE49-F238E27FC236}">
-                <a16:creationId xmlns:a16="http://schemas.microsoft.com/office/drawing/2014/main" id="{07836B2E-7B8A-0875-3A10-0BB6C507C754}"/>
+          <p:cNvPr id="7" name="Picture 6" descr="Chart, box and whisker chart&#10;&#10;Description automatically generated">
+            <a:extLst>
+              <a:ext uri="{FF2B5EF4-FFF2-40B4-BE49-F238E27FC236}">
+                <a16:creationId xmlns:a16="http://schemas.microsoft.com/office/drawing/2014/main" id="{D6378353-9A6A-BC0A-D090-488C559F3371}"/>
               </a:ext>
             </a:extLst>
           </p:cNvPr>
@@ -8295,8 +8438,8 @@
         </p:blipFill>
         <p:spPr>
           <a:xfrm>
-            <a:off x="169583" y="3353874"/>
-            <a:ext cx="4564683" cy="3046926"/>
+            <a:off x="371155" y="3166274"/>
+            <a:ext cx="4459200" cy="3567360"/>
           </a:xfrm>
           <a:prstGeom prst="rect">
             <a:avLst/>
@@ -8306,7 +8449,7 @@
     </p:spTree>
     <p:extLst>
       <p:ext uri="{BB962C8B-B14F-4D97-AF65-F5344CB8AC3E}">
-        <p14:creationId xmlns:p14="http://schemas.microsoft.com/office/powerpoint/2010/main" val="474067975"/>
+        <p14:creationId xmlns:p14="http://schemas.microsoft.com/office/powerpoint/2010/main" val="1235499778"/>
       </p:ext>
     </p:extLst>
   </p:cSld>
@@ -8655,7 +8798,7 @@
           <a:p>
             <a:r>
               <a:rPr lang="en-US" dirty="0"/>
-              <a:t>Purchase Channel (Catalog)</a:t>
+              <a:t>Purchase Channel (Store)</a:t>
             </a:r>
           </a:p>
         </p:txBody>
@@ -8841,7 +8984,7 @@
         <p:spPr>
           <a:xfrm>
             <a:off x="4561870" y="800931"/>
-            <a:ext cx="7183597" cy="1942270"/>
+            <a:ext cx="7183597" cy="1532836"/>
           </a:xfrm>
         </p:spPr>
         <p:txBody>
@@ -8857,32 +9000,21 @@
             </a:pPr>
             <a:r>
               <a:rPr lang="en-US" dirty="0"/>
-              <a:t>When normalized, Cluster 5 shops via catalog more than the other clusters.  </a:t>
+              <a:t>Cluster 5 has a strong propensity to shopping in store, buying more than any other cluster and about as much as they buy using the catalog and web combined</a:t>
             </a:r>
             <a:r>
               <a:rPr lang="en-US" i="1" dirty="0"/>
-              <a:t>Make sure to have a polished catalog. </a:t>
-            </a:r>
-          </a:p>
-          <a:p>
-            <a:pPr>
-              <a:buClr>
-                <a:srgbClr val="B47B5D"/>
-              </a:buClr>
-            </a:pPr>
-            <a:r>
-              <a:rPr lang="en-US" dirty="0"/>
-              <a:t>Clusters 1 and 0 follow</a:t>
+              <a:t>.  Make these customers’ in-store experience customers pleasant.</a:t>
             </a:r>
           </a:p>
         </p:txBody>
       </p:sp>
       <p:pic>
         <p:nvPicPr>
-          <p:cNvPr id="4" name="Picture 3" descr="Chart, box and whisker chart&#10;&#10;Description automatically generated">
-            <a:extLst>
-              <a:ext uri="{FF2B5EF4-FFF2-40B4-BE49-F238E27FC236}">
-                <a16:creationId xmlns:a16="http://schemas.microsoft.com/office/drawing/2014/main" id="{369B2100-E502-196A-45CB-224BD002FB33}"/>
+          <p:cNvPr id="5" name="Picture 4" descr="Chart, box and whisker chart&#10;&#10;Description automatically generated">
+            <a:extLst>
+              <a:ext uri="{FF2B5EF4-FFF2-40B4-BE49-F238E27FC236}">
+                <a16:creationId xmlns:a16="http://schemas.microsoft.com/office/drawing/2014/main" id="{063E0F91-1B9C-3ACE-22E2-53B8354ED56D}"/>
               </a:ext>
             </a:extLst>
           </p:cNvPr>
@@ -8899,8 +9031,8 @@
         </p:blipFill>
         <p:spPr>
           <a:xfrm>
-            <a:off x="5486400" y="2209985"/>
-            <a:ext cx="5650173" cy="4520138"/>
+            <a:off x="5559499" y="2151875"/>
+            <a:ext cx="5727199" cy="4581759"/>
           </a:xfrm>
           <a:prstGeom prst="rect">
             <a:avLst/>
@@ -8909,10 +9041,10 @@
       </p:pic>
       <p:pic>
         <p:nvPicPr>
-          <p:cNvPr id="7" name="Picture 6" descr="Chart, box and whisker chart&#10;&#10;Description automatically generated">
-            <a:extLst>
-              <a:ext uri="{FF2B5EF4-FFF2-40B4-BE49-F238E27FC236}">
-                <a16:creationId xmlns:a16="http://schemas.microsoft.com/office/drawing/2014/main" id="{D6378353-9A6A-BC0A-D090-488C559F3371}"/>
+          <p:cNvPr id="8" name="Picture 7" descr="Chart, box and whisker chart&#10;&#10;Description automatically generated">
+            <a:extLst>
+              <a:ext uri="{FF2B5EF4-FFF2-40B4-BE49-F238E27FC236}">
+                <a16:creationId xmlns:a16="http://schemas.microsoft.com/office/drawing/2014/main" id="{930D0649-C66C-80D8-97E7-5694EC5CC8D0}"/>
               </a:ext>
             </a:extLst>
           </p:cNvPr>
@@ -8929,8 +9061,8 @@
         </p:blipFill>
         <p:spPr>
           <a:xfrm>
-            <a:off x="371155" y="3166274"/>
-            <a:ext cx="4459200" cy="3567360"/>
+            <a:off x="-73099" y="3076162"/>
+            <a:ext cx="4727297" cy="3781838"/>
           </a:xfrm>
           <a:prstGeom prst="rect">
             <a:avLst/>
@@ -8940,7 +9072,7 @@
     </p:spTree>
     <p:extLst>
       <p:ext uri="{BB962C8B-B14F-4D97-AF65-F5344CB8AC3E}">
-        <p14:creationId xmlns:p14="http://schemas.microsoft.com/office/powerpoint/2010/main" val="1235499778"/>
+        <p14:creationId xmlns:p14="http://schemas.microsoft.com/office/powerpoint/2010/main" val="2694113780"/>
       </p:ext>
     </p:extLst>
   </p:cSld>
@@ -9119,7 +9251,7 @@
           <a:p>
             <a:r>
               <a:rPr lang="en-US" dirty="0"/>
-              <a:t>Purchase Channel (Store)</a:t>
+              <a:t>Web visits</a:t>
             </a:r>
           </a:p>
         </p:txBody>
@@ -9304,8 +9436,8 @@
         </p:nvSpPr>
         <p:spPr>
           <a:xfrm>
-            <a:off x="4561870" y="800931"/>
-            <a:ext cx="7183597" cy="1532836"/>
+            <a:off x="4561870" y="640081"/>
+            <a:ext cx="7183597" cy="1322177"/>
           </a:xfrm>
         </p:spPr>
         <p:txBody>
@@ -9321,21 +9453,21 @@
             </a:pPr>
             <a:r>
               <a:rPr lang="en-US" dirty="0"/>
-              <a:t>Cluster 5 has a strong propensity to shopping in store, buying more than any other cluster and about as much as they buy using the catalog and web combined</a:t>
+              <a:t>Clusters 2-4 are the most active on the web when normalized by length as customers. Historically, Cluster 1 has also been active.  </a:t>
             </a:r>
             <a:r>
               <a:rPr lang="en-US" i="1" dirty="0"/>
-              <a:t>.  Make these customers’ in-store experience customers pleasant.</a:t>
+              <a:t>Cluster 5 probably use the web with the intention of making a purchase rather than looking for deals.  Do not worry about targeting online deals at them.</a:t>
             </a:r>
           </a:p>
         </p:txBody>
       </p:sp>
       <p:pic>
         <p:nvPicPr>
-          <p:cNvPr id="5" name="Picture 4" descr="Chart, box and whisker chart&#10;&#10;Description automatically generated">
-            <a:extLst>
-              <a:ext uri="{FF2B5EF4-FFF2-40B4-BE49-F238E27FC236}">
-                <a16:creationId xmlns:a16="http://schemas.microsoft.com/office/drawing/2014/main" id="{063E0F91-1B9C-3ACE-22E2-53B8354ED56D}"/>
+          <p:cNvPr id="7" name="Picture 6" descr="Chart, box and whisker chart&#10;&#10;Description automatically generated">
+            <a:extLst>
+              <a:ext uri="{FF2B5EF4-FFF2-40B4-BE49-F238E27FC236}">
+                <a16:creationId xmlns:a16="http://schemas.microsoft.com/office/drawing/2014/main" id="{8E064597-B1FA-6317-052A-3D1FB1F53D4E}"/>
               </a:ext>
             </a:extLst>
           </p:cNvPr>
@@ -9352,8 +9484,8 @@
         </p:blipFill>
         <p:spPr>
           <a:xfrm>
-            <a:off x="5559499" y="2151875"/>
-            <a:ext cx="5727199" cy="4581759"/>
+            <a:off x="5231394" y="1864417"/>
+            <a:ext cx="6157417" cy="4925933"/>
           </a:xfrm>
           <a:prstGeom prst="rect">
             <a:avLst/>
@@ -9362,10 +9494,10 @@
       </p:pic>
       <p:pic>
         <p:nvPicPr>
-          <p:cNvPr id="8" name="Picture 7" descr="Chart, box and whisker chart&#10;&#10;Description automatically generated">
-            <a:extLst>
-              <a:ext uri="{FF2B5EF4-FFF2-40B4-BE49-F238E27FC236}">
-                <a16:creationId xmlns:a16="http://schemas.microsoft.com/office/drawing/2014/main" id="{930D0649-C66C-80D8-97E7-5694EC5CC8D0}"/>
+          <p:cNvPr id="11" name="Picture 10" descr="Chart, box and whisker chart&#10;&#10;Description automatically generated">
+            <a:extLst>
+              <a:ext uri="{FF2B5EF4-FFF2-40B4-BE49-F238E27FC236}">
+                <a16:creationId xmlns:a16="http://schemas.microsoft.com/office/drawing/2014/main" id="{0FA6C0E1-0B12-95AE-1649-1F104DFEAF49}"/>
               </a:ext>
             </a:extLst>
           </p:cNvPr>
@@ -9382,8 +9514,8 @@
         </p:blipFill>
         <p:spPr>
           <a:xfrm>
-            <a:off x="-73099" y="3076162"/>
-            <a:ext cx="4727297" cy="3781838"/>
+            <a:off x="-12632" y="3482179"/>
+            <a:ext cx="4655850" cy="3103900"/>
           </a:xfrm>
           <a:prstGeom prst="rect">
             <a:avLst/>
@@ -9393,7 +9525,7 @@
     </p:spTree>
     <p:extLst>
       <p:ext uri="{BB962C8B-B14F-4D97-AF65-F5344CB8AC3E}">
-        <p14:creationId xmlns:p14="http://schemas.microsoft.com/office/powerpoint/2010/main" val="2694113780"/>
+        <p14:creationId xmlns:p14="http://schemas.microsoft.com/office/powerpoint/2010/main" val="3851917729"/>
       </p:ext>
     </p:extLst>
   </p:cSld>
@@ -9430,10 +9562,10 @@
       </p:grpSpPr>
       <p:sp useBgFill="1">
         <p:nvSpPr>
-          <p:cNvPr id="39" name="Rectangle 38">
-            <a:extLst>
-              <a:ext uri="{FF2B5EF4-FFF2-40B4-BE49-F238E27FC236}">
-                <a16:creationId xmlns:a16="http://schemas.microsoft.com/office/drawing/2014/main" id="{F875149D-F692-45DA-8324-D5E0193D5FC4}"/>
+          <p:cNvPr id="16" name="Rectangle 15">
+            <a:extLst>
+              <a:ext uri="{FF2B5EF4-FFF2-40B4-BE49-F238E27FC236}">
+                <a16:creationId xmlns:a16="http://schemas.microsoft.com/office/drawing/2014/main" id="{2A28AC4B-805D-4091-A648-61572081C7FB}"/>
               </a:ext>
               <a:ext uri="{C183D7F6-B498-43B3-948B-1728B52AA6E4}">
                 <adec:decorative xmlns:adec="http://schemas.microsoft.com/office/drawing/2017/decorative" val="1"/>
@@ -9453,8 +9585,8 @@
         </p:nvSpPr>
         <p:spPr>
           <a:xfrm>
-            <a:off x="0" y="548641"/>
-            <a:ext cx="12191999" cy="6309360"/>
+            <a:off x="0" y="614406"/>
+            <a:ext cx="12192000" cy="6243593"/>
           </a:xfrm>
           <a:prstGeom prst="rect">
             <a:avLst/>
@@ -9490,10 +9622,10 @@
       </p:sp>
       <p:sp>
         <p:nvSpPr>
-          <p:cNvPr id="41" name="Rectangle 40">
-            <a:extLst>
-              <a:ext uri="{FF2B5EF4-FFF2-40B4-BE49-F238E27FC236}">
-                <a16:creationId xmlns:a16="http://schemas.microsoft.com/office/drawing/2014/main" id="{7B89EEFD-93BC-4ACF-962C-E6279E72B00B}"/>
+          <p:cNvPr id="18" name="Rectangle 17">
+            <a:extLst>
+              <a:ext uri="{FF2B5EF4-FFF2-40B4-BE49-F238E27FC236}">
+                <a16:creationId xmlns:a16="http://schemas.microsoft.com/office/drawing/2014/main" id="{39373A6F-2E1F-4613-8E1D-D68057D29F31}"/>
               </a:ext>
               <a:ext uri="{C183D7F6-B498-43B3-948B-1728B52AA6E4}">
                 <adec:decorative xmlns:adec="http://schemas.microsoft.com/office/drawing/2017/decorative" val="1"/>
@@ -9513,8 +9645,8 @@
         </p:nvSpPr>
         <p:spPr>
           <a:xfrm>
-            <a:off x="461436" y="800930"/>
-            <a:ext cx="3703320" cy="2240977"/>
+            <a:off x="442377" y="614407"/>
+            <a:ext cx="3707477" cy="5611772"/>
           </a:xfrm>
           <a:prstGeom prst="rect">
             <a:avLst/>
@@ -9547,7 +9679,7 @@
           <p:cNvPr id="2" name="Title 1">
             <a:extLst>
               <a:ext uri="{FF2B5EF4-FFF2-40B4-BE49-F238E27FC236}">
-                <a16:creationId xmlns:a16="http://schemas.microsoft.com/office/drawing/2014/main" id="{FB9176C7-9C9D-47D7-BCCF-500E961EEBA6}"/>
+                <a16:creationId xmlns:a16="http://schemas.microsoft.com/office/drawing/2014/main" id="{16E3090D-4022-E03A-003E-E3E0632AB5FF}"/>
               </a:ext>
             </a:extLst>
           </p:cNvPr>
@@ -9560,29 +9692,29 @@
         </p:nvSpPr>
         <p:spPr>
           <a:xfrm>
-            <a:off x="803189" y="1133891"/>
-            <a:ext cx="3089189" cy="1461052"/>
-          </a:xfrm>
-        </p:spPr>
-        <p:txBody>
-          <a:bodyPr anchor="ctr">
+            <a:off x="601255" y="702156"/>
+            <a:ext cx="3409783" cy="1013800"/>
+          </a:xfrm>
+        </p:spPr>
+        <p:txBody>
+          <a:bodyPr>
             <a:normAutofit/>
           </a:bodyPr>
           <a:lstStyle/>
           <a:p>
             <a:r>
               <a:rPr lang="en-US" dirty="0"/>
-              <a:t>Web visits</a:t>
-            </a:r>
-          </a:p>
-        </p:txBody>
-      </p:sp>
-      <p:sp>
-        <p:nvSpPr>
-          <p:cNvPr id="43" name="Rectangle 42">
-            <a:extLst>
-              <a:ext uri="{FF2B5EF4-FFF2-40B4-BE49-F238E27FC236}">
-                <a16:creationId xmlns:a16="http://schemas.microsoft.com/office/drawing/2014/main" id="{C0B19935-C760-4698-9DD1-973C8A428D26}"/>
+              <a:t>Campaign acceptance</a:t>
+            </a:r>
+          </a:p>
+        </p:txBody>
+      </p:sp>
+      <p:sp>
+        <p:nvSpPr>
+          <p:cNvPr id="20" name="Rectangle 19">
+            <a:extLst>
+              <a:ext uri="{FF2B5EF4-FFF2-40B4-BE49-F238E27FC236}">
+                <a16:creationId xmlns:a16="http://schemas.microsoft.com/office/drawing/2014/main" id="{A6D733BE-061E-4600-B6A3-62A68EF2C687}"/>
               </a:ext>
               <a:ext uri="{C183D7F6-B498-43B3-948B-1728B52AA6E4}">
                 <adec:decorative xmlns:adec="http://schemas.microsoft.com/office/drawing/2017/decorative" val="1"/>
@@ -9602,14 +9734,14 @@
         </p:nvSpPr>
         <p:spPr>
           <a:xfrm>
-            <a:off x="446534" y="457200"/>
-            <a:ext cx="3703320" cy="94997"/>
+            <a:off x="4241830" y="457200"/>
+            <a:ext cx="3703320" cy="91440"/>
           </a:xfrm>
           <a:prstGeom prst="rect">
             <a:avLst/>
           </a:prstGeom>
           <a:solidFill>
-            <a:schemeClr val="accent1"/>
+            <a:srgbClr val="D89069"/>
           </a:solidFill>
           <a:ln>
             <a:noFill/>
@@ -9633,118 +9765,10 @@
       </p:sp>
       <p:sp>
         <p:nvSpPr>
-          <p:cNvPr id="45" name="Rectangle 44">
-            <a:extLst>
-              <a:ext uri="{FF2B5EF4-FFF2-40B4-BE49-F238E27FC236}">
-                <a16:creationId xmlns:a16="http://schemas.microsoft.com/office/drawing/2014/main" id="{08990612-E008-4F02-AEBB-B140BE753558}"/>
-              </a:ext>
-              <a:ext uri="{C183D7F6-B498-43B3-948B-1728B52AA6E4}">
-                <adec:decorative xmlns:adec="http://schemas.microsoft.com/office/drawing/2017/decorative" val="1"/>
-              </a:ext>
-            </a:extLst>
-          </p:cNvPr>
-          <p:cNvSpPr>
-            <a:spLocks noGrp="1" noRot="1" noChangeAspect="1" noMove="1" noResize="1" noEditPoints="1" noAdjustHandles="1" noChangeArrowheads="1" noChangeShapeType="1" noTextEdit="1"/>
-          </p:cNvSpPr>
-          <p:nvPr>
-            <p:extLst>
-              <p:ext uri="{386F3935-93C4-4BCD-93E2-E3B085C9AB24}">
-                <p16:designElem xmlns:p16="http://schemas.microsoft.com/office/powerpoint/2015/main" val="1"/>
-              </p:ext>
-            </p:extLst>
-          </p:nvPr>
-        </p:nvSpPr>
-        <p:spPr>
-          <a:xfrm>
-            <a:off x="4241830" y="457200"/>
-            <a:ext cx="3703320" cy="91440"/>
-          </a:xfrm>
-          <a:prstGeom prst="rect">
-            <a:avLst/>
-          </a:prstGeom>
-          <a:solidFill>
-            <a:srgbClr val="B47B5D"/>
-          </a:solidFill>
-          <a:ln>
-            <a:noFill/>
-          </a:ln>
-          <a:effectLst/>
-        </p:spPr>
-        <p:style>
-          <a:lnRef idx="1">
-            <a:schemeClr val="accent1"/>
-          </a:lnRef>
-          <a:fillRef idx="3">
-            <a:schemeClr val="accent1"/>
-          </a:fillRef>
-          <a:effectRef idx="2">
-            <a:schemeClr val="accent1"/>
-          </a:effectRef>
-          <a:fontRef idx="minor">
-            <a:schemeClr val="lt1"/>
-          </a:fontRef>
-        </p:style>
-      </p:sp>
-      <p:sp>
-        <p:nvSpPr>
-          <p:cNvPr id="47" name="Rectangle 46">
-            <a:extLst>
-              <a:ext uri="{FF2B5EF4-FFF2-40B4-BE49-F238E27FC236}">
-                <a16:creationId xmlns:a16="http://schemas.microsoft.com/office/drawing/2014/main" id="{A310A41F-3A14-4150-B6CF-0A577DDDEAD2}"/>
-              </a:ext>
-              <a:ext uri="{C183D7F6-B498-43B3-948B-1728B52AA6E4}">
-                <adec:decorative xmlns:adec="http://schemas.microsoft.com/office/drawing/2017/decorative" val="1"/>
-              </a:ext>
-            </a:extLst>
-          </p:cNvPr>
-          <p:cNvSpPr>
-            <a:spLocks noGrp="1" noRot="1" noChangeAspect="1" noMove="1" noResize="1" noEditPoints="1" noAdjustHandles="1" noChangeArrowheads="1" noChangeShapeType="1" noTextEdit="1"/>
-          </p:cNvSpPr>
-          <p:nvPr>
-            <p:extLst>
-              <p:ext uri="{386F3935-93C4-4BCD-93E2-E3B085C9AB24}">
-                <p16:designElem xmlns:p16="http://schemas.microsoft.com/office/powerpoint/2015/main" val="1"/>
-              </p:ext>
-            </p:extLst>
-          </p:nvPr>
-        </p:nvSpPr>
-        <p:spPr>
-          <a:xfrm>
-            <a:off x="8042147" y="453643"/>
-            <a:ext cx="3703320" cy="98554"/>
-          </a:xfrm>
-          <a:prstGeom prst="rect">
-            <a:avLst/>
-          </a:prstGeom>
-          <a:solidFill>
-            <a:schemeClr val="accent4"/>
-          </a:solidFill>
-          <a:ln>
-            <a:noFill/>
-          </a:ln>
-          <a:effectLst/>
-        </p:spPr>
-        <p:style>
-          <a:lnRef idx="1">
-            <a:schemeClr val="accent1"/>
-          </a:lnRef>
-          <a:fillRef idx="3">
-            <a:schemeClr val="accent1"/>
-          </a:fillRef>
-          <a:effectRef idx="2">
-            <a:schemeClr val="accent1"/>
-          </a:effectRef>
-          <a:fontRef idx="minor">
-            <a:schemeClr val="lt1"/>
-          </a:fontRef>
-        </p:style>
-      </p:sp>
-      <p:sp>
-        <p:nvSpPr>
-          <p:cNvPr id="9" name="Content Placeholder 8">
-            <a:extLst>
-              <a:ext uri="{FF2B5EF4-FFF2-40B4-BE49-F238E27FC236}">
-                <a16:creationId xmlns:a16="http://schemas.microsoft.com/office/drawing/2014/main" id="{A40CF5B7-E226-FFA4-B83F-9EDD01892CB3}"/>
+          <p:cNvPr id="13" name="Content Placeholder 12">
+            <a:extLst>
+              <a:ext uri="{FF2B5EF4-FFF2-40B4-BE49-F238E27FC236}">
+                <a16:creationId xmlns:a16="http://schemas.microsoft.com/office/drawing/2014/main" id="{BF8BDCC7-A0C9-D029-9AC7-BDC980490740}"/>
               </a:ext>
             </a:extLst>
           </p:cNvPr>
@@ -9757,8 +9781,8 @@
         </p:nvSpPr>
         <p:spPr>
           <a:xfrm>
-            <a:off x="4561870" y="640081"/>
-            <a:ext cx="7183597" cy="1322177"/>
+            <a:off x="601255" y="1964168"/>
+            <a:ext cx="3409782" cy="4036582"/>
           </a:xfrm>
         </p:spPr>
         <p:txBody>
@@ -9767,28 +9791,33 @@
           </a:bodyPr>
           <a:lstStyle/>
           <a:p>
-            <a:pPr>
-              <a:buClr>
-                <a:srgbClr val="B47B5D"/>
-              </a:buClr>
-            </a:pPr>
-            <a:r>
-              <a:rPr lang="en-US" dirty="0"/>
-              <a:t>Clusters 2-4 are the most active on the web when normalized by length as customers. Historically, Cluster 1 has also been active.  </a:t>
-            </a:r>
-            <a:r>
-              <a:rPr lang="en-US" i="1" dirty="0"/>
-              <a:t>Cluster 5 probably use the web with the intention of making a purchase rather than looking for deals.  Do not worry about targeting online deals at them.</a:t>
+            <a:r>
+              <a:rPr lang="en-US" dirty="0">
+                <a:solidFill>
+                  <a:schemeClr val="bg1"/>
+                </a:solidFill>
+              </a:rPr>
+              <a:t>Campaigns were moderately successful</a:t>
+            </a:r>
+          </a:p>
+          <a:p>
+            <a:r>
+              <a:rPr lang="en-US" dirty="0">
+                <a:solidFill>
+                  <a:schemeClr val="bg1"/>
+                </a:solidFill>
+              </a:rPr>
+              <a:t>No customer accepted all 5 campaigns</a:t>
             </a:r>
           </a:p>
         </p:txBody>
       </p:sp>
       <p:pic>
         <p:nvPicPr>
-          <p:cNvPr id="7" name="Picture 6" descr="Chart, box and whisker chart&#10;&#10;Description automatically generated">
-            <a:extLst>
-              <a:ext uri="{FF2B5EF4-FFF2-40B4-BE49-F238E27FC236}">
-                <a16:creationId xmlns:a16="http://schemas.microsoft.com/office/drawing/2014/main" id="{8E064597-B1FA-6317-052A-3D1FB1F53D4E}"/>
+          <p:cNvPr id="9" name="Content Placeholder 8" descr="Chart, bar chart&#10;&#10;Description automatically generated">
+            <a:extLst>
+              <a:ext uri="{FF2B5EF4-FFF2-40B4-BE49-F238E27FC236}">
+                <a16:creationId xmlns:a16="http://schemas.microsoft.com/office/drawing/2014/main" id="{4A08C49B-7504-DB30-212B-04472FACB19F}"/>
               </a:ext>
             </a:extLst>
           </p:cNvPr>
@@ -9805,38 +9834,8 @@
         </p:blipFill>
         <p:spPr>
           <a:xfrm>
-            <a:off x="5231394" y="1864417"/>
-            <a:ext cx="6157417" cy="4925933"/>
-          </a:xfrm>
-          <a:prstGeom prst="rect">
-            <a:avLst/>
-          </a:prstGeom>
-        </p:spPr>
-      </p:pic>
-      <p:pic>
-        <p:nvPicPr>
-          <p:cNvPr id="11" name="Picture 10" descr="Chart, box and whisker chart&#10;&#10;Description automatically generated">
-            <a:extLst>
-              <a:ext uri="{FF2B5EF4-FFF2-40B4-BE49-F238E27FC236}">
-                <a16:creationId xmlns:a16="http://schemas.microsoft.com/office/drawing/2014/main" id="{0FA6C0E1-0B12-95AE-1649-1F104DFEAF49}"/>
-              </a:ext>
-            </a:extLst>
-          </p:cNvPr>
-          <p:cNvPicPr>
-            <a:picLocks noChangeAspect="1"/>
-          </p:cNvPicPr>
-          <p:nvPr/>
-        </p:nvPicPr>
-        <p:blipFill>
-          <a:blip r:embed="rId3"/>
-          <a:stretch>
-            <a:fillRect/>
-          </a:stretch>
-        </p:blipFill>
-        <p:spPr>
-          <a:xfrm>
-            <a:off x="-12632" y="3482179"/>
-            <a:ext cx="4655850" cy="3103900"/>
+            <a:off x="4403040" y="1343181"/>
+            <a:ext cx="7947837" cy="4550135"/>
           </a:xfrm>
           <a:prstGeom prst="rect">
             <a:avLst/>
@@ -9846,7 +9845,7 @@
     </p:spTree>
     <p:extLst>
       <p:ext uri="{BB962C8B-B14F-4D97-AF65-F5344CB8AC3E}">
-        <p14:creationId xmlns:p14="http://schemas.microsoft.com/office/powerpoint/2010/main" val="3851917729"/>
+        <p14:creationId xmlns:p14="http://schemas.microsoft.com/office/powerpoint/2010/main" val="822426339"/>
       </p:ext>
     </p:extLst>
   </p:cSld>
@@ -9883,7 +9882,7 @@
       </p:grpSpPr>
       <p:sp useBgFill="1">
         <p:nvSpPr>
-          <p:cNvPr id="16" name="Rectangle 15">
+          <p:cNvPr id="25" name="Rectangle 24">
             <a:extLst>
               <a:ext uri="{FF2B5EF4-FFF2-40B4-BE49-F238E27FC236}">
                 <a16:creationId xmlns:a16="http://schemas.microsoft.com/office/drawing/2014/main" id="{2A28AC4B-805D-4091-A648-61572081C7FB}"/>
@@ -9943,7 +9942,7 @@
       </p:sp>
       <p:sp>
         <p:nvSpPr>
-          <p:cNvPr id="18" name="Rectangle 17">
+          <p:cNvPr id="27" name="Rectangle 26">
             <a:extLst>
               <a:ext uri="{FF2B5EF4-FFF2-40B4-BE49-F238E27FC236}">
                 <a16:creationId xmlns:a16="http://schemas.microsoft.com/office/drawing/2014/main" id="{39373A6F-2E1F-4613-8E1D-D68057D29F31}"/>
@@ -10025,14 +10024,14 @@
           <a:p>
             <a:r>
               <a:rPr lang="en-US" dirty="0"/>
-              <a:t>Campaign acceptance</a:t>
-            </a:r>
-          </a:p>
-        </p:txBody>
-      </p:sp>
-      <p:sp>
-        <p:nvSpPr>
-          <p:cNvPr id="20" name="Rectangle 19">
+              <a:t>Campaign1 acceptance</a:t>
+            </a:r>
+          </a:p>
+        </p:txBody>
+      </p:sp>
+      <p:sp>
+        <p:nvSpPr>
+          <p:cNvPr id="29" name="Rectangle 28">
             <a:extLst>
               <a:ext uri="{FF2B5EF4-FFF2-40B4-BE49-F238E27FC236}">
                 <a16:creationId xmlns:a16="http://schemas.microsoft.com/office/drawing/2014/main" id="{A6D733BE-061E-4600-B6A3-62A68EF2C687}"/>
@@ -10062,7 +10061,7 @@
             <a:avLst/>
           </a:prstGeom>
           <a:solidFill>
-            <a:srgbClr val="D89069"/>
+            <a:srgbClr val="D88668"/>
           </a:solidFill>
           <a:ln>
             <a:noFill/>
@@ -10118,27 +10117,27 @@
                   <a:schemeClr val="bg1"/>
                 </a:solidFill>
               </a:rPr>
-              <a:t>Campaigns were moderately successful</a:t>
-            </a:r>
-          </a:p>
-          <a:p>
-            <a:r>
-              <a:rPr lang="en-US" dirty="0">
+              <a:t>Campaign 1 was most successful with Clusters 1 and 5</a:t>
+            </a:r>
+          </a:p>
+          <a:p>
+            <a:r>
+              <a:rPr lang="en-US" i="1" dirty="0">
                 <a:solidFill>
                   <a:schemeClr val="bg1"/>
                 </a:solidFill>
               </a:rPr>
-              <a:t>No customer accepted all 5 campaigns</a:t>
+              <a:t>Try to replicate this campaign if want to attract those customers</a:t>
             </a:r>
           </a:p>
         </p:txBody>
       </p:sp>
       <p:pic>
         <p:nvPicPr>
-          <p:cNvPr id="9" name="Content Placeholder 8" descr="Chart, bar chart&#10;&#10;Description automatically generated">
-            <a:extLst>
-              <a:ext uri="{FF2B5EF4-FFF2-40B4-BE49-F238E27FC236}">
-                <a16:creationId xmlns:a16="http://schemas.microsoft.com/office/drawing/2014/main" id="{4A08C49B-7504-DB30-212B-04472FACB19F}"/>
+          <p:cNvPr id="4" name="Picture 3" descr="Chart, bar chart&#10;&#10;Description automatically generated">
+            <a:extLst>
+              <a:ext uri="{FF2B5EF4-FFF2-40B4-BE49-F238E27FC236}">
+                <a16:creationId xmlns:a16="http://schemas.microsoft.com/office/drawing/2014/main" id="{86DFE243-D986-5F8E-E0CC-571D42CA27B4}"/>
               </a:ext>
             </a:extLst>
           </p:cNvPr>
@@ -10155,8 +10154,8 @@
         </p:blipFill>
         <p:spPr>
           <a:xfrm>
-            <a:off x="4403040" y="1343181"/>
-            <a:ext cx="7947837" cy="4550135"/>
+            <a:off x="4169914" y="1018312"/>
+            <a:ext cx="8022085" cy="4592643"/>
           </a:xfrm>
           <a:prstGeom prst="rect">
             <a:avLst/>
@@ -10166,7 +10165,7 @@
     </p:spTree>
     <p:extLst>
       <p:ext uri="{BB962C8B-B14F-4D97-AF65-F5344CB8AC3E}">
-        <p14:creationId xmlns:p14="http://schemas.microsoft.com/office/powerpoint/2010/main" val="822426339"/>
+        <p14:creationId xmlns:p14="http://schemas.microsoft.com/office/powerpoint/2010/main" val="3396715378"/>
       </p:ext>
     </p:extLst>
   </p:cSld>
@@ -10203,7 +10202,7 @@
       </p:grpSpPr>
       <p:sp useBgFill="1">
         <p:nvSpPr>
-          <p:cNvPr id="25" name="Rectangle 24">
+          <p:cNvPr id="34" name="Rectangle 33">
             <a:extLst>
               <a:ext uri="{FF2B5EF4-FFF2-40B4-BE49-F238E27FC236}">
                 <a16:creationId xmlns:a16="http://schemas.microsoft.com/office/drawing/2014/main" id="{2A28AC4B-805D-4091-A648-61572081C7FB}"/>
@@ -10263,7 +10262,7 @@
       </p:sp>
       <p:sp>
         <p:nvSpPr>
-          <p:cNvPr id="27" name="Rectangle 26">
+          <p:cNvPr id="36" name="Rectangle 35">
             <a:extLst>
               <a:ext uri="{FF2B5EF4-FFF2-40B4-BE49-F238E27FC236}">
                 <a16:creationId xmlns:a16="http://schemas.microsoft.com/office/drawing/2014/main" id="{39373A6F-2E1F-4613-8E1D-D68057D29F31}"/>
@@ -10345,14 +10344,14 @@
           <a:p>
             <a:r>
               <a:rPr lang="en-US" dirty="0"/>
-              <a:t>Campaign1 acceptance</a:t>
-            </a:r>
-          </a:p>
-        </p:txBody>
-      </p:sp>
-      <p:sp>
-        <p:nvSpPr>
-          <p:cNvPr id="29" name="Rectangle 28">
+              <a:t>Campaign 2 acceptance</a:t>
+            </a:r>
+          </a:p>
+        </p:txBody>
+      </p:sp>
+      <p:sp>
+        <p:nvSpPr>
+          <p:cNvPr id="38" name="Rectangle 37">
             <a:extLst>
               <a:ext uri="{FF2B5EF4-FFF2-40B4-BE49-F238E27FC236}">
                 <a16:creationId xmlns:a16="http://schemas.microsoft.com/office/drawing/2014/main" id="{A6D733BE-061E-4600-B6A3-62A68EF2C687}"/>
@@ -10382,7 +10381,7 @@
             <a:avLst/>
           </a:prstGeom>
           <a:solidFill>
-            <a:srgbClr val="D88668"/>
+            <a:srgbClr val="D78D64"/>
           </a:solidFill>
           <a:ln>
             <a:noFill/>
@@ -10438,7 +10437,7 @@
                   <a:schemeClr val="bg1"/>
                 </a:solidFill>
               </a:rPr>
-              <a:t>Campaign 1 was most successful with Clusters 1 and 5</a:t>
+              <a:t>Campaign 2 had a very low response rate</a:t>
             </a:r>
           </a:p>
           <a:p>
@@ -10448,17 +10447,17 @@
                   <a:schemeClr val="bg1"/>
                 </a:solidFill>
               </a:rPr>
-              <a:t>Try to replicate this campaign if want to attract those customers</a:t>
+              <a:t>Learn from this campaign in order not to repeat it</a:t>
             </a:r>
           </a:p>
         </p:txBody>
       </p:sp>
       <p:pic>
         <p:nvPicPr>
-          <p:cNvPr id="4" name="Picture 3" descr="Chart, bar chart&#10;&#10;Description automatically generated">
-            <a:extLst>
-              <a:ext uri="{FF2B5EF4-FFF2-40B4-BE49-F238E27FC236}">
-                <a16:creationId xmlns:a16="http://schemas.microsoft.com/office/drawing/2014/main" id="{86DFE243-D986-5F8E-E0CC-571D42CA27B4}"/>
+          <p:cNvPr id="5" name="Picture 4" descr="Chart, bar chart&#10;&#10;Description automatically generated">
+            <a:extLst>
+              <a:ext uri="{FF2B5EF4-FFF2-40B4-BE49-F238E27FC236}">
+                <a16:creationId xmlns:a16="http://schemas.microsoft.com/office/drawing/2014/main" id="{386435F4-5EA2-2E01-B4C5-0CC9467EF249}"/>
               </a:ext>
             </a:extLst>
           </p:cNvPr>
@@ -10475,8 +10474,8 @@
         </p:blipFill>
         <p:spPr>
           <a:xfrm>
-            <a:off x="4169914" y="1018312"/>
-            <a:ext cx="8022085" cy="4592643"/>
+            <a:off x="4149854" y="1033014"/>
+            <a:ext cx="8339841" cy="4774558"/>
           </a:xfrm>
           <a:prstGeom prst="rect">
             <a:avLst/>
@@ -10486,7 +10485,7 @@
     </p:spTree>
     <p:extLst>
       <p:ext uri="{BB962C8B-B14F-4D97-AF65-F5344CB8AC3E}">
-        <p14:creationId xmlns:p14="http://schemas.microsoft.com/office/powerpoint/2010/main" val="3396715378"/>
+        <p14:creationId xmlns:p14="http://schemas.microsoft.com/office/powerpoint/2010/main" val="28981449"/>
       </p:ext>
     </p:extLst>
   </p:cSld>
@@ -10523,7 +10522,7 @@
       </p:grpSpPr>
       <p:sp useBgFill="1">
         <p:nvSpPr>
-          <p:cNvPr id="34" name="Rectangle 33">
+          <p:cNvPr id="43" name="Rectangle 42">
             <a:extLst>
               <a:ext uri="{FF2B5EF4-FFF2-40B4-BE49-F238E27FC236}">
                 <a16:creationId xmlns:a16="http://schemas.microsoft.com/office/drawing/2014/main" id="{2A28AC4B-805D-4091-A648-61572081C7FB}"/>
@@ -10583,7 +10582,7 @@
       </p:sp>
       <p:sp>
         <p:nvSpPr>
-          <p:cNvPr id="36" name="Rectangle 35">
+          <p:cNvPr id="45" name="Rectangle 44">
             <a:extLst>
               <a:ext uri="{FF2B5EF4-FFF2-40B4-BE49-F238E27FC236}">
                 <a16:creationId xmlns:a16="http://schemas.microsoft.com/office/drawing/2014/main" id="{39373A6F-2E1F-4613-8E1D-D68057D29F31}"/>
@@ -10665,14 +10664,14 @@
           <a:p>
             <a:r>
               <a:rPr lang="en-US" dirty="0"/>
-              <a:t>Campaign 2 acceptance</a:t>
-            </a:r>
-          </a:p>
-        </p:txBody>
-      </p:sp>
-      <p:sp>
-        <p:nvSpPr>
-          <p:cNvPr id="38" name="Rectangle 37">
+              <a:t>Campaign 3 acceptance</a:t>
+            </a:r>
+          </a:p>
+        </p:txBody>
+      </p:sp>
+      <p:sp>
+        <p:nvSpPr>
+          <p:cNvPr id="47" name="Rectangle 46">
             <a:extLst>
               <a:ext uri="{FF2B5EF4-FFF2-40B4-BE49-F238E27FC236}">
                 <a16:creationId xmlns:a16="http://schemas.microsoft.com/office/drawing/2014/main" id="{A6D733BE-061E-4600-B6A3-62A68EF2C687}"/>
@@ -10702,7 +10701,7 @@
             <a:avLst/>
           </a:prstGeom>
           <a:solidFill>
-            <a:srgbClr val="D78D64"/>
+            <a:srgbClr val="D88668"/>
           </a:solidFill>
           <a:ln>
             <a:noFill/>
@@ -10758,7 +10757,7 @@
                   <a:schemeClr val="bg1"/>
                 </a:solidFill>
               </a:rPr>
-              <a:t>Campaign 2 had a very low response rate</a:t>
+              <a:t>Campaign 3 was particularly successful with Clusters 2 and 3</a:t>
             </a:r>
           </a:p>
           <a:p>
@@ -10768,17 +10767,17 @@
                   <a:schemeClr val="bg1"/>
                 </a:solidFill>
               </a:rPr>
-              <a:t>Learn from this campaign in order not to repeat it</a:t>
+              <a:t>Target campaigns like this at these customers</a:t>
             </a:r>
           </a:p>
         </p:txBody>
       </p:sp>
       <p:pic>
         <p:nvPicPr>
-          <p:cNvPr id="5" name="Picture 4" descr="Chart, bar chart&#10;&#10;Description automatically generated">
-            <a:extLst>
-              <a:ext uri="{FF2B5EF4-FFF2-40B4-BE49-F238E27FC236}">
-                <a16:creationId xmlns:a16="http://schemas.microsoft.com/office/drawing/2014/main" id="{386435F4-5EA2-2E01-B4C5-0CC9467EF249}"/>
+          <p:cNvPr id="4" name="Picture 3" descr="Chart, bar chart&#10;&#10;Description automatically generated">
+            <a:extLst>
+              <a:ext uri="{FF2B5EF4-FFF2-40B4-BE49-F238E27FC236}">
+                <a16:creationId xmlns:a16="http://schemas.microsoft.com/office/drawing/2014/main" id="{D3F3AC6A-2412-12BB-3008-9E12A891FA25}"/>
               </a:ext>
             </a:extLst>
           </p:cNvPr>
@@ -10795,8 +10794,8 @@
         </p:blipFill>
         <p:spPr>
           <a:xfrm>
-            <a:off x="4149854" y="1033014"/>
-            <a:ext cx="8339841" cy="4774558"/>
+            <a:off x="4230383" y="1240571"/>
+            <a:ext cx="7998203" cy="4578970"/>
           </a:xfrm>
           <a:prstGeom prst="rect">
             <a:avLst/>
@@ -10806,7 +10805,7 @@
     </p:spTree>
     <p:extLst>
       <p:ext uri="{BB962C8B-B14F-4D97-AF65-F5344CB8AC3E}">
-        <p14:creationId xmlns:p14="http://schemas.microsoft.com/office/powerpoint/2010/main" val="28981449"/>
+        <p14:creationId xmlns:p14="http://schemas.microsoft.com/office/powerpoint/2010/main" val="2863138116"/>
       </p:ext>
     </p:extLst>
   </p:cSld>
@@ -10843,7 +10842,7 @@
       </p:grpSpPr>
       <p:sp useBgFill="1">
         <p:nvSpPr>
-          <p:cNvPr id="43" name="Rectangle 42">
+          <p:cNvPr id="52" name="Rectangle 51">
             <a:extLst>
               <a:ext uri="{FF2B5EF4-FFF2-40B4-BE49-F238E27FC236}">
                 <a16:creationId xmlns:a16="http://schemas.microsoft.com/office/drawing/2014/main" id="{2A28AC4B-805D-4091-A648-61572081C7FB}"/>
@@ -10903,7 +10902,7 @@
       </p:sp>
       <p:sp>
         <p:nvSpPr>
-          <p:cNvPr id="45" name="Rectangle 44">
+          <p:cNvPr id="54" name="Rectangle 53">
             <a:extLst>
               <a:ext uri="{FF2B5EF4-FFF2-40B4-BE49-F238E27FC236}">
                 <a16:creationId xmlns:a16="http://schemas.microsoft.com/office/drawing/2014/main" id="{39373A6F-2E1F-4613-8E1D-D68057D29F31}"/>
@@ -10985,14 +10984,14 @@
           <a:p>
             <a:r>
               <a:rPr lang="en-US" dirty="0"/>
-              <a:t>Campaign 3 acceptance</a:t>
-            </a:r>
-          </a:p>
-        </p:txBody>
-      </p:sp>
-      <p:sp>
-        <p:nvSpPr>
-          <p:cNvPr id="47" name="Rectangle 46">
+              <a:t>Campaign 4 acceptance</a:t>
+            </a:r>
+          </a:p>
+        </p:txBody>
+      </p:sp>
+      <p:sp>
+        <p:nvSpPr>
+          <p:cNvPr id="56" name="Rectangle 55">
             <a:extLst>
               <a:ext uri="{FF2B5EF4-FFF2-40B4-BE49-F238E27FC236}">
                 <a16:creationId xmlns:a16="http://schemas.microsoft.com/office/drawing/2014/main" id="{A6D733BE-061E-4600-B6A3-62A68EF2C687}"/>
@@ -11022,7 +11021,7 @@
             <a:avLst/>
           </a:prstGeom>
           <a:solidFill>
-            <a:srgbClr val="D88668"/>
+            <a:srgbClr val="D88567"/>
           </a:solidFill>
           <a:ln>
             <a:noFill/>
@@ -11078,7 +11077,7 @@
                   <a:schemeClr val="bg1"/>
                 </a:solidFill>
               </a:rPr>
-              <a:t>Campaign 3 was particularly successful with Clusters 2 and 3</a:t>
+              <a:t>Campaign 4 was particularly successful with Clusters 0, which is a high-potential cluster</a:t>
             </a:r>
           </a:p>
           <a:p>
@@ -11088,17 +11087,17 @@
                   <a:schemeClr val="bg1"/>
                 </a:solidFill>
               </a:rPr>
-              <a:t>Target campaigns like this at these customers</a:t>
+              <a:t>Replicate the best parts of this campaign to attract those clusters</a:t>
             </a:r>
           </a:p>
         </p:txBody>
       </p:sp>
       <p:pic>
         <p:nvPicPr>
-          <p:cNvPr id="4" name="Picture 3" descr="Chart, bar chart&#10;&#10;Description automatically generated">
-            <a:extLst>
-              <a:ext uri="{FF2B5EF4-FFF2-40B4-BE49-F238E27FC236}">
-                <a16:creationId xmlns:a16="http://schemas.microsoft.com/office/drawing/2014/main" id="{D3F3AC6A-2412-12BB-3008-9E12A891FA25}"/>
+          <p:cNvPr id="5" name="Picture 4" descr="Chart, bar chart&#10;&#10;Description automatically generated">
+            <a:extLst>
+              <a:ext uri="{FF2B5EF4-FFF2-40B4-BE49-F238E27FC236}">
+                <a16:creationId xmlns:a16="http://schemas.microsoft.com/office/drawing/2014/main" id="{46037F74-8152-587E-F3A5-7E60E12D30F5}"/>
               </a:ext>
             </a:extLst>
           </p:cNvPr>
@@ -11115,8 +11114,8 @@
         </p:blipFill>
         <p:spPr>
           <a:xfrm>
-            <a:off x="4230383" y="1240571"/>
-            <a:ext cx="7998203" cy="4578970"/>
+            <a:off x="4169915" y="1072008"/>
+            <a:ext cx="8234035" cy="4713983"/>
           </a:xfrm>
           <a:prstGeom prst="rect">
             <a:avLst/>
@@ -11126,7 +11125,7 @@
     </p:spTree>
     <p:extLst>
       <p:ext uri="{BB962C8B-B14F-4D97-AF65-F5344CB8AC3E}">
-        <p14:creationId xmlns:p14="http://schemas.microsoft.com/office/powerpoint/2010/main" val="2863138116"/>
+        <p14:creationId xmlns:p14="http://schemas.microsoft.com/office/powerpoint/2010/main" val="971546198"/>
       </p:ext>
     </p:extLst>
   </p:cSld>
@@ -11163,7 +11162,7 @@
       </p:grpSpPr>
       <p:sp useBgFill="1">
         <p:nvSpPr>
-          <p:cNvPr id="52" name="Rectangle 51">
+          <p:cNvPr id="61" name="Rectangle 60">
             <a:extLst>
               <a:ext uri="{FF2B5EF4-FFF2-40B4-BE49-F238E27FC236}">
                 <a16:creationId xmlns:a16="http://schemas.microsoft.com/office/drawing/2014/main" id="{2A28AC4B-805D-4091-A648-61572081C7FB}"/>
@@ -11223,7 +11222,7 @@
       </p:sp>
       <p:sp>
         <p:nvSpPr>
-          <p:cNvPr id="54" name="Rectangle 53">
+          <p:cNvPr id="63" name="Rectangle 62">
             <a:extLst>
               <a:ext uri="{FF2B5EF4-FFF2-40B4-BE49-F238E27FC236}">
                 <a16:creationId xmlns:a16="http://schemas.microsoft.com/office/drawing/2014/main" id="{39373A6F-2E1F-4613-8E1D-D68057D29F31}"/>
@@ -11305,14 +11304,14 @@
           <a:p>
             <a:r>
               <a:rPr lang="en-US" dirty="0"/>
-              <a:t>Campaign 4 acceptance</a:t>
-            </a:r>
-          </a:p>
-        </p:txBody>
-      </p:sp>
-      <p:sp>
-        <p:nvSpPr>
-          <p:cNvPr id="56" name="Rectangle 55">
+              <a:t>Campaign 5 acceptance</a:t>
+            </a:r>
+          </a:p>
+        </p:txBody>
+      </p:sp>
+      <p:sp>
+        <p:nvSpPr>
+          <p:cNvPr id="65" name="Rectangle 64">
             <a:extLst>
               <a:ext uri="{FF2B5EF4-FFF2-40B4-BE49-F238E27FC236}">
                 <a16:creationId xmlns:a16="http://schemas.microsoft.com/office/drawing/2014/main" id="{A6D733BE-061E-4600-B6A3-62A68EF2C687}"/>
@@ -11342,7 +11341,7 @@
             <a:avLst/>
           </a:prstGeom>
           <a:solidFill>
-            <a:srgbClr val="D88567"/>
+            <a:srgbClr val="D88E66"/>
           </a:solidFill>
           <a:ln>
             <a:noFill/>
@@ -11398,7 +11397,17 @@
                   <a:schemeClr val="bg1"/>
                 </a:solidFill>
               </a:rPr>
-              <a:t>Campaign 4 was particularly successful with Clusters 0, which is a high-potential cluster</a:t>
+              <a:t>Like Campaign 1, Campaign 5 was particularly successful with Clusters 1 and 5</a:t>
+            </a:r>
+          </a:p>
+          <a:p>
+            <a:r>
+              <a:rPr lang="en-US" dirty="0">
+                <a:solidFill>
+                  <a:schemeClr val="bg1"/>
+                </a:solidFill>
+              </a:rPr>
+              <a:t>The store had a good idea with these campaigns</a:t>
             </a:r>
           </a:p>
           <a:p>
@@ -11408,17 +11417,17 @@
                   <a:schemeClr val="bg1"/>
                 </a:solidFill>
               </a:rPr>
-              <a:t>Replicate the best parts of this campaign to attract those clusters</a:t>
+              <a:t>Improve campaigns like this one to attract even more such customers</a:t>
             </a:r>
           </a:p>
         </p:txBody>
       </p:sp>
       <p:pic>
         <p:nvPicPr>
-          <p:cNvPr id="5" name="Picture 4" descr="Chart, bar chart&#10;&#10;Description automatically generated">
-            <a:extLst>
-              <a:ext uri="{FF2B5EF4-FFF2-40B4-BE49-F238E27FC236}">
-                <a16:creationId xmlns:a16="http://schemas.microsoft.com/office/drawing/2014/main" id="{46037F74-8152-587E-F3A5-7E60E12D30F5}"/>
+          <p:cNvPr id="4" name="Picture 3" descr="Chart, bar chart&#10;&#10;Description automatically generated">
+            <a:extLst>
+              <a:ext uri="{FF2B5EF4-FFF2-40B4-BE49-F238E27FC236}">
+                <a16:creationId xmlns:a16="http://schemas.microsoft.com/office/drawing/2014/main" id="{5373D792-D90D-F624-4570-2511DE125AFD}"/>
               </a:ext>
             </a:extLst>
           </p:cNvPr>
@@ -11435,8 +11444,8 @@
         </p:blipFill>
         <p:spPr>
           <a:xfrm>
-            <a:off x="4169915" y="1072008"/>
-            <a:ext cx="8234035" cy="4713983"/>
+            <a:off x="4149854" y="951851"/>
+            <a:ext cx="8295086" cy="4748935"/>
           </a:xfrm>
           <a:prstGeom prst="rect">
             <a:avLst/>
@@ -11446,7 +11455,7 @@
     </p:spTree>
     <p:extLst>
       <p:ext uri="{BB962C8B-B14F-4D97-AF65-F5344CB8AC3E}">
-        <p14:creationId xmlns:p14="http://schemas.microsoft.com/office/powerpoint/2010/main" val="971546198"/>
+        <p14:creationId xmlns:p14="http://schemas.microsoft.com/office/powerpoint/2010/main" val="2023795720"/>
       </p:ext>
     </p:extLst>
   </p:cSld>
@@ -11483,7 +11492,7 @@
       </p:grpSpPr>
       <p:sp useBgFill="1">
         <p:nvSpPr>
-          <p:cNvPr id="61" name="Rectangle 60">
+          <p:cNvPr id="70" name="Rectangle 69">
             <a:extLst>
               <a:ext uri="{FF2B5EF4-FFF2-40B4-BE49-F238E27FC236}">
                 <a16:creationId xmlns:a16="http://schemas.microsoft.com/office/drawing/2014/main" id="{2A28AC4B-805D-4091-A648-61572081C7FB}"/>
@@ -11543,7 +11552,7 @@
       </p:sp>
       <p:sp>
         <p:nvSpPr>
-          <p:cNvPr id="63" name="Rectangle 62">
+          <p:cNvPr id="72" name="Rectangle 71">
             <a:extLst>
               <a:ext uri="{FF2B5EF4-FFF2-40B4-BE49-F238E27FC236}">
                 <a16:creationId xmlns:a16="http://schemas.microsoft.com/office/drawing/2014/main" id="{39373A6F-2E1F-4613-8E1D-D68057D29F31}"/>
@@ -11623,16 +11632,21 @@
           </a:bodyPr>
           <a:lstStyle/>
           <a:p>
-            <a:r>
-              <a:rPr lang="en-US" dirty="0"/>
-              <a:t>Campaign 5 acceptance</a:t>
-            </a:r>
-          </a:p>
-        </p:txBody>
-      </p:sp>
-      <p:sp>
-        <p:nvSpPr>
-          <p:cNvPr id="65" name="Rectangle 64">
+            <a:pPr>
+              <a:lnSpc>
+                <a:spcPct val="90000"/>
+              </a:lnSpc>
+            </a:pPr>
+            <a:r>
+              <a:rPr lang="en-US" sz="2200"/>
+              <a:t>Spending as proportion of daily income</a:t>
+            </a:r>
+          </a:p>
+        </p:txBody>
+      </p:sp>
+      <p:sp>
+        <p:nvSpPr>
+          <p:cNvPr id="74" name="Rectangle 73">
             <a:extLst>
               <a:ext uri="{FF2B5EF4-FFF2-40B4-BE49-F238E27FC236}">
                 <a16:creationId xmlns:a16="http://schemas.microsoft.com/office/drawing/2014/main" id="{A6D733BE-061E-4600-B6A3-62A68EF2C687}"/>
@@ -11662,7 +11676,7 @@
             <a:avLst/>
           </a:prstGeom>
           <a:solidFill>
-            <a:srgbClr val="D88E66"/>
+            <a:srgbClr val="C68460"/>
           </a:solidFill>
           <a:ln>
             <a:noFill/>
@@ -11718,17 +11732,7 @@
                   <a:schemeClr val="bg1"/>
                 </a:solidFill>
               </a:rPr>
-              <a:t>Like Campaign 1, Campaign 5 was particularly successful with Clusters 1 and 5</a:t>
-            </a:r>
-          </a:p>
-          <a:p>
-            <a:r>
-              <a:rPr lang="en-US" dirty="0">
-                <a:solidFill>
-                  <a:schemeClr val="bg1"/>
-                </a:solidFill>
-              </a:rPr>
-              <a:t>The store had a good idea with these campaigns</a:t>
+              <a:t> Cluster 5 is still in the lead followed by Clusters 1 and 0. Cluster 5 spends over 4% of their income at the store while Clusters 0 and 1 spend just over 2%. </a:t>
             </a:r>
           </a:p>
           <a:p>
@@ -11738,17 +11742,17 @@
                   <a:schemeClr val="bg1"/>
                 </a:solidFill>
               </a:rPr>
-              <a:t>Improve campaigns like this one to attract even more such customers</a:t>
+              <a:t>Look for ways to attract customers away from the alternatives</a:t>
             </a:r>
           </a:p>
         </p:txBody>
       </p:sp>
       <p:pic>
         <p:nvPicPr>
-          <p:cNvPr id="4" name="Picture 3" descr="Chart, bar chart&#10;&#10;Description automatically generated">
-            <a:extLst>
-              <a:ext uri="{FF2B5EF4-FFF2-40B4-BE49-F238E27FC236}">
-                <a16:creationId xmlns:a16="http://schemas.microsoft.com/office/drawing/2014/main" id="{5373D792-D90D-F624-4570-2511DE125AFD}"/>
+          <p:cNvPr id="5" name="Picture 4" descr="Chart, box and whisker chart&#10;&#10;Description automatically generated">
+            <a:extLst>
+              <a:ext uri="{FF2B5EF4-FFF2-40B4-BE49-F238E27FC236}">
+                <a16:creationId xmlns:a16="http://schemas.microsoft.com/office/drawing/2014/main" id="{8D01052A-0D10-DAB6-4806-641B77C75461}"/>
               </a:ext>
             </a:extLst>
           </p:cNvPr>
@@ -11765,8 +11769,8 @@
         </p:blipFill>
         <p:spPr>
           <a:xfrm>
-            <a:off x="4149854" y="951851"/>
-            <a:ext cx="8295086" cy="4748935"/>
+            <a:off x="4401141" y="575189"/>
+            <a:ext cx="7282013" cy="5825611"/>
           </a:xfrm>
           <a:prstGeom prst="rect">
             <a:avLst/>
@@ -11776,7 +11780,7 @@
     </p:spTree>
     <p:extLst>
       <p:ext uri="{BB962C8B-B14F-4D97-AF65-F5344CB8AC3E}">
-        <p14:creationId xmlns:p14="http://schemas.microsoft.com/office/powerpoint/2010/main" val="2023795720"/>
+        <p14:creationId xmlns:p14="http://schemas.microsoft.com/office/powerpoint/2010/main" val="1642588206"/>
       </p:ext>
     </p:extLst>
   </p:cSld>
@@ -11789,14 +11793,6 @@
 <file path=ppt/slides/slide29.xml><?xml version="1.0" encoding="utf-8"?>
 <p:sld xmlns:a="http://schemas.openxmlformats.org/drawingml/2006/main" xmlns:r="http://schemas.openxmlformats.org/officeDocument/2006/relationships" xmlns:p="http://schemas.openxmlformats.org/presentationml/2006/main">
   <p:cSld>
-    <p:bg>
-      <p:bgPr>
-        <a:solidFill>
-          <a:schemeClr val="bg1"/>
-        </a:solidFill>
-        <a:effectLst/>
-      </p:bgPr>
-    </p:bg>
     <p:spTree>
       <p:nvGrpSpPr>
         <p:cNvPr id="1" name=""/>
@@ -11811,126 +11807,40 @@
           <a:chExt cx="0" cy="0"/>
         </a:xfrm>
       </p:grpSpPr>
-      <p:sp useBgFill="1">
-        <p:nvSpPr>
-          <p:cNvPr id="70" name="Rectangle 69">
-            <a:extLst>
-              <a:ext uri="{FF2B5EF4-FFF2-40B4-BE49-F238E27FC236}">
-                <a16:creationId xmlns:a16="http://schemas.microsoft.com/office/drawing/2014/main" id="{2A28AC4B-805D-4091-A648-61572081C7FB}"/>
-              </a:ext>
-              <a:ext uri="{C183D7F6-B498-43B3-948B-1728B52AA6E4}">
-                <adec:decorative xmlns:adec="http://schemas.microsoft.com/office/drawing/2017/decorative" val="1"/>
-              </a:ext>
-            </a:extLst>
-          </p:cNvPr>
-          <p:cNvSpPr>
-            <a:spLocks noGrp="1" noRot="1" noChangeAspect="1" noMove="1" noResize="1" noEditPoints="1" noAdjustHandles="1" noChangeArrowheads="1" noChangeShapeType="1" noTextEdit="1"/>
-          </p:cNvSpPr>
-          <p:nvPr>
-            <p:extLst>
-              <p:ext uri="{386F3935-93C4-4BCD-93E2-E3B085C9AB24}">
-                <p16:designElem xmlns:p16="http://schemas.microsoft.com/office/powerpoint/2015/main" val="1"/>
-              </p:ext>
-            </p:extLst>
-          </p:nvPr>
-        </p:nvSpPr>
-        <p:spPr>
-          <a:xfrm>
-            <a:off x="0" y="614406"/>
-            <a:ext cx="12192000" cy="6243593"/>
-          </a:xfrm>
-          <a:prstGeom prst="rect">
-            <a:avLst/>
-          </a:prstGeom>
-          <a:ln>
-            <a:noFill/>
-          </a:ln>
-        </p:spPr>
-        <p:style>
-          <a:lnRef idx="2">
-            <a:schemeClr val="accent1">
-              <a:shade val="50000"/>
-            </a:schemeClr>
-          </a:lnRef>
-          <a:fillRef idx="1">
-            <a:schemeClr val="accent1"/>
-          </a:fillRef>
-          <a:effectRef idx="0">
-            <a:schemeClr val="accent1"/>
-          </a:effectRef>
-          <a:fontRef idx="minor">
-            <a:schemeClr val="lt1"/>
-          </a:fontRef>
-        </p:style>
-        <p:txBody>
-          <a:bodyPr rtlCol="0" anchor="ctr"/>
+      <p:sp>
+        <p:nvSpPr>
+          <p:cNvPr id="2" name="Title 1">
+            <a:extLst>
+              <a:ext uri="{FF2B5EF4-FFF2-40B4-BE49-F238E27FC236}">
+                <a16:creationId xmlns:a16="http://schemas.microsoft.com/office/drawing/2014/main" id="{2219958F-55A5-8230-D0F0-C1C5A2EA48F4}"/>
+              </a:ext>
+            </a:extLst>
+          </p:cNvPr>
+          <p:cNvSpPr>
+            <a:spLocks noGrp="1"/>
+          </p:cNvSpPr>
+          <p:nvPr>
+            <p:ph type="title"/>
+          </p:nvPr>
+        </p:nvSpPr>
+        <p:spPr/>
+        <p:txBody>
+          <a:bodyPr/>
           <a:lstStyle/>
           <a:p>
-            <a:pPr algn="ctr"/>
-            <a:endParaRPr lang="en-US"/>
-          </a:p>
-        </p:txBody>
-      </p:sp>
-      <p:sp>
-        <p:nvSpPr>
-          <p:cNvPr id="72" name="Rectangle 71">
-            <a:extLst>
-              <a:ext uri="{FF2B5EF4-FFF2-40B4-BE49-F238E27FC236}">
-                <a16:creationId xmlns:a16="http://schemas.microsoft.com/office/drawing/2014/main" id="{39373A6F-2E1F-4613-8E1D-D68057D29F31}"/>
-              </a:ext>
-              <a:ext uri="{C183D7F6-B498-43B3-948B-1728B52AA6E4}">
-                <adec:decorative xmlns:adec="http://schemas.microsoft.com/office/drawing/2017/decorative" val="1"/>
-              </a:ext>
-            </a:extLst>
-          </p:cNvPr>
-          <p:cNvSpPr>
-            <a:spLocks noGrp="1" noRot="1" noChangeAspect="1" noMove="1" noResize="1" noEditPoints="1" noAdjustHandles="1" noChangeArrowheads="1" noChangeShapeType="1" noTextEdit="1"/>
-          </p:cNvSpPr>
-          <p:nvPr>
-            <p:extLst>
-              <p:ext uri="{386F3935-93C4-4BCD-93E2-E3B085C9AB24}">
-                <p16:designElem xmlns:p16="http://schemas.microsoft.com/office/powerpoint/2015/main" val="1"/>
-              </p:ext>
-            </p:extLst>
-          </p:nvPr>
-        </p:nvSpPr>
-        <p:spPr>
-          <a:xfrm>
-            <a:off x="442377" y="614407"/>
-            <a:ext cx="3707477" cy="5611772"/>
-          </a:xfrm>
-          <a:prstGeom prst="rect">
-            <a:avLst/>
-          </a:prstGeom>
-          <a:solidFill>
-            <a:schemeClr val="accent1"/>
-          </a:solidFill>
-          <a:ln>
-            <a:noFill/>
-          </a:ln>
-          <a:effectLst/>
-        </p:spPr>
-        <p:style>
-          <a:lnRef idx="1">
-            <a:schemeClr val="accent1"/>
-          </a:lnRef>
-          <a:fillRef idx="3">
-            <a:schemeClr val="accent1"/>
-          </a:fillRef>
-          <a:effectRef idx="2">
-            <a:schemeClr val="accent1"/>
-          </a:effectRef>
-          <a:fontRef idx="minor">
-            <a:schemeClr val="lt1"/>
-          </a:fontRef>
-        </p:style>
-      </p:sp>
-      <p:sp>
-        <p:nvSpPr>
-          <p:cNvPr id="2" name="Title 1">
-            <a:extLst>
-              <a:ext uri="{FF2B5EF4-FFF2-40B4-BE49-F238E27FC236}">
-                <a16:creationId xmlns:a16="http://schemas.microsoft.com/office/drawing/2014/main" id="{16E3090D-4022-E03A-003E-E3E0632AB5FF}"/>
+            <a:r>
+              <a:rPr lang="en-US" dirty="0"/>
+              <a:t>Summary of findings</a:t>
+            </a:r>
+          </a:p>
+        </p:txBody>
+      </p:sp>
+      <p:sp>
+        <p:nvSpPr>
+          <p:cNvPr id="3" name="Content Placeholder 2">
+            <a:extLst>
+              <a:ext uri="{FF2B5EF4-FFF2-40B4-BE49-F238E27FC236}">
+                <a16:creationId xmlns:a16="http://schemas.microsoft.com/office/drawing/2014/main" id="{0CF5FD2C-87D9-9295-2774-E99BFB637AED}"/>
               </a:ext>
             </a:extLst>
           </p:cNvPr>
@@ -11938,170 +11848,129 @@
             <a:spLocks noGrp="1"/>
           </p:cNvSpPr>
           <p:nvPr>
-            <p:ph type="title"/>
-          </p:nvPr>
-        </p:nvSpPr>
-        <p:spPr>
-          <a:xfrm>
-            <a:off x="601255" y="702156"/>
-            <a:ext cx="3409783" cy="1013800"/>
+            <p:ph idx="1"/>
+          </p:nvPr>
+        </p:nvSpPr>
+        <p:spPr>
+          <a:xfrm>
+            <a:off x="581193" y="2477541"/>
+            <a:ext cx="11029615" cy="3678303"/>
           </a:xfrm>
         </p:spPr>
         <p:txBody>
           <a:bodyPr>
-            <a:normAutofit/>
+            <a:normAutofit fontScale="25000" lnSpcReduction="20000"/>
           </a:bodyPr>
           <a:lstStyle/>
           <a:p>
-            <a:pPr>
-              <a:lnSpc>
-                <a:spcPct val="90000"/>
-              </a:lnSpc>
-            </a:pPr>
-            <a:r>
-              <a:rPr lang="en-US" sz="2200"/>
-              <a:t>Spending as proportion of daily income</a:t>
-            </a:r>
-          </a:p>
-        </p:txBody>
-      </p:sp>
-      <p:sp>
-        <p:nvSpPr>
-          <p:cNvPr id="74" name="Rectangle 73">
-            <a:extLst>
-              <a:ext uri="{FF2B5EF4-FFF2-40B4-BE49-F238E27FC236}">
-                <a16:creationId xmlns:a16="http://schemas.microsoft.com/office/drawing/2014/main" id="{A6D733BE-061E-4600-B6A3-62A68EF2C687}"/>
-              </a:ext>
-              <a:ext uri="{C183D7F6-B498-43B3-948B-1728B52AA6E4}">
-                <adec:decorative xmlns:adec="http://schemas.microsoft.com/office/drawing/2017/decorative" val="1"/>
-              </a:ext>
-            </a:extLst>
-          </p:cNvPr>
-          <p:cNvSpPr>
-            <a:spLocks noGrp="1" noRot="1" noChangeAspect="1" noMove="1" noResize="1" noEditPoints="1" noAdjustHandles="1" noChangeArrowheads="1" noChangeShapeType="1" noTextEdit="1"/>
-          </p:cNvSpPr>
-          <p:nvPr>
-            <p:extLst>
-              <p:ext uri="{386F3935-93C4-4BCD-93E2-E3B085C9AB24}">
-                <p16:designElem xmlns:p16="http://schemas.microsoft.com/office/powerpoint/2015/main" val="1"/>
-              </p:ext>
-            </p:extLst>
-          </p:nvPr>
-        </p:nvSpPr>
-        <p:spPr>
-          <a:xfrm>
-            <a:off x="4241830" y="457200"/>
-            <a:ext cx="3703320" cy="91440"/>
-          </a:xfrm>
-          <a:prstGeom prst="rect">
-            <a:avLst/>
-          </a:prstGeom>
-          <a:solidFill>
-            <a:srgbClr val="C68460"/>
-          </a:solidFill>
-          <a:ln>
-            <a:noFill/>
-          </a:ln>
-          <a:effectLst/>
-        </p:spPr>
-        <p:style>
-          <a:lnRef idx="1">
-            <a:schemeClr val="accent1"/>
-          </a:lnRef>
-          <a:fillRef idx="3">
-            <a:schemeClr val="accent1"/>
-          </a:fillRef>
-          <a:effectRef idx="2">
-            <a:schemeClr val="accent1"/>
-          </a:effectRef>
-          <a:fontRef idx="minor">
-            <a:schemeClr val="lt1"/>
-          </a:fontRef>
-        </p:style>
-      </p:sp>
-      <p:sp>
-        <p:nvSpPr>
-          <p:cNvPr id="13" name="Content Placeholder 12">
-            <a:extLst>
-              <a:ext uri="{FF2B5EF4-FFF2-40B4-BE49-F238E27FC236}">
-                <a16:creationId xmlns:a16="http://schemas.microsoft.com/office/drawing/2014/main" id="{BF8BDCC7-A0C9-D029-9AC7-BDC980490740}"/>
-              </a:ext>
-            </a:extLst>
-          </p:cNvPr>
-          <p:cNvSpPr>
-            <a:spLocks noGrp="1"/>
-          </p:cNvSpPr>
-          <p:nvPr>
-            <p:ph idx="1"/>
-          </p:nvPr>
-        </p:nvSpPr>
-        <p:spPr>
-          <a:xfrm>
-            <a:off x="601255" y="1964168"/>
-            <a:ext cx="3409782" cy="4036582"/>
-          </a:xfrm>
-        </p:spPr>
-        <p:txBody>
-          <a:bodyPr>
-            <a:normAutofit/>
-          </a:bodyPr>
-          <a:lstStyle/>
-          <a:p>
-            <a:r>
-              <a:rPr lang="en-US" dirty="0">
+            <a:endParaRPr lang="en-US" i="1" dirty="0"/>
+          </a:p>
+          <a:p>
+            <a:endParaRPr lang="en-US" i="1" dirty="0"/>
+          </a:p>
+          <a:p>
+            <a:endParaRPr lang="en-US" sz="9600" i="1" dirty="0"/>
+          </a:p>
+          <a:p>
+            <a:endParaRPr lang="en-US" sz="8000" dirty="0"/>
+          </a:p>
+          <a:p>
+            <a:endParaRPr lang="en-US" sz="8000" dirty="0"/>
+          </a:p>
+          <a:p>
+            <a:endParaRPr lang="en-US" sz="8000" dirty="0"/>
+          </a:p>
+          <a:p>
+            <a:r>
+              <a:rPr lang="en-US" sz="8000" dirty="0"/>
+              <a:t>If run deals, target these at Clusters 2-4 </a:t>
+            </a:r>
+          </a:p>
+          <a:p>
+            <a:r>
+              <a:rPr lang="en-US" sz="8000" dirty="0"/>
+              <a:t>Concentrate on making/keeping the web page appealing for Clusters 0, 1, and 5</a:t>
+            </a:r>
+          </a:p>
+          <a:p>
+            <a:r>
+              <a:rPr lang="en-US" sz="8000" dirty="0"/>
+              <a:t>Make sure to have a polished catalog, especially for Cluster 5 customers, who could bring in the most revenue in the future</a:t>
+            </a:r>
+          </a:p>
+          <a:p>
+            <a:r>
+              <a:rPr lang="en-US" sz="8000" dirty="0"/>
+              <a:t>Make customers’ in-store experience customers pleasant as high-spending clusters seem to value it</a:t>
+            </a:r>
+          </a:p>
+          <a:p>
+            <a:r>
+              <a:rPr lang="en-US" sz="8000" dirty="0"/>
+              <a:t>Learn from Campaign 2 in order to not repeat it</a:t>
+            </a:r>
+          </a:p>
+          <a:p>
+            <a:r>
+              <a:rPr lang="en-US" sz="8000" dirty="0"/>
+              <a:t>Concentrate on running and improving campaigns like Campaign1 and 5, as these attract the high-spending customers</a:t>
+            </a:r>
+          </a:p>
+          <a:p>
+            <a:r>
+              <a:rPr lang="en-US" sz="8000" dirty="0"/>
+              <a:t>Concentrate on identifying and attracting customers like Cluster 5 for highest future expected revenue </a:t>
+            </a:r>
+          </a:p>
+          <a:p>
+            <a:r>
+              <a:rPr lang="en-US" sz="8000" dirty="0"/>
+              <a:t>Look for ways to attract customers away from the alternatives as customers spend a moderate proportion of their daily income at the store</a:t>
+            </a:r>
+            <a:r>
+              <a:rPr lang="en-US" sz="8000" i="1" dirty="0">
                 <a:solidFill>
                   <a:schemeClr val="bg1"/>
                 </a:solidFill>
               </a:rPr>
-              <a:t> Cluster 5 is still in the lead followed by Clusters 1 and 0. Cluster 5 spends over 4% of their income at the store while Clusters 0 and 1 spend just over 2%. </a:t>
-            </a:r>
-          </a:p>
-          <a:p>
-            <a:r>
-              <a:rPr lang="en-US" i="1" dirty="0">
+              <a:t> ways </a:t>
+            </a:r>
+            <a:r>
+              <a:rPr lang="en-US" sz="9600" i="1" dirty="0">
                 <a:solidFill>
                   <a:schemeClr val="bg1"/>
                 </a:solidFill>
               </a:rPr>
-              <a:t>Look for ways to attract customers away from the alternatives</a:t>
-            </a:r>
-          </a:p>
-        </p:txBody>
-      </p:sp>
-      <p:pic>
-        <p:nvPicPr>
-          <p:cNvPr id="5" name="Picture 4" descr="Chart, box and whisker chart&#10;&#10;Description automatically generated">
-            <a:extLst>
-              <a:ext uri="{FF2B5EF4-FFF2-40B4-BE49-F238E27FC236}">
-                <a16:creationId xmlns:a16="http://schemas.microsoft.com/office/drawing/2014/main" id="{8D01052A-0D10-DAB6-4806-641B77C75461}"/>
-              </a:ext>
-            </a:extLst>
-          </p:cNvPr>
-          <p:cNvPicPr>
-            <a:picLocks noChangeAspect="1"/>
-          </p:cNvPicPr>
-          <p:nvPr/>
-        </p:nvPicPr>
-        <p:blipFill>
-          <a:blip r:embed="rId2"/>
-          <a:stretch>
-            <a:fillRect/>
-          </a:stretch>
-        </p:blipFill>
-        <p:spPr>
-          <a:xfrm>
-            <a:off x="4401141" y="575189"/>
-            <a:ext cx="7282013" cy="5825611"/>
-          </a:xfrm>
-          <a:prstGeom prst="rect">
-            <a:avLst/>
-          </a:prstGeom>
-        </p:spPr>
-      </p:pic>
+              <a:t>to attract customers away from the alternatives</a:t>
+            </a:r>
+          </a:p>
+          <a:p>
+            <a:endParaRPr lang="en-US" sz="9600" dirty="0"/>
+          </a:p>
+          <a:p>
+            <a:pPr marL="0" indent="0">
+              <a:buNone/>
+            </a:pPr>
+            <a:endParaRPr lang="en-US" sz="9600" i="1" dirty="0"/>
+          </a:p>
+          <a:p>
+            <a:endParaRPr lang="en-US" i="1" dirty="0"/>
+          </a:p>
+          <a:p>
+            <a:endParaRPr lang="en-US" i="1" dirty="0"/>
+          </a:p>
+          <a:p>
+            <a:endParaRPr lang="en-US" i="1" dirty="0"/>
+          </a:p>
+          <a:p>
+            <a:endParaRPr lang="en-US" dirty="0"/>
+          </a:p>
+        </p:txBody>
+      </p:sp>
     </p:spTree>
     <p:extLst>
       <p:ext uri="{BB962C8B-B14F-4D97-AF65-F5344CB8AC3E}">
-        <p14:creationId xmlns:p14="http://schemas.microsoft.com/office/powerpoint/2010/main" val="1642588206"/>
+        <p14:creationId xmlns:p14="http://schemas.microsoft.com/office/powerpoint/2010/main" val="4108084837"/>
       </p:ext>
     </p:extLst>
   </p:cSld>
@@ -12272,7 +12141,7 @@
           <a:p>
             <a:r>
               <a:rPr lang="en-US" dirty="0"/>
-              <a:t>Summary of findings</a:t>
+              <a:t>Future work (part 1)</a:t>
             </a:r>
           </a:p>
         </p:txBody>
@@ -12295,7 +12164,7 @@
         </p:nvSpPr>
         <p:spPr>
           <a:xfrm>
-            <a:off x="581193" y="2477541"/>
+            <a:off x="581192" y="2073780"/>
             <a:ext cx="11029615" cy="3678303"/>
           </a:xfrm>
         </p:spPr>
@@ -12314,80 +12183,49 @@
             <a:endParaRPr lang="en-US" sz="9600" i="1" dirty="0"/>
           </a:p>
           <a:p>
-            <a:endParaRPr lang="en-US" sz="8000" dirty="0"/>
-          </a:p>
-          <a:p>
-            <a:endParaRPr lang="en-US" sz="8000" dirty="0"/>
-          </a:p>
-          <a:p>
-            <a:endParaRPr lang="en-US" sz="8000" dirty="0"/>
-          </a:p>
-          <a:p>
-            <a:r>
-              <a:rPr lang="en-US" sz="8000" dirty="0"/>
-              <a:t>If run deals, target these at Clusters 2-4 </a:t>
-            </a:r>
-          </a:p>
-          <a:p>
-            <a:r>
-              <a:rPr lang="en-US" sz="8000" dirty="0"/>
-              <a:t>Concentrate on making/keeping the web page appealing for Clusters 0, 1, and 5</a:t>
-            </a:r>
-          </a:p>
-          <a:p>
-            <a:r>
-              <a:rPr lang="en-US" sz="8000" dirty="0"/>
-              <a:t>Make sure to have a polished catalog, especially for Cluster 5 customers, who could bring in the most revenue in the future</a:t>
-            </a:r>
-          </a:p>
-          <a:p>
-            <a:r>
-              <a:rPr lang="en-US" sz="8000" dirty="0"/>
-              <a:t>Make customers’ in-store experience customers pleasant as high-spending clusters seem to value it</a:t>
-            </a:r>
-          </a:p>
-          <a:p>
-            <a:r>
-              <a:rPr lang="en-US" sz="8000" dirty="0"/>
-              <a:t>Learn from Campaign 2 in order to not repeat it</a:t>
-            </a:r>
-          </a:p>
-          <a:p>
-            <a:r>
-              <a:rPr lang="en-US" sz="8000" dirty="0"/>
-              <a:t>Concentrate on running and improving campaigns like Campaign1 and 5, as these attract the high-spending customers</a:t>
-            </a:r>
-          </a:p>
-          <a:p>
-            <a:r>
-              <a:rPr lang="en-US" sz="8000" dirty="0"/>
-              <a:t>Concentrate on identifying and attracting customers like Cluster 5 for highest future expected revenue </a:t>
-            </a:r>
-          </a:p>
-          <a:p>
-            <a:r>
-              <a:rPr lang="en-US" sz="8000" dirty="0"/>
-              <a:t>Look for ways to attract customers away from the alternatives as customers spend a moderate proportion of their daily income at the store</a:t>
-            </a:r>
-            <a:r>
-              <a:rPr lang="en-US" sz="8000" i="1" dirty="0">
-                <a:solidFill>
-                  <a:schemeClr val="bg1"/>
-                </a:solidFill>
-              </a:rPr>
-              <a:t> ways </a:t>
-            </a:r>
-            <a:r>
-              <a:rPr lang="en-US" sz="9600" i="1" dirty="0">
-                <a:solidFill>
-                  <a:schemeClr val="bg1"/>
-                </a:solidFill>
-              </a:rPr>
-              <a:t>to attract customers away from the alternatives</a:t>
-            </a:r>
-          </a:p>
-          <a:p>
             <a:endParaRPr lang="en-US" sz="9600" dirty="0"/>
+          </a:p>
+          <a:p>
+            <a:r>
+              <a:rPr lang="en-US" sz="9600" dirty="0"/>
+              <a:t>It would be helpful to have more information about the data set and the store in order to answer the following questions:</a:t>
+            </a:r>
+          </a:p>
+          <a:p>
+            <a:pPr lvl="1"/>
+            <a:r>
+              <a:rPr lang="en-US" sz="9600" dirty="0"/>
+              <a:t>What do we know about the rationale behind each campaign? What distinguishes the campaigns?</a:t>
+            </a:r>
+          </a:p>
+          <a:p>
+            <a:pPr lvl="1"/>
+            <a:r>
+              <a:rPr lang="en-US" sz="9600" dirty="0"/>
+              <a:t>What more can we learn about our customers? Specifically, are there factors that differentiate Cluster 5 that are not in the data? (</a:t>
+            </a:r>
+            <a:r>
+              <a:rPr lang="en-US" sz="9600" u="sng" dirty="0"/>
+              <a:t>Surveys</a:t>
+            </a:r>
+            <a:r>
+              <a:rPr lang="en-US" sz="9600" dirty="0"/>
+              <a:t>)</a:t>
+            </a:r>
+          </a:p>
+          <a:p>
+            <a:pPr lvl="1"/>
+            <a:r>
+              <a:rPr lang="en-US" sz="9600" dirty="0"/>
+              <a:t>What else can be learned about the way the store is making customers in-store and online shopping experience pleasant? Are there way to improve?</a:t>
+            </a:r>
+          </a:p>
+          <a:p>
+            <a:pPr lvl="1"/>
+            <a:r>
+              <a:rPr lang="en-US" sz="9600" dirty="0"/>
+              <a:t>Can the store learn to do profitable business with Cluster 2-4?</a:t>
+            </a:r>
           </a:p>
           <a:p>
             <a:pPr marL="0" indent="0">
@@ -12412,7 +12250,7 @@
     </p:spTree>
     <p:extLst>
       <p:ext uri="{BB962C8B-B14F-4D97-AF65-F5344CB8AC3E}">
-        <p14:creationId xmlns:p14="http://schemas.microsoft.com/office/powerpoint/2010/main" val="4108084837"/>
+        <p14:creationId xmlns:p14="http://schemas.microsoft.com/office/powerpoint/2010/main" val="1875608556"/>
       </p:ext>
     </p:extLst>
   </p:cSld>
@@ -12462,165 +12300,6 @@
           <a:p>
             <a:r>
               <a:rPr lang="en-US" dirty="0"/>
-              <a:t>Future work (part 1)</a:t>
-            </a:r>
-          </a:p>
-        </p:txBody>
-      </p:sp>
-      <p:sp>
-        <p:nvSpPr>
-          <p:cNvPr id="3" name="Content Placeholder 2">
-            <a:extLst>
-              <a:ext uri="{FF2B5EF4-FFF2-40B4-BE49-F238E27FC236}">
-                <a16:creationId xmlns:a16="http://schemas.microsoft.com/office/drawing/2014/main" id="{0CF5FD2C-87D9-9295-2774-E99BFB637AED}"/>
-              </a:ext>
-            </a:extLst>
-          </p:cNvPr>
-          <p:cNvSpPr>
-            <a:spLocks noGrp="1"/>
-          </p:cNvSpPr>
-          <p:nvPr>
-            <p:ph idx="1"/>
-          </p:nvPr>
-        </p:nvSpPr>
-        <p:spPr>
-          <a:xfrm>
-            <a:off x="581192" y="2073780"/>
-            <a:ext cx="11029615" cy="3678303"/>
-          </a:xfrm>
-        </p:spPr>
-        <p:txBody>
-          <a:bodyPr>
-            <a:normAutofit fontScale="25000" lnSpcReduction="20000"/>
-          </a:bodyPr>
-          <a:lstStyle/>
-          <a:p>
-            <a:endParaRPr lang="en-US" i="1" dirty="0"/>
-          </a:p>
-          <a:p>
-            <a:endParaRPr lang="en-US" i="1" dirty="0"/>
-          </a:p>
-          <a:p>
-            <a:endParaRPr lang="en-US" sz="9600" i="1" dirty="0"/>
-          </a:p>
-          <a:p>
-            <a:endParaRPr lang="en-US" sz="9600" dirty="0"/>
-          </a:p>
-          <a:p>
-            <a:r>
-              <a:rPr lang="en-US" sz="9600" dirty="0"/>
-              <a:t>It would be helpful to have more information about the data set and the store in order to answer the following questions:</a:t>
-            </a:r>
-          </a:p>
-          <a:p>
-            <a:pPr lvl="1"/>
-            <a:r>
-              <a:rPr lang="en-US" sz="9600" dirty="0"/>
-              <a:t>What do we know about the rationale behind each campaign? What distinguishes the campaigns?</a:t>
-            </a:r>
-          </a:p>
-          <a:p>
-            <a:pPr lvl="1"/>
-            <a:r>
-              <a:rPr lang="en-US" sz="9600" dirty="0"/>
-              <a:t>What more can we learn about our customers? Specifically, are there factors that differentiate Cluster 5 that are not in the data? (</a:t>
-            </a:r>
-            <a:r>
-              <a:rPr lang="en-US" sz="9600" u="sng" dirty="0"/>
-              <a:t>Surveys</a:t>
-            </a:r>
-            <a:r>
-              <a:rPr lang="en-US" sz="9600" dirty="0"/>
-              <a:t>)</a:t>
-            </a:r>
-          </a:p>
-          <a:p>
-            <a:pPr lvl="1"/>
-            <a:r>
-              <a:rPr lang="en-US" sz="9600" dirty="0"/>
-              <a:t>What else can be learned about the way the store is making customers in-store and online shopping experience pleasant? Are there way to improve?</a:t>
-            </a:r>
-          </a:p>
-          <a:p>
-            <a:pPr lvl="1"/>
-            <a:r>
-              <a:rPr lang="en-US" sz="9600" dirty="0"/>
-              <a:t>Can the store learn to do profitable business with Cluster 2-4?</a:t>
-            </a:r>
-          </a:p>
-          <a:p>
-            <a:pPr marL="0" indent="0">
-              <a:buNone/>
-            </a:pPr>
-            <a:endParaRPr lang="en-US" sz="9600" i="1" dirty="0"/>
-          </a:p>
-          <a:p>
-            <a:endParaRPr lang="en-US" i="1" dirty="0"/>
-          </a:p>
-          <a:p>
-            <a:endParaRPr lang="en-US" i="1" dirty="0"/>
-          </a:p>
-          <a:p>
-            <a:endParaRPr lang="en-US" i="1" dirty="0"/>
-          </a:p>
-          <a:p>
-            <a:endParaRPr lang="en-US" dirty="0"/>
-          </a:p>
-        </p:txBody>
-      </p:sp>
-    </p:spTree>
-    <p:extLst>
-      <p:ext uri="{BB962C8B-B14F-4D97-AF65-F5344CB8AC3E}">
-        <p14:creationId xmlns:p14="http://schemas.microsoft.com/office/powerpoint/2010/main" val="1875608556"/>
-      </p:ext>
-    </p:extLst>
-  </p:cSld>
-  <p:clrMapOvr>
-    <a:masterClrMapping/>
-  </p:clrMapOvr>
-</p:sld>
-</file>
-
-<file path=ppt/slides/slide32.xml><?xml version="1.0" encoding="utf-8"?>
-<p:sld xmlns:a="http://schemas.openxmlformats.org/drawingml/2006/main" xmlns:r="http://schemas.openxmlformats.org/officeDocument/2006/relationships" xmlns:p="http://schemas.openxmlformats.org/presentationml/2006/main">
-  <p:cSld>
-    <p:spTree>
-      <p:nvGrpSpPr>
-        <p:cNvPr id="1" name=""/>
-        <p:cNvGrpSpPr/>
-        <p:nvPr/>
-      </p:nvGrpSpPr>
-      <p:grpSpPr>
-        <a:xfrm>
-          <a:off x="0" y="0"/>
-          <a:ext cx="0" cy="0"/>
-          <a:chOff x="0" y="0"/>
-          <a:chExt cx="0" cy="0"/>
-        </a:xfrm>
-      </p:grpSpPr>
-      <p:sp>
-        <p:nvSpPr>
-          <p:cNvPr id="2" name="Title 1">
-            <a:extLst>
-              <a:ext uri="{FF2B5EF4-FFF2-40B4-BE49-F238E27FC236}">
-                <a16:creationId xmlns:a16="http://schemas.microsoft.com/office/drawing/2014/main" id="{2219958F-55A5-8230-D0F0-C1C5A2EA48F4}"/>
-              </a:ext>
-            </a:extLst>
-          </p:cNvPr>
-          <p:cNvSpPr>
-            <a:spLocks noGrp="1"/>
-          </p:cNvSpPr>
-          <p:nvPr>
-            <p:ph type="title"/>
-          </p:nvPr>
-        </p:nvSpPr>
-        <p:spPr/>
-        <p:txBody>
-          <a:bodyPr/>
-          <a:lstStyle/>
-          <a:p>
-            <a:r>
-              <a:rPr lang="en-US" dirty="0"/>
               <a:t>Future work (part ii)</a:t>
             </a:r>
           </a:p>
@@ -12725,7 +12404,7 @@
 </p:sld>
 </file>
 
-<file path=ppt/slides/slide33.xml><?xml version="1.0" encoding="utf-8"?>
+<file path=ppt/slides/slide32.xml><?xml version="1.0" encoding="utf-8"?>
 <p:sld xmlns:a="http://schemas.openxmlformats.org/drawingml/2006/main" xmlns:r="http://schemas.openxmlformats.org/officeDocument/2006/relationships" xmlns:p="http://schemas.openxmlformats.org/presentationml/2006/main">
   <p:cSld>
     <p:spTree>
